--- a/화면 구성.pptx
+++ b/화면 구성.pptx
@@ -7,8 +7,10 @@
   <p:sldIdLst>
     <p:sldId id="256" r:id="rId2"/>
     <p:sldId id="257" r:id="rId3"/>
-    <p:sldId id="258" r:id="rId4"/>
-    <p:sldId id="259" r:id="rId5"/>
+    <p:sldId id="260" r:id="rId4"/>
+    <p:sldId id="258" r:id="rId5"/>
+    <p:sldId id="259" r:id="rId6"/>
+    <p:sldId id="261" r:id="rId7"/>
   </p:sldIdLst>
   <p:sldSz cx="12192000" cy="6858000"/>
   <p:notesSz cx="6858000" cy="9144000"/>
@@ -107,6 +109,11 @@
       </a:defRPr>
     </a:lvl9pPr>
   </p:defaultTextStyle>
+  <p:extLst>
+    <p:ext uri="{EFAFB233-063F-42B5-8137-9DF3F51BA10A}">
+      <p15:sldGuideLst xmlns:p15="http://schemas.microsoft.com/office/powerpoint/2012/main"/>
+    </p:ext>
+  </p:extLst>
 </p:presentation>
 </file>
 
@@ -257,7 +264,7 @@
           <a:p>
             <a:fld id="{7F3FEEF4-08F7-47AC-A06A-993F314EEC18}" type="datetimeFigureOut">
               <a:rPr lang="ko-KR" altLang="en-US" smtClean="0"/>
-              <a:t>2023-04-05</a:t>
+              <a:t>2023-04-13</a:t>
             </a:fld>
             <a:endParaRPr lang="ko-KR" altLang="en-US"/>
           </a:p>
@@ -455,7 +462,7 @@
           <a:p>
             <a:fld id="{7F3FEEF4-08F7-47AC-A06A-993F314EEC18}" type="datetimeFigureOut">
               <a:rPr lang="ko-KR" altLang="en-US" smtClean="0"/>
-              <a:t>2023-04-05</a:t>
+              <a:t>2023-04-13</a:t>
             </a:fld>
             <a:endParaRPr lang="ko-KR" altLang="en-US"/>
           </a:p>
@@ -663,7 +670,7 @@
           <a:p>
             <a:fld id="{7F3FEEF4-08F7-47AC-A06A-993F314EEC18}" type="datetimeFigureOut">
               <a:rPr lang="ko-KR" altLang="en-US" smtClean="0"/>
-              <a:t>2023-04-05</a:t>
+              <a:t>2023-04-13</a:t>
             </a:fld>
             <a:endParaRPr lang="ko-KR" altLang="en-US"/>
           </a:p>
@@ -861,7 +868,7 @@
           <a:p>
             <a:fld id="{7F3FEEF4-08F7-47AC-A06A-993F314EEC18}" type="datetimeFigureOut">
               <a:rPr lang="ko-KR" altLang="en-US" smtClean="0"/>
-              <a:t>2023-04-05</a:t>
+              <a:t>2023-04-13</a:t>
             </a:fld>
             <a:endParaRPr lang="ko-KR" altLang="en-US"/>
           </a:p>
@@ -1136,7 +1143,7 @@
           <a:p>
             <a:fld id="{7F3FEEF4-08F7-47AC-A06A-993F314EEC18}" type="datetimeFigureOut">
               <a:rPr lang="ko-KR" altLang="en-US" smtClean="0"/>
-              <a:t>2023-04-05</a:t>
+              <a:t>2023-04-13</a:t>
             </a:fld>
             <a:endParaRPr lang="ko-KR" altLang="en-US"/>
           </a:p>
@@ -1401,7 +1408,7 @@
           <a:p>
             <a:fld id="{7F3FEEF4-08F7-47AC-A06A-993F314EEC18}" type="datetimeFigureOut">
               <a:rPr lang="ko-KR" altLang="en-US" smtClean="0"/>
-              <a:t>2023-04-05</a:t>
+              <a:t>2023-04-13</a:t>
             </a:fld>
             <a:endParaRPr lang="ko-KR" altLang="en-US"/>
           </a:p>
@@ -1813,7 +1820,7 @@
           <a:p>
             <a:fld id="{7F3FEEF4-08F7-47AC-A06A-993F314EEC18}" type="datetimeFigureOut">
               <a:rPr lang="ko-KR" altLang="en-US" smtClean="0"/>
-              <a:t>2023-04-05</a:t>
+              <a:t>2023-04-13</a:t>
             </a:fld>
             <a:endParaRPr lang="ko-KR" altLang="en-US"/>
           </a:p>
@@ -1954,7 +1961,7 @@
           <a:p>
             <a:fld id="{7F3FEEF4-08F7-47AC-A06A-993F314EEC18}" type="datetimeFigureOut">
               <a:rPr lang="ko-KR" altLang="en-US" smtClean="0"/>
-              <a:t>2023-04-05</a:t>
+              <a:t>2023-04-13</a:t>
             </a:fld>
             <a:endParaRPr lang="ko-KR" altLang="en-US"/>
           </a:p>
@@ -2067,7 +2074,7 @@
           <a:p>
             <a:fld id="{7F3FEEF4-08F7-47AC-A06A-993F314EEC18}" type="datetimeFigureOut">
               <a:rPr lang="ko-KR" altLang="en-US" smtClean="0"/>
-              <a:t>2023-04-05</a:t>
+              <a:t>2023-04-13</a:t>
             </a:fld>
             <a:endParaRPr lang="ko-KR" altLang="en-US"/>
           </a:p>
@@ -2378,7 +2385,7 @@
           <a:p>
             <a:fld id="{7F3FEEF4-08F7-47AC-A06A-993F314EEC18}" type="datetimeFigureOut">
               <a:rPr lang="ko-KR" altLang="en-US" smtClean="0"/>
-              <a:t>2023-04-05</a:t>
+              <a:t>2023-04-13</a:t>
             </a:fld>
             <a:endParaRPr lang="ko-KR" altLang="en-US"/>
           </a:p>
@@ -2666,7 +2673,7 @@
           <a:p>
             <a:fld id="{7F3FEEF4-08F7-47AC-A06A-993F314EEC18}" type="datetimeFigureOut">
               <a:rPr lang="ko-KR" altLang="en-US" smtClean="0"/>
-              <a:t>2023-04-05</a:t>
+              <a:t>2023-04-13</a:t>
             </a:fld>
             <a:endParaRPr lang="ko-KR" altLang="en-US"/>
           </a:p>
@@ -2907,7 +2914,7 @@
           <a:p>
             <a:fld id="{7F3FEEF4-08F7-47AC-A06A-993F314EEC18}" type="datetimeFigureOut">
               <a:rPr lang="ko-KR" altLang="en-US" smtClean="0"/>
-              <a:t>2023-04-05</a:t>
+              <a:t>2023-04-13</a:t>
             </a:fld>
             <a:endParaRPr lang="ko-KR" altLang="en-US"/>
           </a:p>
@@ -3587,6 +3594,822 @@
           </a:p>
         </p:txBody>
       </p:sp>
+      <p:sp>
+        <p:nvSpPr>
+          <p:cNvPr id="6" name="직사각형 5">
+            <a:extLst>
+              <a:ext uri="{FF2B5EF4-FFF2-40B4-BE49-F238E27FC236}">
+                <a16:creationId xmlns:a16="http://schemas.microsoft.com/office/drawing/2014/main" id="{49FA1BCF-4AC5-B9D8-E110-7C4D24E6951A}"/>
+              </a:ext>
+            </a:extLst>
+          </p:cNvPr>
+          <p:cNvSpPr/>
+          <p:nvPr/>
+        </p:nvSpPr>
+        <p:spPr>
+          <a:xfrm>
+            <a:off x="4063886" y="1631193"/>
+            <a:ext cx="3326920" cy="2774968"/>
+          </a:xfrm>
+          <a:prstGeom prst="rect">
+            <a:avLst/>
+          </a:prstGeom>
+        </p:spPr>
+        <p:style>
+          <a:lnRef idx="2">
+            <a:schemeClr val="dk1"/>
+          </a:lnRef>
+          <a:fillRef idx="1">
+            <a:schemeClr val="lt1"/>
+          </a:fillRef>
+          <a:effectRef idx="0">
+            <a:schemeClr val="dk1"/>
+          </a:effectRef>
+          <a:fontRef idx="minor">
+            <a:schemeClr val="dk1"/>
+          </a:fontRef>
+        </p:style>
+        <p:txBody>
+          <a:bodyPr rtlCol="0" anchor="ctr"/>
+          <a:lstStyle/>
+          <a:p>
+            <a:pPr algn="ctr"/>
+            <a:endParaRPr lang="ko-KR" altLang="en-US" sz="1400"/>
+          </a:p>
+        </p:txBody>
+      </p:sp>
+      <p:sp>
+        <p:nvSpPr>
+          <p:cNvPr id="7" name="사각형: 둥근 모서리 6">
+            <a:extLst>
+              <a:ext uri="{FF2B5EF4-FFF2-40B4-BE49-F238E27FC236}">
+                <a16:creationId xmlns:a16="http://schemas.microsoft.com/office/drawing/2014/main" id="{57D69260-C731-00E4-E551-C0AFCBC78FBB}"/>
+              </a:ext>
+            </a:extLst>
+          </p:cNvPr>
+          <p:cNvSpPr/>
+          <p:nvPr/>
+        </p:nvSpPr>
+        <p:spPr>
+          <a:xfrm>
+            <a:off x="4351546" y="4493228"/>
+            <a:ext cx="1044755" cy="235179"/>
+          </a:xfrm>
+          <a:prstGeom prst="roundRect">
+            <a:avLst/>
+          </a:prstGeom>
+          <a:solidFill>
+            <a:schemeClr val="tx1"/>
+          </a:solidFill>
+        </p:spPr>
+        <p:style>
+          <a:lnRef idx="2">
+            <a:schemeClr val="accent1">
+              <a:shade val="50000"/>
+            </a:schemeClr>
+          </a:lnRef>
+          <a:fillRef idx="1">
+            <a:schemeClr val="accent1"/>
+          </a:fillRef>
+          <a:effectRef idx="0">
+            <a:schemeClr val="accent1"/>
+          </a:effectRef>
+          <a:fontRef idx="minor">
+            <a:schemeClr val="lt1"/>
+          </a:fontRef>
+        </p:style>
+        <p:txBody>
+          <a:bodyPr rtlCol="0" anchor="ctr"/>
+          <a:lstStyle/>
+          <a:p>
+            <a:pPr algn="ctr"/>
+            <a:r>
+              <a:rPr lang="en-US" altLang="ko-KR" dirty="0"/>
+              <a:t>Sign up</a:t>
+            </a:r>
+            <a:endParaRPr lang="ko-KR" altLang="en-US" dirty="0"/>
+          </a:p>
+        </p:txBody>
+      </p:sp>
+      <p:sp>
+        <p:nvSpPr>
+          <p:cNvPr id="8" name="사각형: 둥근 모서리 7">
+            <a:extLst>
+              <a:ext uri="{FF2B5EF4-FFF2-40B4-BE49-F238E27FC236}">
+                <a16:creationId xmlns:a16="http://schemas.microsoft.com/office/drawing/2014/main" id="{2092768A-A1B3-A9A0-8E04-A217E6B3E593}"/>
+              </a:ext>
+            </a:extLst>
+          </p:cNvPr>
+          <p:cNvSpPr/>
+          <p:nvPr/>
+        </p:nvSpPr>
+        <p:spPr>
+          <a:xfrm>
+            <a:off x="6031300" y="4493227"/>
+            <a:ext cx="1044755" cy="235179"/>
+          </a:xfrm>
+          <a:prstGeom prst="roundRect">
+            <a:avLst/>
+          </a:prstGeom>
+          <a:solidFill>
+            <a:schemeClr val="tx1"/>
+          </a:solidFill>
+        </p:spPr>
+        <p:style>
+          <a:lnRef idx="2">
+            <a:schemeClr val="accent1">
+              <a:shade val="50000"/>
+            </a:schemeClr>
+          </a:lnRef>
+          <a:fillRef idx="1">
+            <a:schemeClr val="accent1"/>
+          </a:fillRef>
+          <a:effectRef idx="0">
+            <a:schemeClr val="accent1"/>
+          </a:effectRef>
+          <a:fontRef idx="minor">
+            <a:schemeClr val="lt1"/>
+          </a:fontRef>
+        </p:style>
+        <p:txBody>
+          <a:bodyPr rtlCol="0" anchor="ctr"/>
+          <a:lstStyle/>
+          <a:p>
+            <a:pPr algn="ctr"/>
+            <a:r>
+              <a:rPr lang="en-US" altLang="ko-KR" dirty="0"/>
+              <a:t>cancel</a:t>
+            </a:r>
+            <a:endParaRPr lang="ko-KR" altLang="en-US" dirty="0"/>
+          </a:p>
+        </p:txBody>
+      </p:sp>
+      <p:sp>
+        <p:nvSpPr>
+          <p:cNvPr id="9" name="TextBox 8">
+            <a:extLst>
+              <a:ext uri="{FF2B5EF4-FFF2-40B4-BE49-F238E27FC236}">
+                <a16:creationId xmlns:a16="http://schemas.microsoft.com/office/drawing/2014/main" id="{93932214-EC77-70FE-22DE-5D60814F327A}"/>
+              </a:ext>
+            </a:extLst>
+          </p:cNvPr>
+          <p:cNvSpPr txBox="1"/>
+          <p:nvPr/>
+        </p:nvSpPr>
+        <p:spPr>
+          <a:xfrm>
+            <a:off x="8781212" y="1063897"/>
+            <a:ext cx="3410788" cy="4247317"/>
+          </a:xfrm>
+          <a:prstGeom prst="rect">
+            <a:avLst/>
+          </a:prstGeom>
+          <a:noFill/>
+        </p:spPr>
+        <p:txBody>
+          <a:bodyPr wrap="square" rtlCol="0">
+            <a:spAutoFit/>
+          </a:bodyPr>
+          <a:lstStyle/>
+          <a:p>
+            <a:r>
+              <a:rPr lang="ko-KR" altLang="en-US" dirty="0"/>
+              <a:t>회원 가입 정보는</a:t>
+            </a:r>
+            <a:endParaRPr lang="en-US" altLang="ko-KR" dirty="0"/>
+          </a:p>
+          <a:p>
+            <a:pPr marL="342900" indent="-342900">
+              <a:buAutoNum type="arabicPeriod"/>
+            </a:pPr>
+            <a:r>
+              <a:rPr lang="en-US" altLang="ko-KR" dirty="0" err="1"/>
+              <a:t>Uk</a:t>
+            </a:r>
+            <a:r>
+              <a:rPr lang="en-US" altLang="ko-KR" dirty="0"/>
+              <a:t> </a:t>
+            </a:r>
+            <a:r>
+              <a:rPr lang="ko-KR" altLang="en-US" dirty="0"/>
+              <a:t>인 아이디 </a:t>
+            </a:r>
+            <a:r>
+              <a:rPr lang="en-US" altLang="ko-KR" dirty="0"/>
+              <a:t>(email) &lt;- read only</a:t>
+            </a:r>
+          </a:p>
+          <a:p>
+            <a:pPr marL="342900" indent="-342900">
+              <a:buAutoNum type="arabicPeriod"/>
+            </a:pPr>
+            <a:r>
+              <a:rPr lang="en-US" altLang="ko-KR" dirty="0"/>
+              <a:t>Password</a:t>
+            </a:r>
+            <a:r>
+              <a:rPr lang="ko-KR" altLang="en-US" dirty="0"/>
+              <a:t> </a:t>
+            </a:r>
+            <a:r>
+              <a:rPr lang="en-US" altLang="ko-KR" dirty="0"/>
+              <a:t>&lt;-</a:t>
+            </a:r>
+            <a:r>
+              <a:rPr lang="ko-KR" altLang="en-US" dirty="0"/>
+              <a:t> </a:t>
+            </a:r>
+            <a:r>
+              <a:rPr lang="en-US" altLang="ko-KR" dirty="0"/>
+              <a:t>read only</a:t>
+            </a:r>
+          </a:p>
+          <a:p>
+            <a:pPr marL="342900" indent="-342900">
+              <a:buAutoNum type="arabicPeriod"/>
+            </a:pPr>
+            <a:r>
+              <a:rPr lang="en-US" altLang="ko-KR" dirty="0"/>
+              <a:t>Group</a:t>
+            </a:r>
+            <a:r>
+              <a:rPr lang="ko-KR" altLang="en-US" dirty="0"/>
+              <a:t>은 선택</a:t>
+            </a:r>
+            <a:r>
+              <a:rPr lang="en-US" altLang="ko-KR" dirty="0"/>
+              <a:t>(</a:t>
+            </a:r>
+            <a:r>
+              <a:rPr lang="ko-KR" altLang="en-US" dirty="0"/>
+              <a:t>뭐냐 </a:t>
+            </a:r>
+            <a:r>
+              <a:rPr lang="en-US" altLang="ko-KR" dirty="0"/>
+              <a:t>grade </a:t>
+            </a:r>
+            <a:r>
+              <a:rPr lang="ko-KR" altLang="en-US" dirty="0"/>
+              <a:t>별 게시판 해보고 싶음</a:t>
+            </a:r>
+            <a:r>
+              <a:rPr lang="en-US" altLang="ko-KR" dirty="0"/>
+              <a:t>)</a:t>
+            </a:r>
+          </a:p>
+          <a:p>
+            <a:endParaRPr lang="en-US" altLang="ko-KR" dirty="0"/>
+          </a:p>
+          <a:p>
+            <a:r>
+              <a:rPr lang="en-US" altLang="ko-KR" dirty="0"/>
+              <a:t>Transaction </a:t>
+            </a:r>
+          </a:p>
+          <a:p>
+            <a:endParaRPr lang="en-US" altLang="ko-KR" dirty="0"/>
+          </a:p>
+          <a:p>
+            <a:r>
+              <a:rPr lang="en-US" altLang="ko-KR" dirty="0"/>
+              <a:t>Service</a:t>
+            </a:r>
+            <a:r>
+              <a:rPr lang="ko-KR" altLang="en-US" dirty="0"/>
+              <a:t>에서 처리</a:t>
+            </a:r>
+            <a:endParaRPr lang="en-US" altLang="ko-KR" dirty="0"/>
+          </a:p>
+          <a:p>
+            <a:r>
+              <a:rPr lang="en-US" altLang="ko-KR" dirty="0"/>
+              <a:t>Id</a:t>
+            </a:r>
+            <a:r>
+              <a:rPr lang="ko-KR" altLang="en-US" dirty="0"/>
+              <a:t> 중복 여부 조회 테이블</a:t>
+            </a:r>
+            <a:endParaRPr lang="en-US" altLang="ko-KR" dirty="0"/>
+          </a:p>
+          <a:p>
+            <a:endParaRPr lang="en-US" altLang="ko-KR" dirty="0"/>
+          </a:p>
+          <a:p>
+            <a:r>
+              <a:rPr lang="en-US" altLang="ko-KR" dirty="0"/>
+              <a:t>Sign up </a:t>
+            </a:r>
+            <a:r>
+              <a:rPr lang="ko-KR" altLang="en-US" dirty="0"/>
+              <a:t>에서 일단 또 체크해보자</a:t>
+            </a:r>
+            <a:endParaRPr lang="en-US" altLang="ko-KR" dirty="0"/>
+          </a:p>
+          <a:p>
+            <a:endParaRPr lang="en-US" altLang="ko-KR" dirty="0"/>
+          </a:p>
+        </p:txBody>
+      </p:sp>
+      <p:sp>
+        <p:nvSpPr>
+          <p:cNvPr id="10" name="직사각형 9">
+            <a:extLst>
+              <a:ext uri="{FF2B5EF4-FFF2-40B4-BE49-F238E27FC236}">
+                <a16:creationId xmlns:a16="http://schemas.microsoft.com/office/drawing/2014/main" id="{92A011B8-B305-7FCA-6892-A31BF1B3E418}"/>
+              </a:ext>
+            </a:extLst>
+          </p:cNvPr>
+          <p:cNvSpPr/>
+          <p:nvPr/>
+        </p:nvSpPr>
+        <p:spPr>
+          <a:xfrm>
+            <a:off x="4796285" y="1843643"/>
+            <a:ext cx="1503153" cy="177265"/>
+          </a:xfrm>
+          <a:prstGeom prst="rect">
+            <a:avLst/>
+          </a:prstGeom>
+        </p:spPr>
+        <p:style>
+          <a:lnRef idx="2">
+            <a:schemeClr val="dk1"/>
+          </a:lnRef>
+          <a:fillRef idx="1">
+            <a:schemeClr val="lt1"/>
+          </a:fillRef>
+          <a:effectRef idx="0">
+            <a:schemeClr val="dk1"/>
+          </a:effectRef>
+          <a:fontRef idx="minor">
+            <a:schemeClr val="dk1"/>
+          </a:fontRef>
+        </p:style>
+        <p:txBody>
+          <a:bodyPr rtlCol="0" anchor="ctr"/>
+          <a:lstStyle/>
+          <a:p>
+            <a:pPr algn="ctr"/>
+            <a:endParaRPr lang="ko-KR" altLang="en-US"/>
+          </a:p>
+        </p:txBody>
+      </p:sp>
+      <p:sp>
+        <p:nvSpPr>
+          <p:cNvPr id="11" name="TextBox 10">
+            <a:extLst>
+              <a:ext uri="{FF2B5EF4-FFF2-40B4-BE49-F238E27FC236}">
+                <a16:creationId xmlns:a16="http://schemas.microsoft.com/office/drawing/2014/main" id="{2E4B5DF8-276E-CC4A-9D14-A6EA1656EA3D}"/>
+              </a:ext>
+            </a:extLst>
+          </p:cNvPr>
+          <p:cNvSpPr txBox="1"/>
+          <p:nvPr/>
+        </p:nvSpPr>
+        <p:spPr>
+          <a:xfrm>
+            <a:off x="4265640" y="1797234"/>
+            <a:ext cx="699577" cy="276999"/>
+          </a:xfrm>
+          <a:prstGeom prst="rect">
+            <a:avLst/>
+          </a:prstGeom>
+          <a:noFill/>
+        </p:spPr>
+        <p:txBody>
+          <a:bodyPr wrap="square" rtlCol="0">
+            <a:spAutoFit/>
+          </a:bodyPr>
+          <a:lstStyle/>
+          <a:p>
+            <a:r>
+              <a:rPr lang="en-US" altLang="ko-KR" sz="1200" b="1" dirty="0"/>
+              <a:t>email</a:t>
+            </a:r>
+            <a:endParaRPr lang="ko-KR" altLang="en-US" sz="1200" b="1" dirty="0"/>
+          </a:p>
+        </p:txBody>
+      </p:sp>
+      <p:sp>
+        <p:nvSpPr>
+          <p:cNvPr id="12" name="사각형: 둥근 모서리 11">
+            <a:extLst>
+              <a:ext uri="{FF2B5EF4-FFF2-40B4-BE49-F238E27FC236}">
+                <a16:creationId xmlns:a16="http://schemas.microsoft.com/office/drawing/2014/main" id="{A601CD7A-65DB-27C4-52ED-FB762F0FECA2}"/>
+              </a:ext>
+            </a:extLst>
+          </p:cNvPr>
+          <p:cNvSpPr/>
+          <p:nvPr/>
+        </p:nvSpPr>
+        <p:spPr>
+          <a:xfrm>
+            <a:off x="6324839" y="1866153"/>
+            <a:ext cx="1064767" cy="154755"/>
+          </a:xfrm>
+          <a:prstGeom prst="roundRect">
+            <a:avLst/>
+          </a:prstGeom>
+        </p:spPr>
+        <p:style>
+          <a:lnRef idx="2">
+            <a:schemeClr val="accent1">
+              <a:shade val="50000"/>
+            </a:schemeClr>
+          </a:lnRef>
+          <a:fillRef idx="1">
+            <a:schemeClr val="accent1"/>
+          </a:fillRef>
+          <a:effectRef idx="0">
+            <a:schemeClr val="accent1"/>
+          </a:effectRef>
+          <a:fontRef idx="minor">
+            <a:schemeClr val="lt1"/>
+          </a:fontRef>
+        </p:style>
+        <p:txBody>
+          <a:bodyPr rtlCol="0" anchor="ctr"/>
+          <a:lstStyle/>
+          <a:p>
+            <a:pPr algn="ctr"/>
+            <a:r>
+              <a:rPr lang="ko-KR" altLang="en-US" sz="1000" dirty="0"/>
+              <a:t>중복 </a:t>
+            </a:r>
+            <a:r>
+              <a:rPr lang="en-US" altLang="ko-KR" sz="1000" dirty="0"/>
+              <a:t>check</a:t>
+            </a:r>
+            <a:endParaRPr lang="ko-KR" altLang="en-US" sz="1000" dirty="0"/>
+          </a:p>
+        </p:txBody>
+      </p:sp>
+      <p:sp>
+        <p:nvSpPr>
+          <p:cNvPr id="13" name="직사각형 12">
+            <a:extLst>
+              <a:ext uri="{FF2B5EF4-FFF2-40B4-BE49-F238E27FC236}">
+                <a16:creationId xmlns:a16="http://schemas.microsoft.com/office/drawing/2014/main" id="{4265D16B-8ACE-B61C-4072-3A396D6593D0}"/>
+              </a:ext>
+            </a:extLst>
+          </p:cNvPr>
+          <p:cNvSpPr/>
+          <p:nvPr/>
+        </p:nvSpPr>
+        <p:spPr>
+          <a:xfrm>
+            <a:off x="4796285" y="2141678"/>
+            <a:ext cx="1503153" cy="177265"/>
+          </a:xfrm>
+          <a:prstGeom prst="rect">
+            <a:avLst/>
+          </a:prstGeom>
+        </p:spPr>
+        <p:style>
+          <a:lnRef idx="2">
+            <a:schemeClr val="dk1"/>
+          </a:lnRef>
+          <a:fillRef idx="1">
+            <a:schemeClr val="lt1"/>
+          </a:fillRef>
+          <a:effectRef idx="0">
+            <a:schemeClr val="dk1"/>
+          </a:effectRef>
+          <a:fontRef idx="minor">
+            <a:schemeClr val="dk1"/>
+          </a:fontRef>
+        </p:style>
+        <p:txBody>
+          <a:bodyPr rtlCol="0" anchor="ctr"/>
+          <a:lstStyle/>
+          <a:p>
+            <a:pPr algn="ctr"/>
+            <a:endParaRPr lang="ko-KR" altLang="en-US"/>
+          </a:p>
+        </p:txBody>
+      </p:sp>
+      <p:sp>
+        <p:nvSpPr>
+          <p:cNvPr id="14" name="TextBox 13">
+            <a:extLst>
+              <a:ext uri="{FF2B5EF4-FFF2-40B4-BE49-F238E27FC236}">
+                <a16:creationId xmlns:a16="http://schemas.microsoft.com/office/drawing/2014/main" id="{8E8557AF-CC21-9EFE-7CDC-186683DD16C9}"/>
+              </a:ext>
+            </a:extLst>
+          </p:cNvPr>
+          <p:cNvSpPr txBox="1"/>
+          <p:nvPr/>
+        </p:nvSpPr>
+        <p:spPr>
+          <a:xfrm>
+            <a:off x="4265640" y="2095269"/>
+            <a:ext cx="699577" cy="276999"/>
+          </a:xfrm>
+          <a:prstGeom prst="rect">
+            <a:avLst/>
+          </a:prstGeom>
+          <a:noFill/>
+        </p:spPr>
+        <p:txBody>
+          <a:bodyPr wrap="square" rtlCol="0">
+            <a:spAutoFit/>
+          </a:bodyPr>
+          <a:lstStyle/>
+          <a:p>
+            <a:r>
+              <a:rPr lang="en-US" altLang="ko-KR" sz="1200" b="1" dirty="0"/>
+              <a:t>pass</a:t>
+            </a:r>
+            <a:endParaRPr lang="ko-KR" altLang="en-US" sz="1200" b="1" dirty="0"/>
+          </a:p>
+        </p:txBody>
+      </p:sp>
+      <p:sp>
+        <p:nvSpPr>
+          <p:cNvPr id="15" name="직사각형 14">
+            <a:extLst>
+              <a:ext uri="{FF2B5EF4-FFF2-40B4-BE49-F238E27FC236}">
+                <a16:creationId xmlns:a16="http://schemas.microsoft.com/office/drawing/2014/main" id="{B3879D5E-F2FD-13FD-0E19-2D473CEBB5FE}"/>
+              </a:ext>
+            </a:extLst>
+          </p:cNvPr>
+          <p:cNvSpPr/>
+          <p:nvPr/>
+        </p:nvSpPr>
+        <p:spPr>
+          <a:xfrm>
+            <a:off x="5065498" y="2512071"/>
+            <a:ext cx="1259341" cy="177265"/>
+          </a:xfrm>
+          <a:prstGeom prst="rect">
+            <a:avLst/>
+          </a:prstGeom>
+        </p:spPr>
+        <p:style>
+          <a:lnRef idx="2">
+            <a:schemeClr val="dk1"/>
+          </a:lnRef>
+          <a:fillRef idx="1">
+            <a:schemeClr val="lt1"/>
+          </a:fillRef>
+          <a:effectRef idx="0">
+            <a:schemeClr val="dk1"/>
+          </a:effectRef>
+          <a:fontRef idx="minor">
+            <a:schemeClr val="dk1"/>
+          </a:fontRef>
+        </p:style>
+        <p:txBody>
+          <a:bodyPr rtlCol="0" anchor="ctr"/>
+          <a:lstStyle/>
+          <a:p>
+            <a:pPr algn="ctr"/>
+            <a:endParaRPr lang="ko-KR" altLang="en-US"/>
+          </a:p>
+        </p:txBody>
+      </p:sp>
+      <p:sp>
+        <p:nvSpPr>
+          <p:cNvPr id="16" name="TextBox 15">
+            <a:extLst>
+              <a:ext uri="{FF2B5EF4-FFF2-40B4-BE49-F238E27FC236}">
+                <a16:creationId xmlns:a16="http://schemas.microsoft.com/office/drawing/2014/main" id="{6260C598-4C9C-8F7D-0721-AE4AF3156326}"/>
+              </a:ext>
+            </a:extLst>
+          </p:cNvPr>
+          <p:cNvSpPr txBox="1"/>
+          <p:nvPr/>
+        </p:nvSpPr>
+        <p:spPr>
+          <a:xfrm>
+            <a:off x="4265640" y="2446629"/>
+            <a:ext cx="987847" cy="276999"/>
+          </a:xfrm>
+          <a:prstGeom prst="rect">
+            <a:avLst/>
+          </a:prstGeom>
+          <a:noFill/>
+        </p:spPr>
+        <p:txBody>
+          <a:bodyPr wrap="square" rtlCol="0">
+            <a:spAutoFit/>
+          </a:bodyPr>
+          <a:lstStyle/>
+          <a:p>
+            <a:r>
+              <a:rPr lang="en-US" altLang="ko-KR" sz="1200" b="1" dirty="0" err="1"/>
+              <a:t>m_name</a:t>
+            </a:r>
+            <a:endParaRPr lang="ko-KR" altLang="en-US" sz="1200" b="1" dirty="0"/>
+          </a:p>
+        </p:txBody>
+      </p:sp>
+      <p:sp>
+        <p:nvSpPr>
+          <p:cNvPr id="17" name="직사각형 16">
+            <a:extLst>
+              <a:ext uri="{FF2B5EF4-FFF2-40B4-BE49-F238E27FC236}">
+                <a16:creationId xmlns:a16="http://schemas.microsoft.com/office/drawing/2014/main" id="{B053ABC1-9414-51A9-CED1-4FE60F08E9F6}"/>
+              </a:ext>
+            </a:extLst>
+          </p:cNvPr>
+          <p:cNvSpPr/>
+          <p:nvPr/>
+        </p:nvSpPr>
+        <p:spPr>
+          <a:xfrm>
+            <a:off x="5065498" y="2810860"/>
+            <a:ext cx="1259341" cy="177265"/>
+          </a:xfrm>
+          <a:prstGeom prst="rect">
+            <a:avLst/>
+          </a:prstGeom>
+        </p:spPr>
+        <p:style>
+          <a:lnRef idx="2">
+            <a:schemeClr val="dk1"/>
+          </a:lnRef>
+          <a:fillRef idx="1">
+            <a:schemeClr val="lt1"/>
+          </a:fillRef>
+          <a:effectRef idx="0">
+            <a:schemeClr val="dk1"/>
+          </a:effectRef>
+          <a:fontRef idx="minor">
+            <a:schemeClr val="dk1"/>
+          </a:fontRef>
+        </p:style>
+        <p:txBody>
+          <a:bodyPr rtlCol="0" anchor="ctr"/>
+          <a:lstStyle/>
+          <a:p>
+            <a:pPr algn="ctr"/>
+            <a:endParaRPr lang="ko-KR" altLang="en-US"/>
+          </a:p>
+        </p:txBody>
+      </p:sp>
+      <p:sp>
+        <p:nvSpPr>
+          <p:cNvPr id="18" name="TextBox 17">
+            <a:extLst>
+              <a:ext uri="{FF2B5EF4-FFF2-40B4-BE49-F238E27FC236}">
+                <a16:creationId xmlns:a16="http://schemas.microsoft.com/office/drawing/2014/main" id="{A1C103F8-4D0C-5753-C7E7-4FDAAD678F1C}"/>
+              </a:ext>
+            </a:extLst>
+          </p:cNvPr>
+          <p:cNvSpPr txBox="1"/>
+          <p:nvPr/>
+        </p:nvSpPr>
+        <p:spPr>
+          <a:xfrm>
+            <a:off x="4265640" y="2745418"/>
+            <a:ext cx="987847" cy="276999"/>
+          </a:xfrm>
+          <a:prstGeom prst="rect">
+            <a:avLst/>
+          </a:prstGeom>
+          <a:noFill/>
+        </p:spPr>
+        <p:txBody>
+          <a:bodyPr wrap="square" rtlCol="0">
+            <a:spAutoFit/>
+          </a:bodyPr>
+          <a:lstStyle/>
+          <a:p>
+            <a:r>
+              <a:rPr lang="en-US" altLang="ko-KR" sz="1200" b="1" dirty="0"/>
+              <a:t>address</a:t>
+            </a:r>
+            <a:endParaRPr lang="ko-KR" altLang="en-US" sz="1200" b="1" dirty="0"/>
+          </a:p>
+        </p:txBody>
+      </p:sp>
+      <p:sp>
+        <p:nvSpPr>
+          <p:cNvPr id="19" name="직사각형 18">
+            <a:extLst>
+              <a:ext uri="{FF2B5EF4-FFF2-40B4-BE49-F238E27FC236}">
+                <a16:creationId xmlns:a16="http://schemas.microsoft.com/office/drawing/2014/main" id="{6E301DDB-7B13-CD96-84FF-C7284C4B2E04}"/>
+              </a:ext>
+            </a:extLst>
+          </p:cNvPr>
+          <p:cNvSpPr/>
+          <p:nvPr/>
+        </p:nvSpPr>
+        <p:spPr>
+          <a:xfrm>
+            <a:off x="5040097" y="3470010"/>
+            <a:ext cx="1259341" cy="177265"/>
+          </a:xfrm>
+          <a:prstGeom prst="rect">
+            <a:avLst/>
+          </a:prstGeom>
+        </p:spPr>
+        <p:style>
+          <a:lnRef idx="2">
+            <a:schemeClr val="dk1"/>
+          </a:lnRef>
+          <a:fillRef idx="1">
+            <a:schemeClr val="lt1"/>
+          </a:fillRef>
+          <a:effectRef idx="0">
+            <a:schemeClr val="dk1"/>
+          </a:effectRef>
+          <a:fontRef idx="minor">
+            <a:schemeClr val="dk1"/>
+          </a:fontRef>
+        </p:style>
+        <p:txBody>
+          <a:bodyPr rtlCol="0" anchor="ctr"/>
+          <a:lstStyle/>
+          <a:p>
+            <a:pPr algn="ctr"/>
+            <a:endParaRPr lang="ko-KR" altLang="en-US"/>
+          </a:p>
+        </p:txBody>
+      </p:sp>
+      <p:sp>
+        <p:nvSpPr>
+          <p:cNvPr id="20" name="TextBox 19">
+            <a:extLst>
+              <a:ext uri="{FF2B5EF4-FFF2-40B4-BE49-F238E27FC236}">
+                <a16:creationId xmlns:a16="http://schemas.microsoft.com/office/drawing/2014/main" id="{F1360E52-7ED9-7FC1-5BD9-952DE29DBB7B}"/>
+              </a:ext>
+            </a:extLst>
+          </p:cNvPr>
+          <p:cNvSpPr txBox="1"/>
+          <p:nvPr/>
+        </p:nvSpPr>
+        <p:spPr>
+          <a:xfrm>
+            <a:off x="4240239" y="3404568"/>
+            <a:ext cx="987847" cy="276999"/>
+          </a:xfrm>
+          <a:prstGeom prst="rect">
+            <a:avLst/>
+          </a:prstGeom>
+          <a:noFill/>
+        </p:spPr>
+        <p:txBody>
+          <a:bodyPr wrap="square" rtlCol="0">
+            <a:spAutoFit/>
+          </a:bodyPr>
+          <a:lstStyle/>
+          <a:p>
+            <a:r>
+              <a:rPr lang="en-US" altLang="ko-KR" sz="1200" b="1" dirty="0"/>
+              <a:t>group</a:t>
+            </a:r>
+            <a:endParaRPr lang="ko-KR" altLang="en-US" sz="1200" b="1" dirty="0"/>
+          </a:p>
+        </p:txBody>
+      </p:sp>
+      <p:sp>
+        <p:nvSpPr>
+          <p:cNvPr id="21" name="TextBox 20">
+            <a:extLst>
+              <a:ext uri="{FF2B5EF4-FFF2-40B4-BE49-F238E27FC236}">
+                <a16:creationId xmlns:a16="http://schemas.microsoft.com/office/drawing/2014/main" id="{C20C7CEA-395A-4DAF-1389-B7085684A25A}"/>
+              </a:ext>
+            </a:extLst>
+          </p:cNvPr>
+          <p:cNvSpPr txBox="1"/>
+          <p:nvPr/>
+        </p:nvSpPr>
+        <p:spPr>
+          <a:xfrm>
+            <a:off x="2844800" y="5311214"/>
+            <a:ext cx="6549366" cy="923330"/>
+          </a:xfrm>
+          <a:prstGeom prst="rect">
+            <a:avLst/>
+          </a:prstGeom>
+          <a:noFill/>
+        </p:spPr>
+        <p:txBody>
+          <a:bodyPr wrap="square" rtlCol="0">
+            <a:spAutoFit/>
+          </a:bodyPr>
+          <a:lstStyle/>
+          <a:p>
+            <a:r>
+              <a:rPr lang="ko-KR" altLang="en-US" dirty="0"/>
+              <a:t>필요 테이블</a:t>
+            </a:r>
+            <a:endParaRPr lang="en-US" altLang="ko-KR" dirty="0"/>
+          </a:p>
+          <a:p>
+            <a:endParaRPr lang="en-US" altLang="ko-KR" dirty="0"/>
+          </a:p>
+          <a:p>
+            <a:r>
+              <a:rPr lang="en-US" altLang="ko-KR" dirty="0"/>
+              <a:t>Member </a:t>
+            </a:r>
+            <a:endParaRPr lang="ko-KR" altLang="en-US" dirty="0"/>
+          </a:p>
+        </p:txBody>
+      </p:sp>
     </p:spTree>
     <p:extLst>
       <p:ext uri="{BB962C8B-B14F-4D97-AF65-F5344CB8AC3E}">
@@ -3722,8 +4545,8 @@
         </p:nvSpPr>
         <p:spPr>
           <a:xfrm>
-            <a:off x="2932980" y="1086929"/>
-            <a:ext cx="5710687" cy="369332"/>
+            <a:off x="2932981" y="1086929"/>
+            <a:ext cx="3528204" cy="369332"/>
           </a:xfrm>
           <a:prstGeom prst="rect">
             <a:avLst/>
@@ -3742,7 +4565,7 @@
                   <a:schemeClr val="bg1"/>
                 </a:solidFill>
               </a:rPr>
-              <a:t>admin   session       menu1     menu2     menu3</a:t>
+              <a:t>Navbar   login/sign       menu</a:t>
             </a:r>
             <a:endParaRPr lang="ko-KR" altLang="en-US" dirty="0">
               <a:solidFill>
@@ -3766,8 +4589,8 @@
         </p:nvSpPr>
         <p:spPr>
           <a:xfrm>
-            <a:off x="4741653" y="1759125"/>
-            <a:ext cx="1417607" cy="231310"/>
+            <a:off x="7030528" y="1191247"/>
+            <a:ext cx="1535502" cy="231310"/>
           </a:xfrm>
           <a:prstGeom prst="roundRect">
             <a:avLst/>
@@ -3800,12 +4623,47 @@
           </a:p>
         </p:txBody>
       </p:sp>
+      <p:sp>
+        <p:nvSpPr>
+          <p:cNvPr id="6" name="TextBox 5">
+            <a:extLst>
+              <a:ext uri="{FF2B5EF4-FFF2-40B4-BE49-F238E27FC236}">
+                <a16:creationId xmlns:a16="http://schemas.microsoft.com/office/drawing/2014/main" id="{124057AD-3A62-2BA4-1B16-A9AFDC8D9764}"/>
+              </a:ext>
+            </a:extLst>
+          </p:cNvPr>
+          <p:cNvSpPr txBox="1"/>
+          <p:nvPr/>
+        </p:nvSpPr>
+        <p:spPr>
+          <a:xfrm>
+            <a:off x="3014932" y="298594"/>
+            <a:ext cx="3925019" cy="461665"/>
+          </a:xfrm>
+          <a:prstGeom prst="rect">
+            <a:avLst/>
+          </a:prstGeom>
+          <a:noFill/>
+        </p:spPr>
+        <p:txBody>
+          <a:bodyPr wrap="square" rtlCol="0">
+            <a:spAutoFit/>
+          </a:bodyPr>
+          <a:lstStyle/>
+          <a:p>
+            <a:r>
+              <a:rPr lang="ko-KR" altLang="en-US" sz="2400" b="1" dirty="0"/>
+              <a:t>회원 가입 페이지</a:t>
+            </a:r>
+          </a:p>
+        </p:txBody>
+      </p:sp>
       <p:graphicFrame>
         <p:nvGraphicFramePr>
-          <p:cNvPr id="6" name="표 6">
-            <a:extLst>
-              <a:ext uri="{FF2B5EF4-FFF2-40B4-BE49-F238E27FC236}">
-                <a16:creationId xmlns:a16="http://schemas.microsoft.com/office/drawing/2014/main" id="{186C8DFE-C1C3-F673-D3BB-78E6BF745948}"/>
+          <p:cNvPr id="7" name="표 6">
+            <a:extLst>
+              <a:ext uri="{FF2B5EF4-FFF2-40B4-BE49-F238E27FC236}">
+                <a16:creationId xmlns:a16="http://schemas.microsoft.com/office/drawing/2014/main" id="{DF719AA5-0248-13AB-BFD2-697E2D1E5E15}"/>
               </a:ext>
             </a:extLst>
           </p:cNvPr>
@@ -3815,14 +4673,14 @@
           <p:nvPr>
             <p:extLst>
               <p:ext uri="{D42A27DB-BD31-4B8C-83A1-F6EECF244321}">
-                <p14:modId xmlns:p14="http://schemas.microsoft.com/office/powerpoint/2010/main" val="3735326745"/>
+                <p14:modId xmlns:p14="http://schemas.microsoft.com/office/powerpoint/2010/main" val="796328767"/>
               </p:ext>
             </p:extLst>
           </p:nvPr>
         </p:nvGraphicFramePr>
         <p:xfrm>
-          <a:off x="4031890" y="2148840"/>
-          <a:ext cx="3536829" cy="2560320"/>
+          <a:off x="3740269" y="2208834"/>
+          <a:ext cx="3536830" cy="1708811"/>
         </p:xfrm>
         <a:graphic>
           <a:graphicData uri="http://schemas.openxmlformats.org/drawingml/2006/table">
@@ -3831,24 +4689,38 @@
                 <a:tableStyleId>{073A0DAA-6AF3-43AB-8588-CEC1D06C72B9}</a:tableStyleId>
               </a:tblPr>
               <a:tblGrid>
-                <a:gridCol w="1178943">
+                <a:gridCol w="707366">
                   <a:extLst>
                     <a:ext uri="{9D8B030D-6E8A-4147-A177-3AD203B41FA5}">
                       <a16:colId xmlns:a16="http://schemas.microsoft.com/office/drawing/2014/main" val="4129194285"/>
                     </a:ext>
                   </a:extLst>
                 </a:gridCol>
-                <a:gridCol w="1178943">
+                <a:gridCol w="564312">
                   <a:extLst>
                     <a:ext uri="{9D8B030D-6E8A-4147-A177-3AD203B41FA5}">
                       <a16:colId xmlns:a16="http://schemas.microsoft.com/office/drawing/2014/main" val="1492225368"/>
                     </a:ext>
                   </a:extLst>
                 </a:gridCol>
-                <a:gridCol w="1178943">
+                <a:gridCol w="802257">
                   <a:extLst>
                     <a:ext uri="{9D8B030D-6E8A-4147-A177-3AD203B41FA5}">
                       <a16:colId xmlns:a16="http://schemas.microsoft.com/office/drawing/2014/main" val="12717990"/>
+                    </a:ext>
+                  </a:extLst>
+                </a:gridCol>
+                <a:gridCol w="755529">
+                  <a:extLst>
+                    <a:ext uri="{9D8B030D-6E8A-4147-A177-3AD203B41FA5}">
+                      <a16:colId xmlns:a16="http://schemas.microsoft.com/office/drawing/2014/main" val="3694013642"/>
+                    </a:ext>
+                  </a:extLst>
+                </a:gridCol>
+                <a:gridCol w="707366">
+                  <a:extLst>
+                    <a:ext uri="{9D8B030D-6E8A-4147-A177-3AD203B41FA5}">
+                      <a16:colId xmlns:a16="http://schemas.microsoft.com/office/drawing/2014/main" val="888746775"/>
                     </a:ext>
                   </a:extLst>
                 </a:gridCol>
@@ -3860,7 +4732,10 @@
                     <a:lstStyle/>
                     <a:p>
                       <a:pPr latinLnBrk="1"/>
-                      <a:endParaRPr lang="ko-KR" altLang="en-US" dirty="0"/>
+                      <a:r>
+                        <a:rPr lang="ko-KR" altLang="en-US" sz="1400" dirty="0"/>
+                        <a:t>순서</a:t>
+                      </a:r>
                     </a:p>
                   </a:txBody>
                   <a:tcPr/>
@@ -3871,7 +4746,10 @@
                     <a:lstStyle/>
                     <a:p>
                       <a:pPr latinLnBrk="1"/>
-                      <a:endParaRPr lang="ko-KR" altLang="en-US" dirty="0"/>
+                      <a:r>
+                        <a:rPr lang="ko-KR" altLang="en-US" sz="1200" dirty="0"/>
+                        <a:t>메뉴</a:t>
+                      </a:r>
                     </a:p>
                   </a:txBody>
                   <a:tcPr/>
@@ -3882,7 +4760,39 @@
                     <a:lstStyle/>
                     <a:p>
                       <a:pPr latinLnBrk="1"/>
-                      <a:endParaRPr lang="ko-KR" altLang="en-US"/>
+                      <a:r>
+                        <a:rPr lang="ko-KR" altLang="en-US" sz="1200" dirty="0"/>
+                        <a:t>카테고리</a:t>
+                      </a:r>
+                    </a:p>
+                  </a:txBody>
+                  <a:tcPr/>
+                </a:tc>
+                <a:tc>
+                  <a:txBody>
+                    <a:bodyPr/>
+                    <a:lstStyle/>
+                    <a:p>
+                      <a:pPr latinLnBrk="1"/>
+                      <a:r>
+                        <a:rPr lang="ko-KR" altLang="en-US" sz="1400" dirty="0" err="1"/>
+                        <a:t>작성글</a:t>
+                      </a:r>
+                      <a:endParaRPr lang="ko-KR" altLang="en-US" sz="1400" dirty="0"/>
+                    </a:p>
+                  </a:txBody>
+                  <a:tcPr/>
+                </a:tc>
+                <a:tc>
+                  <a:txBody>
+                    <a:bodyPr/>
+                    <a:lstStyle/>
+                    <a:p>
+                      <a:pPr latinLnBrk="1"/>
+                      <a:r>
+                        <a:rPr lang="ko-KR" altLang="en-US" sz="1400" dirty="0"/>
+                        <a:t>제한</a:t>
+                      </a:r>
                     </a:p>
                   </a:txBody>
                   <a:tcPr/>
@@ -3899,8 +4809,12 @@
                     <a:bodyPr/>
                     <a:lstStyle/>
                     <a:p>
-                      <a:pPr latinLnBrk="1"/>
-                      <a:endParaRPr lang="ko-KR" altLang="en-US"/>
+                      <a:pPr algn="ctr" latinLnBrk="1"/>
+                      <a:r>
+                        <a:rPr lang="en-US" altLang="ko-KR" sz="1200" dirty="0"/>
+                        <a:t>1</a:t>
+                      </a:r>
+                      <a:endParaRPr lang="ko-KR" altLang="en-US" sz="1200" dirty="0"/>
                     </a:p>
                   </a:txBody>
                   <a:tcPr/>
@@ -3910,8 +4824,12 @@
                     <a:bodyPr/>
                     <a:lstStyle/>
                     <a:p>
-                      <a:pPr latinLnBrk="1"/>
-                      <a:endParaRPr lang="ko-KR" altLang="en-US" dirty="0"/>
+                      <a:pPr algn="ctr" latinLnBrk="1"/>
+                      <a:r>
+                        <a:rPr lang="en-US" altLang="ko-KR" sz="1200" dirty="0"/>
+                        <a:t>~</a:t>
+                      </a:r>
+                      <a:endParaRPr lang="ko-KR" altLang="en-US" sz="1200" dirty="0"/>
                     </a:p>
                   </a:txBody>
                   <a:tcPr/>
@@ -3921,8 +4839,37 @@
                     <a:bodyPr/>
                     <a:lstStyle/>
                     <a:p>
-                      <a:pPr latinLnBrk="1"/>
-                      <a:endParaRPr lang="ko-KR" altLang="en-US"/>
+                      <a:pPr algn="ctr" latinLnBrk="1"/>
+                      <a:r>
+                        <a:rPr lang="en-US" altLang="ko-KR" sz="1200" dirty="0"/>
+                        <a:t>~~</a:t>
+                      </a:r>
+                      <a:endParaRPr lang="ko-KR" altLang="en-US" sz="1200" dirty="0"/>
+                    </a:p>
+                  </a:txBody>
+                  <a:tcPr/>
+                </a:tc>
+                <a:tc>
+                  <a:txBody>
+                    <a:bodyPr/>
+                    <a:lstStyle/>
+                    <a:p>
+                      <a:pPr algn="ctr" latinLnBrk="1"/>
+                      <a:r>
+                        <a:rPr lang="ko-KR" altLang="en-US" sz="1200" dirty="0"/>
+                        <a:t>제목</a:t>
+                      </a:r>
+                    </a:p>
+                  </a:txBody>
+                  <a:tcPr/>
+                </a:tc>
+                <a:tc>
+                  <a:txBody>
+                    <a:bodyPr/>
+                    <a:lstStyle/>
+                    <a:p>
+                      <a:pPr algn="ctr" latinLnBrk="1"/>
+                      <a:endParaRPr lang="ko-KR" altLang="en-US" sz="1200" dirty="0"/>
                     </a:p>
                   </a:txBody>
                   <a:tcPr/>
@@ -3967,6 +4914,28 @@
                   </a:txBody>
                   <a:tcPr/>
                 </a:tc>
+                <a:tc>
+                  <a:txBody>
+                    <a:bodyPr/>
+                    <a:lstStyle/>
+                    <a:p>
+                      <a:pPr latinLnBrk="1"/>
+                      <a:endParaRPr lang="ko-KR" altLang="en-US" dirty="0"/>
+                    </a:p>
+                  </a:txBody>
+                  <a:tcPr/>
+                </a:tc>
+                <a:tc>
+                  <a:txBody>
+                    <a:bodyPr/>
+                    <a:lstStyle/>
+                    <a:p>
+                      <a:pPr latinLnBrk="1"/>
+                      <a:endParaRPr lang="ko-KR" altLang="en-US" dirty="0"/>
+                    </a:p>
+                  </a:txBody>
+                  <a:tcPr/>
+                </a:tc>
                 <a:extLst>
                   <a:ext uri="{0D108BD9-81ED-4DB2-BD59-A6C34878D82A}">
                     <a16:rowId xmlns:a16="http://schemas.microsoft.com/office/drawing/2014/main" val="2860028759"/>
@@ -3992,6 +4961,28 @@
                     <a:p>
                       <a:pPr latinLnBrk="1"/>
                       <a:endParaRPr lang="ko-KR" altLang="en-US" dirty="0"/>
+                    </a:p>
+                  </a:txBody>
+                  <a:tcPr/>
+                </a:tc>
+                <a:tc>
+                  <a:txBody>
+                    <a:bodyPr/>
+                    <a:lstStyle/>
+                    <a:p>
+                      <a:pPr latinLnBrk="1"/>
+                      <a:endParaRPr lang="ko-KR" altLang="en-US"/>
+                    </a:p>
+                  </a:txBody>
+                  <a:tcPr/>
+                </a:tc>
+                <a:tc>
+                  <a:txBody>
+                    <a:bodyPr/>
+                    <a:lstStyle/>
+                    <a:p>
+                      <a:pPr latinLnBrk="1"/>
+                      <a:endParaRPr lang="ko-KR" altLang="en-US"/>
                     </a:p>
                   </a:txBody>
                   <a:tcPr/>
@@ -4047,6 +5038,661 @@
                   </a:txBody>
                   <a:tcPr/>
                 </a:tc>
+                <a:tc>
+                  <a:txBody>
+                    <a:bodyPr/>
+                    <a:lstStyle/>
+                    <a:p>
+                      <a:pPr latinLnBrk="1"/>
+                      <a:endParaRPr lang="ko-KR" altLang="en-US"/>
+                    </a:p>
+                  </a:txBody>
+                  <a:tcPr/>
+                </a:tc>
+                <a:tc>
+                  <a:txBody>
+                    <a:bodyPr/>
+                    <a:lstStyle/>
+                    <a:p>
+                      <a:pPr latinLnBrk="1"/>
+                      <a:endParaRPr lang="ko-KR" altLang="en-US" dirty="0"/>
+                    </a:p>
+                  </a:txBody>
+                  <a:tcPr/>
+                </a:tc>
+                <a:extLst>
+                  <a:ext uri="{0D108BD9-81ED-4DB2-BD59-A6C34878D82A}">
+                    <a16:rowId xmlns:a16="http://schemas.microsoft.com/office/drawing/2014/main" val="2877861469"/>
+                  </a:ext>
+                </a:extLst>
+              </a:tr>
+            </a:tbl>
+          </a:graphicData>
+        </a:graphic>
+      </p:graphicFrame>
+    </p:spTree>
+    <p:extLst>
+      <p:ext uri="{BB962C8B-B14F-4D97-AF65-F5344CB8AC3E}">
+        <p14:creationId xmlns:p14="http://schemas.microsoft.com/office/powerpoint/2010/main" val="1419961585"/>
+      </p:ext>
+    </p:extLst>
+  </p:cSld>
+  <p:clrMapOvr>
+    <a:masterClrMapping/>
+  </p:clrMapOvr>
+</p:sld>
+</file>
+
+<file path=ppt/slides/slide4.xml><?xml version="1.0" encoding="utf-8"?>
+<p:sld xmlns:a="http://schemas.openxmlformats.org/drawingml/2006/main" xmlns:r="http://schemas.openxmlformats.org/officeDocument/2006/relationships" xmlns:p="http://schemas.openxmlformats.org/presentationml/2006/main">
+  <p:cSld>
+    <p:spTree>
+      <p:nvGrpSpPr>
+        <p:cNvPr id="1" name=""/>
+        <p:cNvGrpSpPr/>
+        <p:nvPr/>
+      </p:nvGrpSpPr>
+      <p:grpSpPr>
+        <a:xfrm>
+          <a:off x="0" y="0"/>
+          <a:ext cx="0" cy="0"/>
+          <a:chOff x="0" y="0"/>
+          <a:chExt cx="0" cy="0"/>
+        </a:xfrm>
+      </p:grpSpPr>
+      <p:sp>
+        <p:nvSpPr>
+          <p:cNvPr id="2" name="직사각형 1">
+            <a:extLst>
+              <a:ext uri="{FF2B5EF4-FFF2-40B4-BE49-F238E27FC236}">
+                <a16:creationId xmlns:a16="http://schemas.microsoft.com/office/drawing/2014/main" id="{4ED72886-887B-B821-3893-51B3065CB47B}"/>
+              </a:ext>
+            </a:extLst>
+          </p:cNvPr>
+          <p:cNvSpPr/>
+          <p:nvPr/>
+        </p:nvSpPr>
+        <p:spPr>
+          <a:xfrm>
+            <a:off x="2844800" y="1086929"/>
+            <a:ext cx="5911011" cy="3780636"/>
+          </a:xfrm>
+          <a:prstGeom prst="rect">
+            <a:avLst/>
+          </a:prstGeom>
+        </p:spPr>
+        <p:style>
+          <a:lnRef idx="2">
+            <a:schemeClr val="dk1"/>
+          </a:lnRef>
+          <a:fillRef idx="1">
+            <a:schemeClr val="lt1"/>
+          </a:fillRef>
+          <a:effectRef idx="0">
+            <a:schemeClr val="dk1"/>
+          </a:effectRef>
+          <a:fontRef idx="minor">
+            <a:schemeClr val="dk1"/>
+          </a:fontRef>
+        </p:style>
+        <p:txBody>
+          <a:bodyPr rtlCol="0" anchor="ctr"/>
+          <a:lstStyle/>
+          <a:p>
+            <a:pPr algn="ctr"/>
+            <a:endParaRPr lang="ko-KR" altLang="en-US"/>
+          </a:p>
+        </p:txBody>
+      </p:sp>
+      <p:sp>
+        <p:nvSpPr>
+          <p:cNvPr id="3" name="직사각형 2">
+            <a:extLst>
+              <a:ext uri="{FF2B5EF4-FFF2-40B4-BE49-F238E27FC236}">
+                <a16:creationId xmlns:a16="http://schemas.microsoft.com/office/drawing/2014/main" id="{C7C2E214-6A9F-D377-52BD-56684A274FCB}"/>
+              </a:ext>
+            </a:extLst>
+          </p:cNvPr>
+          <p:cNvSpPr/>
+          <p:nvPr/>
+        </p:nvSpPr>
+        <p:spPr>
+          <a:xfrm>
+            <a:off x="2844800" y="1086929"/>
+            <a:ext cx="5911011" cy="439946"/>
+          </a:xfrm>
+          <a:prstGeom prst="rect">
+            <a:avLst/>
+          </a:prstGeom>
+          <a:solidFill>
+            <a:schemeClr val="tx1"/>
+          </a:solidFill>
+        </p:spPr>
+        <p:style>
+          <a:lnRef idx="2">
+            <a:schemeClr val="dk1"/>
+          </a:lnRef>
+          <a:fillRef idx="1">
+            <a:schemeClr val="lt1"/>
+          </a:fillRef>
+          <a:effectRef idx="0">
+            <a:schemeClr val="dk1"/>
+          </a:effectRef>
+          <a:fontRef idx="minor">
+            <a:schemeClr val="dk1"/>
+          </a:fontRef>
+        </p:style>
+        <p:txBody>
+          <a:bodyPr rtlCol="0" anchor="ctr"/>
+          <a:lstStyle/>
+          <a:p>
+            <a:pPr algn="ctr"/>
+            <a:endParaRPr lang="ko-KR" altLang="en-US"/>
+          </a:p>
+        </p:txBody>
+      </p:sp>
+      <p:sp>
+        <p:nvSpPr>
+          <p:cNvPr id="4" name="TextBox 3">
+            <a:extLst>
+              <a:ext uri="{FF2B5EF4-FFF2-40B4-BE49-F238E27FC236}">
+                <a16:creationId xmlns:a16="http://schemas.microsoft.com/office/drawing/2014/main" id="{626BBFD3-FC4A-4B62-483D-282DB05C9945}"/>
+              </a:ext>
+            </a:extLst>
+          </p:cNvPr>
+          <p:cNvSpPr txBox="1"/>
+          <p:nvPr/>
+        </p:nvSpPr>
+        <p:spPr>
+          <a:xfrm>
+            <a:off x="2932980" y="1086929"/>
+            <a:ext cx="5710687" cy="369332"/>
+          </a:xfrm>
+          <a:prstGeom prst="rect">
+            <a:avLst/>
+          </a:prstGeom>
+          <a:noFill/>
+        </p:spPr>
+        <p:txBody>
+          <a:bodyPr wrap="square" rtlCol="0">
+            <a:spAutoFit/>
+          </a:bodyPr>
+          <a:lstStyle/>
+          <a:p>
+            <a:r>
+              <a:rPr lang="en-US" altLang="ko-KR" dirty="0">
+                <a:solidFill>
+                  <a:schemeClr val="bg1"/>
+                </a:solidFill>
+              </a:rPr>
+              <a:t>admin   session       menu1     menu2     menu3</a:t>
+            </a:r>
+            <a:endParaRPr lang="ko-KR" altLang="en-US" dirty="0">
+              <a:solidFill>
+                <a:schemeClr val="bg1"/>
+              </a:solidFill>
+            </a:endParaRPr>
+          </a:p>
+        </p:txBody>
+      </p:sp>
+      <p:sp>
+        <p:nvSpPr>
+          <p:cNvPr id="5" name="사각형: 둥근 모서리 4">
+            <a:extLst>
+              <a:ext uri="{FF2B5EF4-FFF2-40B4-BE49-F238E27FC236}">
+                <a16:creationId xmlns:a16="http://schemas.microsoft.com/office/drawing/2014/main" id="{47662129-CC6D-0BCD-2A08-A5D994A07AF1}"/>
+              </a:ext>
+            </a:extLst>
+          </p:cNvPr>
+          <p:cNvSpPr/>
+          <p:nvPr/>
+        </p:nvSpPr>
+        <p:spPr>
+          <a:xfrm>
+            <a:off x="4741653" y="1759125"/>
+            <a:ext cx="1417607" cy="231310"/>
+          </a:xfrm>
+          <a:prstGeom prst="roundRect">
+            <a:avLst/>
+          </a:prstGeom>
+        </p:spPr>
+        <p:style>
+          <a:lnRef idx="2">
+            <a:schemeClr val="dk1"/>
+          </a:lnRef>
+          <a:fillRef idx="1">
+            <a:schemeClr val="lt1"/>
+          </a:fillRef>
+          <a:effectRef idx="0">
+            <a:schemeClr val="dk1"/>
+          </a:effectRef>
+          <a:fontRef idx="minor">
+            <a:schemeClr val="dk1"/>
+          </a:fontRef>
+        </p:style>
+        <p:txBody>
+          <a:bodyPr rtlCol="0" anchor="ctr"/>
+          <a:lstStyle/>
+          <a:p>
+            <a:pPr algn="ctr"/>
+            <a:r>
+              <a:rPr lang="en-US" altLang="ko-KR" dirty="0"/>
+              <a:t>search</a:t>
+            </a:r>
+            <a:endParaRPr lang="ko-KR" altLang="en-US" dirty="0"/>
+          </a:p>
+        </p:txBody>
+      </p:sp>
+      <p:graphicFrame>
+        <p:nvGraphicFramePr>
+          <p:cNvPr id="6" name="표 6">
+            <a:extLst>
+              <a:ext uri="{FF2B5EF4-FFF2-40B4-BE49-F238E27FC236}">
+                <a16:creationId xmlns:a16="http://schemas.microsoft.com/office/drawing/2014/main" id="{186C8DFE-C1C3-F673-D3BB-78E6BF745948}"/>
+              </a:ext>
+            </a:extLst>
+          </p:cNvPr>
+          <p:cNvGraphicFramePr>
+            <a:graphicFrameLocks noGrp="1"/>
+          </p:cNvGraphicFramePr>
+          <p:nvPr>
+            <p:extLst>
+              <p:ext uri="{D42A27DB-BD31-4B8C-83A1-F6EECF244321}">
+                <p14:modId xmlns:p14="http://schemas.microsoft.com/office/powerpoint/2010/main" val="4106364817"/>
+              </p:ext>
+            </p:extLst>
+          </p:nvPr>
+        </p:nvGraphicFramePr>
+        <p:xfrm>
+          <a:off x="4031890" y="2148840"/>
+          <a:ext cx="3536830" cy="2470811"/>
+        </p:xfrm>
+        <a:graphic>
+          <a:graphicData uri="http://schemas.openxmlformats.org/drawingml/2006/table">
+            <a:tbl>
+              <a:tblPr firstRow="1" bandRow="1">
+                <a:tableStyleId>{073A0DAA-6AF3-43AB-8588-CEC1D06C72B9}</a:tableStyleId>
+              </a:tblPr>
+              <a:tblGrid>
+                <a:gridCol w="707366">
+                  <a:extLst>
+                    <a:ext uri="{9D8B030D-6E8A-4147-A177-3AD203B41FA5}">
+                      <a16:colId xmlns:a16="http://schemas.microsoft.com/office/drawing/2014/main" val="4129194285"/>
+                    </a:ext>
+                  </a:extLst>
+                </a:gridCol>
+                <a:gridCol w="707366">
+                  <a:extLst>
+                    <a:ext uri="{9D8B030D-6E8A-4147-A177-3AD203B41FA5}">
+                      <a16:colId xmlns:a16="http://schemas.microsoft.com/office/drawing/2014/main" val="1492225368"/>
+                    </a:ext>
+                  </a:extLst>
+                </a:gridCol>
+                <a:gridCol w="707366">
+                  <a:extLst>
+                    <a:ext uri="{9D8B030D-6E8A-4147-A177-3AD203B41FA5}">
+                      <a16:colId xmlns:a16="http://schemas.microsoft.com/office/drawing/2014/main" val="12717990"/>
+                    </a:ext>
+                  </a:extLst>
+                </a:gridCol>
+                <a:gridCol w="707366">
+                  <a:extLst>
+                    <a:ext uri="{9D8B030D-6E8A-4147-A177-3AD203B41FA5}">
+                      <a16:colId xmlns:a16="http://schemas.microsoft.com/office/drawing/2014/main" val="3694013642"/>
+                    </a:ext>
+                  </a:extLst>
+                </a:gridCol>
+                <a:gridCol w="707366">
+                  <a:extLst>
+                    <a:ext uri="{9D8B030D-6E8A-4147-A177-3AD203B41FA5}">
+                      <a16:colId xmlns:a16="http://schemas.microsoft.com/office/drawing/2014/main" val="888746775"/>
+                    </a:ext>
+                  </a:extLst>
+                </a:gridCol>
+              </a:tblGrid>
+              <a:tr h="169570">
+                <a:tc>
+                  <a:txBody>
+                    <a:bodyPr/>
+                    <a:lstStyle/>
+                    <a:p>
+                      <a:pPr latinLnBrk="1"/>
+                      <a:r>
+                        <a:rPr lang="ko-KR" altLang="en-US" sz="1600" dirty="0"/>
+                        <a:t>순서</a:t>
+                      </a:r>
+                    </a:p>
+                  </a:txBody>
+                  <a:tcPr/>
+                </a:tc>
+                <a:tc>
+                  <a:txBody>
+                    <a:bodyPr/>
+                    <a:lstStyle/>
+                    <a:p>
+                      <a:pPr latinLnBrk="1"/>
+                      <a:r>
+                        <a:rPr lang="en-US" altLang="ko-KR" sz="1600" dirty="0"/>
+                        <a:t>email</a:t>
+                      </a:r>
+                      <a:endParaRPr lang="ko-KR" altLang="en-US" sz="1600" dirty="0"/>
+                    </a:p>
+                  </a:txBody>
+                  <a:tcPr/>
+                </a:tc>
+                <a:tc>
+                  <a:txBody>
+                    <a:bodyPr/>
+                    <a:lstStyle/>
+                    <a:p>
+                      <a:pPr latinLnBrk="1"/>
+                      <a:r>
+                        <a:rPr lang="en-US" altLang="ko-KR" sz="1600" dirty="0"/>
+                        <a:t> </a:t>
+                      </a:r>
+                      <a:r>
+                        <a:rPr lang="ko-KR" altLang="en-US" sz="1600" dirty="0"/>
+                        <a:t>이름</a:t>
+                      </a:r>
+                    </a:p>
+                  </a:txBody>
+                  <a:tcPr/>
+                </a:tc>
+                <a:tc>
+                  <a:txBody>
+                    <a:bodyPr/>
+                    <a:lstStyle/>
+                    <a:p>
+                      <a:pPr latinLnBrk="1"/>
+                      <a:r>
+                        <a:rPr lang="ko-KR" altLang="en-US" sz="1600" dirty="0"/>
+                        <a:t>별명</a:t>
+                      </a:r>
+                    </a:p>
+                  </a:txBody>
+                  <a:tcPr/>
+                </a:tc>
+                <a:tc>
+                  <a:txBody>
+                    <a:bodyPr/>
+                    <a:lstStyle/>
+                    <a:p>
+                      <a:pPr latinLnBrk="1"/>
+                      <a:r>
+                        <a:rPr lang="ko-KR" altLang="en-US" sz="1600" dirty="0"/>
+                        <a:t>그룹</a:t>
+                      </a:r>
+                    </a:p>
+                  </a:txBody>
+                  <a:tcPr/>
+                </a:tc>
+                <a:extLst>
+                  <a:ext uri="{0D108BD9-81ED-4DB2-BD59-A6C34878D82A}">
+                    <a16:rowId xmlns:a16="http://schemas.microsoft.com/office/drawing/2014/main" val="1606789671"/>
+                  </a:ext>
+                </a:extLst>
+              </a:tr>
+              <a:tr h="306731">
+                <a:tc>
+                  <a:txBody>
+                    <a:bodyPr/>
+                    <a:lstStyle/>
+                    <a:p>
+                      <a:pPr algn="ctr" latinLnBrk="1"/>
+                      <a:r>
+                        <a:rPr lang="en-US" altLang="ko-KR" sz="1200" dirty="0"/>
+                        <a:t>1</a:t>
+                      </a:r>
+                      <a:endParaRPr lang="ko-KR" altLang="en-US" sz="1200" dirty="0"/>
+                    </a:p>
+                  </a:txBody>
+                  <a:tcPr/>
+                </a:tc>
+                <a:tc>
+                  <a:txBody>
+                    <a:bodyPr/>
+                    <a:lstStyle/>
+                    <a:p>
+                      <a:pPr algn="ctr" latinLnBrk="1"/>
+                      <a:r>
+                        <a:rPr lang="en-US" altLang="ko-KR" sz="1200" dirty="0" err="1"/>
+                        <a:t>tkddnjs</a:t>
+                      </a:r>
+                      <a:endParaRPr lang="ko-KR" altLang="en-US" sz="1200" dirty="0"/>
+                    </a:p>
+                  </a:txBody>
+                  <a:tcPr/>
+                </a:tc>
+                <a:tc>
+                  <a:txBody>
+                    <a:bodyPr/>
+                    <a:lstStyle/>
+                    <a:p>
+                      <a:pPr algn="ctr" latinLnBrk="1"/>
+                      <a:r>
+                        <a:rPr lang="ko-KR" altLang="en-US" sz="1200" dirty="0"/>
+                        <a:t>이상원</a:t>
+                      </a:r>
+                    </a:p>
+                  </a:txBody>
+                  <a:tcPr/>
+                </a:tc>
+                <a:tc>
+                  <a:txBody>
+                    <a:bodyPr/>
+                    <a:lstStyle/>
+                    <a:p>
+                      <a:pPr algn="ctr" latinLnBrk="1"/>
+                      <a:r>
+                        <a:rPr lang="en-US" altLang="ko-KR" sz="1200" dirty="0" err="1"/>
+                        <a:t>Lsw</a:t>
+                      </a:r>
+                      <a:endParaRPr lang="ko-KR" altLang="en-US" sz="1200" dirty="0"/>
+                    </a:p>
+                  </a:txBody>
+                  <a:tcPr/>
+                </a:tc>
+                <a:tc>
+                  <a:txBody>
+                    <a:bodyPr/>
+                    <a:lstStyle/>
+                    <a:p>
+                      <a:pPr algn="ctr" latinLnBrk="1"/>
+                      <a:r>
+                        <a:rPr lang="en-US" altLang="ko-KR" sz="1200" dirty="0"/>
+                        <a:t>all</a:t>
+                      </a:r>
+                      <a:endParaRPr lang="ko-KR" altLang="en-US" sz="1200" dirty="0"/>
+                    </a:p>
+                  </a:txBody>
+                  <a:tcPr/>
+                </a:tc>
+                <a:extLst>
+                  <a:ext uri="{0D108BD9-81ED-4DB2-BD59-A6C34878D82A}">
+                    <a16:rowId xmlns:a16="http://schemas.microsoft.com/office/drawing/2014/main" val="1251608280"/>
+                  </a:ext>
+                </a:extLst>
+              </a:tr>
+              <a:tr h="306731">
+                <a:tc>
+                  <a:txBody>
+                    <a:bodyPr/>
+                    <a:lstStyle/>
+                    <a:p>
+                      <a:pPr latinLnBrk="1"/>
+                      <a:endParaRPr lang="ko-KR" altLang="en-US"/>
+                    </a:p>
+                  </a:txBody>
+                  <a:tcPr/>
+                </a:tc>
+                <a:tc>
+                  <a:txBody>
+                    <a:bodyPr/>
+                    <a:lstStyle/>
+                    <a:p>
+                      <a:pPr latinLnBrk="1"/>
+                      <a:endParaRPr lang="ko-KR" altLang="en-US"/>
+                    </a:p>
+                  </a:txBody>
+                  <a:tcPr/>
+                </a:tc>
+                <a:tc>
+                  <a:txBody>
+                    <a:bodyPr/>
+                    <a:lstStyle/>
+                    <a:p>
+                      <a:pPr latinLnBrk="1"/>
+                      <a:endParaRPr lang="ko-KR" altLang="en-US"/>
+                    </a:p>
+                  </a:txBody>
+                  <a:tcPr/>
+                </a:tc>
+                <a:tc>
+                  <a:txBody>
+                    <a:bodyPr/>
+                    <a:lstStyle/>
+                    <a:p>
+                      <a:pPr latinLnBrk="1"/>
+                      <a:endParaRPr lang="ko-KR" altLang="en-US" dirty="0"/>
+                    </a:p>
+                  </a:txBody>
+                  <a:tcPr/>
+                </a:tc>
+                <a:tc>
+                  <a:txBody>
+                    <a:bodyPr/>
+                    <a:lstStyle/>
+                    <a:p>
+                      <a:pPr latinLnBrk="1"/>
+                      <a:endParaRPr lang="ko-KR" altLang="en-US" dirty="0"/>
+                    </a:p>
+                  </a:txBody>
+                  <a:tcPr/>
+                </a:tc>
+                <a:extLst>
+                  <a:ext uri="{0D108BD9-81ED-4DB2-BD59-A6C34878D82A}">
+                    <a16:rowId xmlns:a16="http://schemas.microsoft.com/office/drawing/2014/main" val="2860028759"/>
+                  </a:ext>
+                </a:extLst>
+              </a:tr>
+              <a:tr h="306731">
+                <a:tc>
+                  <a:txBody>
+                    <a:bodyPr/>
+                    <a:lstStyle/>
+                    <a:p>
+                      <a:pPr latinLnBrk="1"/>
+                      <a:endParaRPr lang="ko-KR" altLang="en-US"/>
+                    </a:p>
+                  </a:txBody>
+                  <a:tcPr/>
+                </a:tc>
+                <a:tc>
+                  <a:txBody>
+                    <a:bodyPr/>
+                    <a:lstStyle/>
+                    <a:p>
+                      <a:pPr latinLnBrk="1"/>
+                      <a:endParaRPr lang="ko-KR" altLang="en-US" dirty="0"/>
+                    </a:p>
+                  </a:txBody>
+                  <a:tcPr/>
+                </a:tc>
+                <a:tc>
+                  <a:txBody>
+                    <a:bodyPr/>
+                    <a:lstStyle/>
+                    <a:p>
+                      <a:pPr latinLnBrk="1"/>
+                      <a:endParaRPr lang="ko-KR" altLang="en-US"/>
+                    </a:p>
+                  </a:txBody>
+                  <a:tcPr/>
+                </a:tc>
+                <a:tc>
+                  <a:txBody>
+                    <a:bodyPr/>
+                    <a:lstStyle/>
+                    <a:p>
+                      <a:pPr latinLnBrk="1"/>
+                      <a:endParaRPr lang="ko-KR" altLang="en-US"/>
+                    </a:p>
+                  </a:txBody>
+                  <a:tcPr/>
+                </a:tc>
+                <a:tc>
+                  <a:txBody>
+                    <a:bodyPr/>
+                    <a:lstStyle/>
+                    <a:p>
+                      <a:pPr latinLnBrk="1"/>
+                      <a:endParaRPr lang="ko-KR" altLang="en-US"/>
+                    </a:p>
+                  </a:txBody>
+                  <a:tcPr/>
+                </a:tc>
+                <a:extLst>
+                  <a:ext uri="{0D108BD9-81ED-4DB2-BD59-A6C34878D82A}">
+                    <a16:rowId xmlns:a16="http://schemas.microsoft.com/office/drawing/2014/main" val="785271659"/>
+                  </a:ext>
+                </a:extLst>
+              </a:tr>
+              <a:tr h="306731">
+                <a:tc>
+                  <a:txBody>
+                    <a:bodyPr/>
+                    <a:lstStyle/>
+                    <a:p>
+                      <a:pPr latinLnBrk="1"/>
+                      <a:endParaRPr lang="ko-KR" altLang="en-US"/>
+                    </a:p>
+                  </a:txBody>
+                  <a:tcPr/>
+                </a:tc>
+                <a:tc>
+                  <a:txBody>
+                    <a:bodyPr/>
+                    <a:lstStyle/>
+                    <a:p>
+                      <a:pPr latinLnBrk="1"/>
+                      <a:endParaRPr lang="ko-KR" altLang="en-US" dirty="0"/>
+                    </a:p>
+                  </a:txBody>
+                  <a:tcPr/>
+                </a:tc>
+                <a:tc>
+                  <a:txBody>
+                    <a:bodyPr/>
+                    <a:lstStyle/>
+                    <a:p>
+                      <a:pPr latinLnBrk="1"/>
+                      <a:endParaRPr lang="ko-KR" altLang="en-US"/>
+                    </a:p>
+                  </a:txBody>
+                  <a:tcPr/>
+                </a:tc>
+                <a:tc>
+                  <a:txBody>
+                    <a:bodyPr/>
+                    <a:lstStyle/>
+                    <a:p>
+                      <a:pPr latinLnBrk="1"/>
+                      <a:endParaRPr lang="ko-KR" altLang="en-US"/>
+                    </a:p>
+                  </a:txBody>
+                  <a:tcPr/>
+                </a:tc>
+                <a:tc>
+                  <a:txBody>
+                    <a:bodyPr/>
+                    <a:lstStyle/>
+                    <a:p>
+                      <a:pPr latinLnBrk="1"/>
+                      <a:endParaRPr lang="ko-KR" altLang="en-US"/>
+                    </a:p>
+                  </a:txBody>
+                  <a:tcPr/>
+                </a:tc>
                 <a:extLst>
                   <a:ext uri="{0D108BD9-81ED-4DB2-BD59-A6C34878D82A}">
                     <a16:rowId xmlns:a16="http://schemas.microsoft.com/office/drawing/2014/main" val="2877861469"/>
@@ -4072,6 +5718,28 @@
                     <a:p>
                       <a:pPr latinLnBrk="1"/>
                       <a:endParaRPr lang="ko-KR" altLang="en-US" dirty="0"/>
+                    </a:p>
+                  </a:txBody>
+                  <a:tcPr/>
+                </a:tc>
+                <a:tc>
+                  <a:txBody>
+                    <a:bodyPr/>
+                    <a:lstStyle/>
+                    <a:p>
+                      <a:pPr latinLnBrk="1"/>
+                      <a:endParaRPr lang="ko-KR" altLang="en-US"/>
+                    </a:p>
+                  </a:txBody>
+                  <a:tcPr/>
+                </a:tc>
+                <a:tc>
+                  <a:txBody>
+                    <a:bodyPr/>
+                    <a:lstStyle/>
+                    <a:p>
+                      <a:pPr latinLnBrk="1"/>
+                      <a:endParaRPr lang="ko-KR" altLang="en-US"/>
                     </a:p>
                   </a:txBody>
                   <a:tcPr/>
@@ -4127,6 +5795,28 @@
                   </a:txBody>
                   <a:tcPr/>
                 </a:tc>
+                <a:tc>
+                  <a:txBody>
+                    <a:bodyPr/>
+                    <a:lstStyle/>
+                    <a:p>
+                      <a:pPr latinLnBrk="1"/>
+                      <a:endParaRPr lang="ko-KR" altLang="en-US" dirty="0"/>
+                    </a:p>
+                  </a:txBody>
+                  <a:tcPr/>
+                </a:tc>
+                <a:tc>
+                  <a:txBody>
+                    <a:bodyPr/>
+                    <a:lstStyle/>
+                    <a:p>
+                      <a:pPr latinLnBrk="1"/>
+                      <a:endParaRPr lang="ko-KR" altLang="en-US" dirty="0"/>
+                    </a:p>
+                  </a:txBody>
+                  <a:tcPr/>
+                </a:tc>
                 <a:extLst>
                   <a:ext uri="{0D108BD9-81ED-4DB2-BD59-A6C34878D82A}">
                     <a16:rowId xmlns:a16="http://schemas.microsoft.com/office/drawing/2014/main" val="3058071478"/>
@@ -4351,7 +6041,18 @@
               <a:rPr lang="ko-KR" altLang="en-US" dirty="0"/>
               <a:t>순서</a:t>
             </a:r>
-            <a:endParaRPr lang="en-US" altLang="ko-KR" dirty="0"/>
+            <a:r>
+              <a:rPr lang="en-US" altLang="ko-KR" dirty="0"/>
+              <a:t>(</a:t>
+            </a:r>
+            <a:r>
+              <a:rPr lang="en-US" altLang="ko-KR" dirty="0" err="1"/>
+              <a:t>idx</a:t>
+            </a:r>
+            <a:r>
+              <a:rPr lang="en-US" altLang="ko-KR" dirty="0"/>
+              <a:t>)</a:t>
+            </a:r>
           </a:p>
           <a:p>
             <a:r>
@@ -4469,6 +6170,90 @@
           </a:p>
         </p:txBody>
       </p:sp>
+      <p:sp>
+        <p:nvSpPr>
+          <p:cNvPr id="8" name="TextBox 7">
+            <a:extLst>
+              <a:ext uri="{FF2B5EF4-FFF2-40B4-BE49-F238E27FC236}">
+                <a16:creationId xmlns:a16="http://schemas.microsoft.com/office/drawing/2014/main" id="{9ACB0986-D160-E296-5EE6-FCB3F659B151}"/>
+              </a:ext>
+            </a:extLst>
+          </p:cNvPr>
+          <p:cNvSpPr txBox="1"/>
+          <p:nvPr/>
+        </p:nvSpPr>
+        <p:spPr>
+          <a:xfrm>
+            <a:off x="3014932" y="298594"/>
+            <a:ext cx="3925019" cy="461665"/>
+          </a:xfrm>
+          <a:prstGeom prst="rect">
+            <a:avLst/>
+          </a:prstGeom>
+          <a:noFill/>
+        </p:spPr>
+        <p:txBody>
+          <a:bodyPr wrap="square" rtlCol="0">
+            <a:spAutoFit/>
+          </a:bodyPr>
+          <a:lstStyle/>
+          <a:p>
+            <a:r>
+              <a:rPr lang="ko-KR" altLang="en-US" sz="2400" b="1" dirty="0"/>
+              <a:t>회원 관리 페이지</a:t>
+            </a:r>
+          </a:p>
+        </p:txBody>
+      </p:sp>
+      <p:sp>
+        <p:nvSpPr>
+          <p:cNvPr id="14" name="직사각형 13">
+            <a:extLst>
+              <a:ext uri="{FF2B5EF4-FFF2-40B4-BE49-F238E27FC236}">
+                <a16:creationId xmlns:a16="http://schemas.microsoft.com/office/drawing/2014/main" id="{D340F54F-8A35-EC6F-5646-503052A15993}"/>
+              </a:ext>
+            </a:extLst>
+          </p:cNvPr>
+          <p:cNvSpPr/>
+          <p:nvPr/>
+        </p:nvSpPr>
+        <p:spPr>
+          <a:xfrm>
+            <a:off x="3476444" y="4270076"/>
+            <a:ext cx="172529" cy="155276"/>
+          </a:xfrm>
+          <a:prstGeom prst="rect">
+            <a:avLst/>
+          </a:prstGeom>
+          <a:solidFill>
+            <a:schemeClr val="tx1"/>
+          </a:solidFill>
+        </p:spPr>
+        <p:style>
+          <a:lnRef idx="2">
+            <a:schemeClr val="accent3">
+              <a:shade val="50000"/>
+            </a:schemeClr>
+          </a:lnRef>
+          <a:fillRef idx="1">
+            <a:schemeClr val="accent3"/>
+          </a:fillRef>
+          <a:effectRef idx="0">
+            <a:schemeClr val="accent3"/>
+          </a:effectRef>
+          <a:fontRef idx="minor">
+            <a:schemeClr val="lt1"/>
+          </a:fontRef>
+        </p:style>
+        <p:txBody>
+          <a:bodyPr rtlCol="0" anchor="ctr"/>
+          <a:lstStyle/>
+          <a:p>
+            <a:pPr algn="ctr"/>
+            <a:endParaRPr lang="ko-KR" altLang="en-US"/>
+          </a:p>
+        </p:txBody>
+      </p:sp>
     </p:spTree>
     <p:extLst>
       <p:ext uri="{BB962C8B-B14F-4D97-AF65-F5344CB8AC3E}">
@@ -4482,7 +6267,7 @@
 </p:sld>
 </file>
 
-<file path=ppt/slides/slide4.xml><?xml version="1.0" encoding="utf-8"?>
+<file path=ppt/slides/slide5.xml><?xml version="1.0" encoding="utf-8"?>
 <p:sld xmlns:a="http://schemas.openxmlformats.org/drawingml/2006/main" xmlns:r="http://schemas.openxmlformats.org/officeDocument/2006/relationships" xmlns:p="http://schemas.openxmlformats.org/presentationml/2006/main">
   <p:cSld>
     <p:spTree>
@@ -4648,8 +6433,8 @@
         </p:nvSpPr>
         <p:spPr>
           <a:xfrm>
-            <a:off x="8959491" y="1874780"/>
-            <a:ext cx="3078671" cy="2308324"/>
+            <a:off x="8781212" y="1866154"/>
+            <a:ext cx="3410788" cy="2862322"/>
           </a:xfrm>
           <a:prstGeom prst="rect">
             <a:avLst/>
@@ -4664,89 +6449,115 @@
           <a:p>
             <a:r>
               <a:rPr lang="ko-KR" altLang="en-US" dirty="0"/>
-              <a:t>회원 정렬은 표 형태</a:t>
+              <a:t>회원 상세 정보는</a:t>
             </a:r>
             <a:endParaRPr lang="en-US" altLang="ko-KR" dirty="0"/>
           </a:p>
           <a:p>
+            <a:pPr marL="342900" indent="-342900">
+              <a:buAutoNum type="arabicPeriod"/>
+            </a:pPr>
+            <a:r>
+              <a:rPr lang="en-US" altLang="ko-KR" dirty="0" err="1"/>
+              <a:t>Uk</a:t>
+            </a:r>
+            <a:r>
+              <a:rPr lang="en-US" altLang="ko-KR" dirty="0"/>
+              <a:t> </a:t>
+            </a:r>
             <a:r>
               <a:rPr lang="ko-KR" altLang="en-US" dirty="0"/>
-              <a:t>정보는</a:t>
+              <a:t>인 아이디 </a:t>
+            </a:r>
+            <a:r>
+              <a:rPr lang="en-US" altLang="ko-KR" dirty="0"/>
+              <a:t>(email) &lt;- read only</a:t>
+            </a:r>
+          </a:p>
+          <a:p>
+            <a:pPr marL="342900" indent="-342900">
+              <a:buAutoNum type="arabicPeriod"/>
+            </a:pPr>
+            <a:r>
+              <a:rPr lang="en-US" altLang="ko-KR" dirty="0"/>
+              <a:t>Password</a:t>
+            </a:r>
+            <a:r>
+              <a:rPr lang="ko-KR" altLang="en-US" dirty="0"/>
+              <a:t> </a:t>
+            </a:r>
+            <a:r>
+              <a:rPr lang="en-US" altLang="ko-KR" dirty="0"/>
+              <a:t>&lt;-</a:t>
+            </a:r>
+            <a:r>
+              <a:rPr lang="ko-KR" altLang="en-US" dirty="0"/>
+              <a:t> </a:t>
+            </a:r>
+            <a:r>
+              <a:rPr lang="en-US" altLang="ko-KR" dirty="0"/>
+              <a:t>read only</a:t>
+            </a:r>
+          </a:p>
+          <a:p>
+            <a:pPr marL="342900" indent="-342900">
+              <a:buAutoNum type="arabicPeriod"/>
+            </a:pPr>
+            <a:r>
+              <a:rPr lang="en-US" altLang="ko-KR" dirty="0"/>
+              <a:t> </a:t>
+            </a:r>
+            <a:r>
+              <a:rPr lang="ko-KR" altLang="en-US" dirty="0"/>
+              <a:t>대부분 정보 보여주고</a:t>
             </a:r>
             <a:endParaRPr lang="en-US" altLang="ko-KR" dirty="0"/>
           </a:p>
           <a:p>
+            <a:pPr marL="342900" indent="-342900">
+              <a:buAutoNum type="arabicPeriod"/>
+            </a:pPr>
+            <a:endParaRPr lang="en-US" altLang="ko-KR" dirty="0"/>
+          </a:p>
+          <a:p>
+            <a:pPr marL="342900" indent="-342900">
+              <a:buAutoNum type="arabicPeriod"/>
+            </a:pPr>
+            <a:r>
+              <a:rPr lang="ko-KR" altLang="en-US" dirty="0"/>
+              <a:t>작성한 게시물 </a:t>
+            </a:r>
             <a:r>
               <a:rPr lang="en-US" altLang="ko-KR" dirty="0"/>
-              <a:t>1. </a:t>
+              <a:t>&lt;- </a:t>
             </a:r>
             <a:r>
               <a:rPr lang="ko-KR" altLang="en-US" dirty="0"/>
-              <a:t>순서</a:t>
-            </a:r>
-            <a:endParaRPr lang="en-US" altLang="ko-KR" dirty="0"/>
-          </a:p>
-          <a:p>
+              <a:t>테이블 형태로 보여주기 </a:t>
+            </a:r>
             <a:r>
               <a:rPr lang="en-US" altLang="ko-KR" dirty="0"/>
-              <a:t>2. Email (</a:t>
+              <a:t>&lt;- </a:t>
             </a:r>
             <a:r>
               <a:rPr lang="en-US" altLang="ko-KR" dirty="0" err="1"/>
               <a:t>url</a:t>
             </a:r>
             <a:r>
+              <a:rPr lang="en-US" altLang="ko-KR" dirty="0"/>
+              <a:t> </a:t>
+            </a:r>
+            <a:r>
               <a:rPr lang="ko-KR" altLang="en-US" dirty="0"/>
-              <a:t> </a:t>
-            </a:r>
-            <a:r>
-              <a:rPr lang="en-US" altLang="ko-KR" dirty="0"/>
-              <a:t>-&gt;</a:t>
-            </a:r>
-            <a:r>
-              <a:rPr lang="ko-KR" altLang="en-US" dirty="0"/>
-              <a:t> 상세 보기</a:t>
-            </a:r>
-            <a:r>
-              <a:rPr lang="en-US" altLang="ko-KR" dirty="0"/>
-              <a:t>)</a:t>
-            </a:r>
-          </a:p>
-          <a:p>
-            <a:r>
-              <a:rPr lang="en-US" altLang="ko-KR" dirty="0"/>
-              <a:t>3. </a:t>
-            </a:r>
-            <a:r>
-              <a:rPr lang="ko-KR" altLang="en-US" dirty="0"/>
-              <a:t>이름</a:t>
+              <a:t>타고 가서 볼 수 잇게</a:t>
             </a:r>
             <a:endParaRPr lang="en-US" altLang="ko-KR" dirty="0"/>
           </a:p>
           <a:p>
-            <a:r>
-              <a:rPr lang="en-US" altLang="ko-KR" dirty="0"/>
-              <a:t>4. </a:t>
-            </a:r>
-            <a:r>
-              <a:rPr lang="ko-KR" altLang="en-US" dirty="0"/>
-              <a:t>별명</a:t>
-            </a:r>
+            <a:pPr marL="342900" indent="-342900">
+              <a:buAutoNum type="arabicPeriod"/>
+            </a:pPr>
             <a:endParaRPr lang="en-US" altLang="ko-KR" dirty="0"/>
-          </a:p>
-          <a:p>
-            <a:r>
-              <a:rPr lang="en-US" altLang="ko-KR" dirty="0"/>
-              <a:t>5. </a:t>
-            </a:r>
-            <a:r>
-              <a:rPr lang="ko-KR" altLang="en-US" dirty="0"/>
-              <a:t>그룹 </a:t>
-            </a:r>
-            <a:endParaRPr lang="en-US" altLang="ko-KR" dirty="0"/>
-          </a:p>
-          <a:p>
-            <a:endParaRPr lang="ko-KR" altLang="en-US" dirty="0"/>
           </a:p>
         </p:txBody>
       </p:sp>
@@ -4764,8 +6575,8 @@
         </p:nvSpPr>
         <p:spPr>
           <a:xfrm>
-            <a:off x="4097547" y="1740269"/>
-            <a:ext cx="3326920" cy="2503928"/>
+            <a:off x="4097547" y="1647645"/>
+            <a:ext cx="3140015" cy="2774968"/>
           </a:xfrm>
           <a:prstGeom prst="rect">
             <a:avLst/>
@@ -4808,7 +6619,7 @@
         </p:nvSpPr>
         <p:spPr>
           <a:xfrm>
-            <a:off x="4562414" y="4340001"/>
+            <a:off x="4351546" y="4493228"/>
             <a:ext cx="1044755" cy="235179"/>
           </a:xfrm>
           <a:prstGeom prst="roundRect">
@@ -4861,7 +6672,7 @@
         </p:nvSpPr>
         <p:spPr>
           <a:xfrm>
-            <a:off x="5862127" y="4320701"/>
+            <a:off x="6031300" y="4493227"/>
             <a:ext cx="1044755" cy="235179"/>
           </a:xfrm>
           <a:prstGeom prst="roundRect">
@@ -4900,10 +6711,1459 @@
           </a:p>
         </p:txBody>
       </p:sp>
+      <p:sp>
+        <p:nvSpPr>
+          <p:cNvPr id="5" name="TextBox 4">
+            <a:extLst>
+              <a:ext uri="{FF2B5EF4-FFF2-40B4-BE49-F238E27FC236}">
+                <a16:creationId xmlns:a16="http://schemas.microsoft.com/office/drawing/2014/main" id="{07DE90B0-863A-C9DC-0A54-279A3DA37AB9}"/>
+              </a:ext>
+            </a:extLst>
+          </p:cNvPr>
+          <p:cNvSpPr txBox="1"/>
+          <p:nvPr/>
+        </p:nvSpPr>
+        <p:spPr>
+          <a:xfrm>
+            <a:off x="3014932" y="298594"/>
+            <a:ext cx="3925019" cy="461665"/>
+          </a:xfrm>
+          <a:prstGeom prst="rect">
+            <a:avLst/>
+          </a:prstGeom>
+          <a:noFill/>
+        </p:spPr>
+        <p:txBody>
+          <a:bodyPr wrap="square" rtlCol="0">
+            <a:spAutoFit/>
+          </a:bodyPr>
+          <a:lstStyle/>
+          <a:p>
+            <a:r>
+              <a:rPr lang="ko-KR" altLang="en-US" sz="2400" b="1" dirty="0"/>
+              <a:t>회원 상세 페이지</a:t>
+            </a:r>
+          </a:p>
+        </p:txBody>
+      </p:sp>
+      <p:sp>
+        <p:nvSpPr>
+          <p:cNvPr id="7" name="직사각형 6">
+            <a:extLst>
+              <a:ext uri="{FF2B5EF4-FFF2-40B4-BE49-F238E27FC236}">
+                <a16:creationId xmlns:a16="http://schemas.microsoft.com/office/drawing/2014/main" id="{A9C84860-4D1F-DFFD-813F-03850A6A4EED}"/>
+              </a:ext>
+            </a:extLst>
+          </p:cNvPr>
+          <p:cNvSpPr/>
+          <p:nvPr/>
+        </p:nvSpPr>
+        <p:spPr>
+          <a:xfrm>
+            <a:off x="4796285" y="1843643"/>
+            <a:ext cx="1503153" cy="177265"/>
+          </a:xfrm>
+          <a:prstGeom prst="rect">
+            <a:avLst/>
+          </a:prstGeom>
+        </p:spPr>
+        <p:style>
+          <a:lnRef idx="2">
+            <a:schemeClr val="dk1"/>
+          </a:lnRef>
+          <a:fillRef idx="1">
+            <a:schemeClr val="lt1"/>
+          </a:fillRef>
+          <a:effectRef idx="0">
+            <a:schemeClr val="dk1"/>
+          </a:effectRef>
+          <a:fontRef idx="minor">
+            <a:schemeClr val="dk1"/>
+          </a:fontRef>
+        </p:style>
+        <p:txBody>
+          <a:bodyPr rtlCol="0" anchor="ctr"/>
+          <a:lstStyle/>
+          <a:p>
+            <a:pPr algn="ctr"/>
+            <a:endParaRPr lang="ko-KR" altLang="en-US"/>
+          </a:p>
+        </p:txBody>
+      </p:sp>
+      <p:sp>
+        <p:nvSpPr>
+          <p:cNvPr id="8" name="TextBox 7">
+            <a:extLst>
+              <a:ext uri="{FF2B5EF4-FFF2-40B4-BE49-F238E27FC236}">
+                <a16:creationId xmlns:a16="http://schemas.microsoft.com/office/drawing/2014/main" id="{2A4BD34D-4EDD-A280-2F29-EEAE11F21F21}"/>
+              </a:ext>
+            </a:extLst>
+          </p:cNvPr>
+          <p:cNvSpPr txBox="1"/>
+          <p:nvPr/>
+        </p:nvSpPr>
+        <p:spPr>
+          <a:xfrm>
+            <a:off x="4265640" y="1797234"/>
+            <a:ext cx="699577" cy="276999"/>
+          </a:xfrm>
+          <a:prstGeom prst="rect">
+            <a:avLst/>
+          </a:prstGeom>
+          <a:noFill/>
+        </p:spPr>
+        <p:txBody>
+          <a:bodyPr wrap="square" rtlCol="0">
+            <a:spAutoFit/>
+          </a:bodyPr>
+          <a:lstStyle/>
+          <a:p>
+            <a:r>
+              <a:rPr lang="en-US" altLang="ko-KR" sz="1200" b="1" dirty="0"/>
+              <a:t>email</a:t>
+            </a:r>
+            <a:endParaRPr lang="ko-KR" altLang="en-US" sz="1200" b="1" dirty="0"/>
+          </a:p>
+        </p:txBody>
+      </p:sp>
+      <p:sp>
+        <p:nvSpPr>
+          <p:cNvPr id="10" name="직사각형 9">
+            <a:extLst>
+              <a:ext uri="{FF2B5EF4-FFF2-40B4-BE49-F238E27FC236}">
+                <a16:creationId xmlns:a16="http://schemas.microsoft.com/office/drawing/2014/main" id="{3E242B33-D3E4-84BA-266F-95BAB17AC160}"/>
+              </a:ext>
+            </a:extLst>
+          </p:cNvPr>
+          <p:cNvSpPr/>
+          <p:nvPr/>
+        </p:nvSpPr>
+        <p:spPr>
+          <a:xfrm>
+            <a:off x="4796285" y="2141678"/>
+            <a:ext cx="1503153" cy="177265"/>
+          </a:xfrm>
+          <a:prstGeom prst="rect">
+            <a:avLst/>
+          </a:prstGeom>
+        </p:spPr>
+        <p:style>
+          <a:lnRef idx="2">
+            <a:schemeClr val="dk1"/>
+          </a:lnRef>
+          <a:fillRef idx="1">
+            <a:schemeClr val="lt1"/>
+          </a:fillRef>
+          <a:effectRef idx="0">
+            <a:schemeClr val="dk1"/>
+          </a:effectRef>
+          <a:fontRef idx="minor">
+            <a:schemeClr val="dk1"/>
+          </a:fontRef>
+        </p:style>
+        <p:txBody>
+          <a:bodyPr rtlCol="0" anchor="ctr"/>
+          <a:lstStyle/>
+          <a:p>
+            <a:pPr algn="ctr"/>
+            <a:endParaRPr lang="ko-KR" altLang="en-US"/>
+          </a:p>
+        </p:txBody>
+      </p:sp>
+      <p:sp>
+        <p:nvSpPr>
+          <p:cNvPr id="12" name="TextBox 11">
+            <a:extLst>
+              <a:ext uri="{FF2B5EF4-FFF2-40B4-BE49-F238E27FC236}">
+                <a16:creationId xmlns:a16="http://schemas.microsoft.com/office/drawing/2014/main" id="{78ADCAE3-4B22-5636-EADF-B0F9863B43AF}"/>
+              </a:ext>
+            </a:extLst>
+          </p:cNvPr>
+          <p:cNvSpPr txBox="1"/>
+          <p:nvPr/>
+        </p:nvSpPr>
+        <p:spPr>
+          <a:xfrm>
+            <a:off x="4265640" y="2095269"/>
+            <a:ext cx="699577" cy="276999"/>
+          </a:xfrm>
+          <a:prstGeom prst="rect">
+            <a:avLst/>
+          </a:prstGeom>
+          <a:noFill/>
+        </p:spPr>
+        <p:txBody>
+          <a:bodyPr wrap="square" rtlCol="0">
+            <a:spAutoFit/>
+          </a:bodyPr>
+          <a:lstStyle/>
+          <a:p>
+            <a:r>
+              <a:rPr lang="en-US" altLang="ko-KR" sz="1200" b="1" dirty="0"/>
+              <a:t>pass</a:t>
+            </a:r>
+            <a:endParaRPr lang="ko-KR" altLang="en-US" sz="1200" b="1" dirty="0"/>
+          </a:p>
+        </p:txBody>
+      </p:sp>
+      <p:sp>
+        <p:nvSpPr>
+          <p:cNvPr id="15" name="직사각형 14">
+            <a:extLst>
+              <a:ext uri="{FF2B5EF4-FFF2-40B4-BE49-F238E27FC236}">
+                <a16:creationId xmlns:a16="http://schemas.microsoft.com/office/drawing/2014/main" id="{CBCB3363-2207-576B-4C4A-BA1545344EDD}"/>
+              </a:ext>
+            </a:extLst>
+          </p:cNvPr>
+          <p:cNvSpPr/>
+          <p:nvPr/>
+        </p:nvSpPr>
+        <p:spPr>
+          <a:xfrm>
+            <a:off x="5065498" y="2512071"/>
+            <a:ext cx="1259341" cy="177265"/>
+          </a:xfrm>
+          <a:prstGeom prst="rect">
+            <a:avLst/>
+          </a:prstGeom>
+        </p:spPr>
+        <p:style>
+          <a:lnRef idx="2">
+            <a:schemeClr val="dk1"/>
+          </a:lnRef>
+          <a:fillRef idx="1">
+            <a:schemeClr val="lt1"/>
+          </a:fillRef>
+          <a:effectRef idx="0">
+            <a:schemeClr val="dk1"/>
+          </a:effectRef>
+          <a:fontRef idx="minor">
+            <a:schemeClr val="dk1"/>
+          </a:fontRef>
+        </p:style>
+        <p:txBody>
+          <a:bodyPr rtlCol="0" anchor="ctr"/>
+          <a:lstStyle/>
+          <a:p>
+            <a:pPr algn="ctr"/>
+            <a:endParaRPr lang="ko-KR" altLang="en-US"/>
+          </a:p>
+        </p:txBody>
+      </p:sp>
+      <p:sp>
+        <p:nvSpPr>
+          <p:cNvPr id="17" name="TextBox 16">
+            <a:extLst>
+              <a:ext uri="{FF2B5EF4-FFF2-40B4-BE49-F238E27FC236}">
+                <a16:creationId xmlns:a16="http://schemas.microsoft.com/office/drawing/2014/main" id="{79A6CAD0-506D-DBFA-40FB-CD1844FD635E}"/>
+              </a:ext>
+            </a:extLst>
+          </p:cNvPr>
+          <p:cNvSpPr txBox="1"/>
+          <p:nvPr/>
+        </p:nvSpPr>
+        <p:spPr>
+          <a:xfrm>
+            <a:off x="4265640" y="2446629"/>
+            <a:ext cx="987847" cy="276999"/>
+          </a:xfrm>
+          <a:prstGeom prst="rect">
+            <a:avLst/>
+          </a:prstGeom>
+          <a:noFill/>
+        </p:spPr>
+        <p:txBody>
+          <a:bodyPr wrap="square" rtlCol="0">
+            <a:spAutoFit/>
+          </a:bodyPr>
+          <a:lstStyle/>
+          <a:p>
+            <a:r>
+              <a:rPr lang="en-US" altLang="ko-KR" sz="1200" b="1" dirty="0" err="1"/>
+              <a:t>m_name</a:t>
+            </a:r>
+            <a:endParaRPr lang="ko-KR" altLang="en-US" sz="1200" b="1" dirty="0"/>
+          </a:p>
+        </p:txBody>
+      </p:sp>
+      <p:sp>
+        <p:nvSpPr>
+          <p:cNvPr id="18" name="직사각형 17">
+            <a:extLst>
+              <a:ext uri="{FF2B5EF4-FFF2-40B4-BE49-F238E27FC236}">
+                <a16:creationId xmlns:a16="http://schemas.microsoft.com/office/drawing/2014/main" id="{7FEDD06A-2392-E4D5-3E87-6456BD15183D}"/>
+              </a:ext>
+            </a:extLst>
+          </p:cNvPr>
+          <p:cNvSpPr/>
+          <p:nvPr/>
+        </p:nvSpPr>
+        <p:spPr>
+          <a:xfrm>
+            <a:off x="5065498" y="2810860"/>
+            <a:ext cx="1259341" cy="177265"/>
+          </a:xfrm>
+          <a:prstGeom prst="rect">
+            <a:avLst/>
+          </a:prstGeom>
+        </p:spPr>
+        <p:style>
+          <a:lnRef idx="2">
+            <a:schemeClr val="dk1"/>
+          </a:lnRef>
+          <a:fillRef idx="1">
+            <a:schemeClr val="lt1"/>
+          </a:fillRef>
+          <a:effectRef idx="0">
+            <a:schemeClr val="dk1"/>
+          </a:effectRef>
+          <a:fontRef idx="minor">
+            <a:schemeClr val="dk1"/>
+          </a:fontRef>
+        </p:style>
+        <p:txBody>
+          <a:bodyPr rtlCol="0" anchor="ctr"/>
+          <a:lstStyle/>
+          <a:p>
+            <a:pPr algn="ctr"/>
+            <a:endParaRPr lang="ko-KR" altLang="en-US"/>
+          </a:p>
+        </p:txBody>
+      </p:sp>
+      <p:sp>
+        <p:nvSpPr>
+          <p:cNvPr id="19" name="TextBox 18">
+            <a:extLst>
+              <a:ext uri="{FF2B5EF4-FFF2-40B4-BE49-F238E27FC236}">
+                <a16:creationId xmlns:a16="http://schemas.microsoft.com/office/drawing/2014/main" id="{D4727C90-1614-9E5D-5F60-F7907CAF316E}"/>
+              </a:ext>
+            </a:extLst>
+          </p:cNvPr>
+          <p:cNvSpPr txBox="1"/>
+          <p:nvPr/>
+        </p:nvSpPr>
+        <p:spPr>
+          <a:xfrm>
+            <a:off x="4265640" y="2745418"/>
+            <a:ext cx="987847" cy="276999"/>
+          </a:xfrm>
+          <a:prstGeom prst="rect">
+            <a:avLst/>
+          </a:prstGeom>
+          <a:noFill/>
+        </p:spPr>
+        <p:txBody>
+          <a:bodyPr wrap="square" rtlCol="0">
+            <a:spAutoFit/>
+          </a:bodyPr>
+          <a:lstStyle/>
+          <a:p>
+            <a:r>
+              <a:rPr lang="en-US" altLang="ko-KR" sz="1200" b="1" dirty="0"/>
+              <a:t>address</a:t>
+            </a:r>
+            <a:endParaRPr lang="ko-KR" altLang="en-US" sz="1200" b="1" dirty="0"/>
+          </a:p>
+        </p:txBody>
+      </p:sp>
+      <p:sp>
+        <p:nvSpPr>
+          <p:cNvPr id="20" name="직사각형 19">
+            <a:extLst>
+              <a:ext uri="{FF2B5EF4-FFF2-40B4-BE49-F238E27FC236}">
+                <a16:creationId xmlns:a16="http://schemas.microsoft.com/office/drawing/2014/main" id="{39CD222B-9ECF-FC01-D252-591A14233F01}"/>
+              </a:ext>
+            </a:extLst>
+          </p:cNvPr>
+          <p:cNvSpPr/>
+          <p:nvPr/>
+        </p:nvSpPr>
+        <p:spPr>
+          <a:xfrm>
+            <a:off x="5065498" y="3064723"/>
+            <a:ext cx="1259341" cy="135832"/>
+          </a:xfrm>
+          <a:prstGeom prst="rect">
+            <a:avLst/>
+          </a:prstGeom>
+        </p:spPr>
+        <p:style>
+          <a:lnRef idx="2">
+            <a:schemeClr val="dk1"/>
+          </a:lnRef>
+          <a:fillRef idx="1">
+            <a:schemeClr val="lt1"/>
+          </a:fillRef>
+          <a:effectRef idx="0">
+            <a:schemeClr val="dk1"/>
+          </a:effectRef>
+          <a:fontRef idx="minor">
+            <a:schemeClr val="dk1"/>
+          </a:fontRef>
+        </p:style>
+        <p:txBody>
+          <a:bodyPr rtlCol="0" anchor="ctr"/>
+          <a:lstStyle/>
+          <a:p>
+            <a:pPr algn="ctr"/>
+            <a:endParaRPr lang="ko-KR" altLang="en-US"/>
+          </a:p>
+        </p:txBody>
+      </p:sp>
+      <p:sp>
+        <p:nvSpPr>
+          <p:cNvPr id="21" name="TextBox 20">
+            <a:extLst>
+              <a:ext uri="{FF2B5EF4-FFF2-40B4-BE49-F238E27FC236}">
+                <a16:creationId xmlns:a16="http://schemas.microsoft.com/office/drawing/2014/main" id="{F0783528-1772-8A27-623F-EA2C9DE484A1}"/>
+              </a:ext>
+            </a:extLst>
+          </p:cNvPr>
+          <p:cNvSpPr txBox="1"/>
+          <p:nvPr/>
+        </p:nvSpPr>
+        <p:spPr>
+          <a:xfrm>
+            <a:off x="4265640" y="2999280"/>
+            <a:ext cx="987847" cy="276999"/>
+          </a:xfrm>
+          <a:prstGeom prst="rect">
+            <a:avLst/>
+          </a:prstGeom>
+          <a:noFill/>
+        </p:spPr>
+        <p:txBody>
+          <a:bodyPr wrap="square" rtlCol="0">
+            <a:spAutoFit/>
+          </a:bodyPr>
+          <a:lstStyle/>
+          <a:p>
+            <a:r>
+              <a:rPr lang="en-US" altLang="ko-KR" sz="1200" b="1" dirty="0"/>
+              <a:t>group</a:t>
+            </a:r>
+            <a:endParaRPr lang="ko-KR" altLang="en-US" sz="1200" b="1" dirty="0"/>
+          </a:p>
+        </p:txBody>
+      </p:sp>
+      <p:sp>
+        <p:nvSpPr>
+          <p:cNvPr id="22" name="화살표: 아래쪽 21">
+            <a:extLst>
+              <a:ext uri="{FF2B5EF4-FFF2-40B4-BE49-F238E27FC236}">
+                <a16:creationId xmlns:a16="http://schemas.microsoft.com/office/drawing/2014/main" id="{9832CF41-AA2A-DE45-718A-7B79539A3DDB}"/>
+              </a:ext>
+            </a:extLst>
+          </p:cNvPr>
+          <p:cNvSpPr/>
+          <p:nvPr/>
+        </p:nvSpPr>
+        <p:spPr>
+          <a:xfrm>
+            <a:off x="6096000" y="3075357"/>
+            <a:ext cx="198408" cy="133092"/>
+          </a:xfrm>
+          <a:prstGeom prst="downArrow">
+            <a:avLst/>
+          </a:prstGeom>
+        </p:spPr>
+        <p:style>
+          <a:lnRef idx="2">
+            <a:schemeClr val="accent1">
+              <a:shade val="50000"/>
+            </a:schemeClr>
+          </a:lnRef>
+          <a:fillRef idx="1">
+            <a:schemeClr val="accent1"/>
+          </a:fillRef>
+          <a:effectRef idx="0">
+            <a:schemeClr val="accent1"/>
+          </a:effectRef>
+          <a:fontRef idx="minor">
+            <a:schemeClr val="lt1"/>
+          </a:fontRef>
+        </p:style>
+        <p:txBody>
+          <a:bodyPr rtlCol="0" anchor="ctr"/>
+          <a:lstStyle/>
+          <a:p>
+            <a:pPr algn="ctr"/>
+            <a:endParaRPr lang="ko-KR" altLang="en-US"/>
+          </a:p>
+        </p:txBody>
+      </p:sp>
+      <p:pic>
+        <p:nvPicPr>
+          <p:cNvPr id="24" name="그림 23">
+            <a:extLst>
+              <a:ext uri="{FF2B5EF4-FFF2-40B4-BE49-F238E27FC236}">
+                <a16:creationId xmlns:a16="http://schemas.microsoft.com/office/drawing/2014/main" id="{5FD6AD50-4C39-A0EA-6EED-9B8568BEC86D}"/>
+              </a:ext>
+            </a:extLst>
+          </p:cNvPr>
+          <p:cNvPicPr>
+            <a:picLocks noChangeAspect="1"/>
+          </p:cNvPicPr>
+          <p:nvPr/>
+        </p:nvPicPr>
+        <p:blipFill>
+          <a:blip r:embed="rId2"/>
+          <a:stretch>
+            <a:fillRect/>
+          </a:stretch>
+        </p:blipFill>
+        <p:spPr>
+          <a:xfrm>
+            <a:off x="4470620" y="3286913"/>
+            <a:ext cx="2154482" cy="1037314"/>
+          </a:xfrm>
+          <a:prstGeom prst="rect">
+            <a:avLst/>
+          </a:prstGeom>
+        </p:spPr>
+      </p:pic>
     </p:spTree>
     <p:extLst>
       <p:ext uri="{BB962C8B-B14F-4D97-AF65-F5344CB8AC3E}">
         <p14:creationId xmlns:p14="http://schemas.microsoft.com/office/powerpoint/2010/main" val="3227195126"/>
+      </p:ext>
+    </p:extLst>
+  </p:cSld>
+  <p:clrMapOvr>
+    <a:masterClrMapping/>
+  </p:clrMapOvr>
+</p:sld>
+</file>
+
+<file path=ppt/slides/slide6.xml><?xml version="1.0" encoding="utf-8"?>
+<p:sld xmlns:a="http://schemas.openxmlformats.org/drawingml/2006/main" xmlns:r="http://schemas.openxmlformats.org/officeDocument/2006/relationships" xmlns:p="http://schemas.openxmlformats.org/presentationml/2006/main">
+  <p:cSld>
+    <p:spTree>
+      <p:nvGrpSpPr>
+        <p:cNvPr id="1" name=""/>
+        <p:cNvGrpSpPr/>
+        <p:nvPr/>
+      </p:nvGrpSpPr>
+      <p:grpSpPr>
+        <a:xfrm>
+          <a:off x="0" y="0"/>
+          <a:ext cx="0" cy="0"/>
+          <a:chOff x="0" y="0"/>
+          <a:chExt cx="0" cy="0"/>
+        </a:xfrm>
+      </p:grpSpPr>
+      <p:sp>
+        <p:nvSpPr>
+          <p:cNvPr id="2" name="직사각형 1">
+            <a:extLst>
+              <a:ext uri="{FF2B5EF4-FFF2-40B4-BE49-F238E27FC236}">
+                <a16:creationId xmlns:a16="http://schemas.microsoft.com/office/drawing/2014/main" id="{4ED72886-887B-B821-3893-51B3065CB47B}"/>
+              </a:ext>
+            </a:extLst>
+          </p:cNvPr>
+          <p:cNvSpPr/>
+          <p:nvPr/>
+        </p:nvSpPr>
+        <p:spPr>
+          <a:xfrm>
+            <a:off x="2844800" y="1086929"/>
+            <a:ext cx="5911011" cy="3780636"/>
+          </a:xfrm>
+          <a:prstGeom prst="rect">
+            <a:avLst/>
+          </a:prstGeom>
+        </p:spPr>
+        <p:style>
+          <a:lnRef idx="2">
+            <a:schemeClr val="dk1"/>
+          </a:lnRef>
+          <a:fillRef idx="1">
+            <a:schemeClr val="lt1"/>
+          </a:fillRef>
+          <a:effectRef idx="0">
+            <a:schemeClr val="dk1"/>
+          </a:effectRef>
+          <a:fontRef idx="minor">
+            <a:schemeClr val="dk1"/>
+          </a:fontRef>
+        </p:style>
+        <p:txBody>
+          <a:bodyPr rtlCol="0" anchor="ctr"/>
+          <a:lstStyle/>
+          <a:p>
+            <a:pPr algn="ctr"/>
+            <a:endParaRPr lang="ko-KR" altLang="en-US"/>
+          </a:p>
+        </p:txBody>
+      </p:sp>
+      <p:sp>
+        <p:nvSpPr>
+          <p:cNvPr id="3" name="직사각형 2">
+            <a:extLst>
+              <a:ext uri="{FF2B5EF4-FFF2-40B4-BE49-F238E27FC236}">
+                <a16:creationId xmlns:a16="http://schemas.microsoft.com/office/drawing/2014/main" id="{C7C2E214-6A9F-D377-52BD-56684A274FCB}"/>
+              </a:ext>
+            </a:extLst>
+          </p:cNvPr>
+          <p:cNvSpPr/>
+          <p:nvPr/>
+        </p:nvSpPr>
+        <p:spPr>
+          <a:xfrm>
+            <a:off x="2844800" y="1086929"/>
+            <a:ext cx="5911011" cy="439946"/>
+          </a:xfrm>
+          <a:prstGeom prst="rect">
+            <a:avLst/>
+          </a:prstGeom>
+          <a:solidFill>
+            <a:schemeClr val="tx1"/>
+          </a:solidFill>
+        </p:spPr>
+        <p:style>
+          <a:lnRef idx="2">
+            <a:schemeClr val="dk1"/>
+          </a:lnRef>
+          <a:fillRef idx="1">
+            <a:schemeClr val="lt1"/>
+          </a:fillRef>
+          <a:effectRef idx="0">
+            <a:schemeClr val="dk1"/>
+          </a:effectRef>
+          <a:fontRef idx="minor">
+            <a:schemeClr val="dk1"/>
+          </a:fontRef>
+        </p:style>
+        <p:txBody>
+          <a:bodyPr rtlCol="0" anchor="ctr"/>
+          <a:lstStyle/>
+          <a:p>
+            <a:pPr algn="ctr"/>
+            <a:endParaRPr lang="ko-KR" altLang="en-US"/>
+          </a:p>
+        </p:txBody>
+      </p:sp>
+      <p:sp>
+        <p:nvSpPr>
+          <p:cNvPr id="4" name="TextBox 3">
+            <a:extLst>
+              <a:ext uri="{FF2B5EF4-FFF2-40B4-BE49-F238E27FC236}">
+                <a16:creationId xmlns:a16="http://schemas.microsoft.com/office/drawing/2014/main" id="{626BBFD3-FC4A-4B62-483D-282DB05C9945}"/>
+              </a:ext>
+            </a:extLst>
+          </p:cNvPr>
+          <p:cNvSpPr txBox="1"/>
+          <p:nvPr/>
+        </p:nvSpPr>
+        <p:spPr>
+          <a:xfrm>
+            <a:off x="2932980" y="1086929"/>
+            <a:ext cx="5710687" cy="369332"/>
+          </a:xfrm>
+          <a:prstGeom prst="rect">
+            <a:avLst/>
+          </a:prstGeom>
+          <a:noFill/>
+        </p:spPr>
+        <p:txBody>
+          <a:bodyPr wrap="square" rtlCol="0">
+            <a:spAutoFit/>
+          </a:bodyPr>
+          <a:lstStyle/>
+          <a:p>
+            <a:r>
+              <a:rPr lang="en-US" altLang="ko-KR" dirty="0">
+                <a:solidFill>
+                  <a:schemeClr val="bg1"/>
+                </a:solidFill>
+              </a:rPr>
+              <a:t>admin   session       menu1     menu2     menu3</a:t>
+            </a:r>
+            <a:endParaRPr lang="ko-KR" altLang="en-US" dirty="0">
+              <a:solidFill>
+                <a:schemeClr val="bg1"/>
+              </a:solidFill>
+            </a:endParaRPr>
+          </a:p>
+        </p:txBody>
+      </p:sp>
+      <p:sp>
+        <p:nvSpPr>
+          <p:cNvPr id="11" name="TextBox 10">
+            <a:extLst>
+              <a:ext uri="{FF2B5EF4-FFF2-40B4-BE49-F238E27FC236}">
+                <a16:creationId xmlns:a16="http://schemas.microsoft.com/office/drawing/2014/main" id="{1AEA6046-B338-53E7-B8F3-F81D0BECC28B}"/>
+              </a:ext>
+            </a:extLst>
+          </p:cNvPr>
+          <p:cNvSpPr txBox="1"/>
+          <p:nvPr/>
+        </p:nvSpPr>
+        <p:spPr>
+          <a:xfrm>
+            <a:off x="8781212" y="1866154"/>
+            <a:ext cx="3410788" cy="2862322"/>
+          </a:xfrm>
+          <a:prstGeom prst="rect">
+            <a:avLst/>
+          </a:prstGeom>
+          <a:noFill/>
+        </p:spPr>
+        <p:txBody>
+          <a:bodyPr wrap="square" rtlCol="0">
+            <a:spAutoFit/>
+          </a:bodyPr>
+          <a:lstStyle/>
+          <a:p>
+            <a:r>
+              <a:rPr lang="ko-KR" altLang="en-US" dirty="0"/>
+              <a:t>회원 상세 정보는</a:t>
+            </a:r>
+            <a:endParaRPr lang="en-US" altLang="ko-KR" dirty="0"/>
+          </a:p>
+          <a:p>
+            <a:pPr marL="342900" indent="-342900">
+              <a:buAutoNum type="arabicPeriod"/>
+            </a:pPr>
+            <a:r>
+              <a:rPr lang="en-US" altLang="ko-KR" dirty="0" err="1"/>
+              <a:t>Uk</a:t>
+            </a:r>
+            <a:r>
+              <a:rPr lang="en-US" altLang="ko-KR" dirty="0"/>
+              <a:t> </a:t>
+            </a:r>
+            <a:r>
+              <a:rPr lang="ko-KR" altLang="en-US" dirty="0"/>
+              <a:t>인 아이디 </a:t>
+            </a:r>
+            <a:r>
+              <a:rPr lang="en-US" altLang="ko-KR" dirty="0"/>
+              <a:t>(email) &lt;- read only</a:t>
+            </a:r>
+          </a:p>
+          <a:p>
+            <a:pPr marL="342900" indent="-342900">
+              <a:buAutoNum type="arabicPeriod"/>
+            </a:pPr>
+            <a:r>
+              <a:rPr lang="en-US" altLang="ko-KR" dirty="0"/>
+              <a:t>Password</a:t>
+            </a:r>
+            <a:r>
+              <a:rPr lang="ko-KR" altLang="en-US" dirty="0"/>
+              <a:t> </a:t>
+            </a:r>
+            <a:r>
+              <a:rPr lang="en-US" altLang="ko-KR" dirty="0"/>
+              <a:t>&lt;-</a:t>
+            </a:r>
+            <a:r>
+              <a:rPr lang="ko-KR" altLang="en-US" dirty="0"/>
+              <a:t> </a:t>
+            </a:r>
+            <a:r>
+              <a:rPr lang="en-US" altLang="ko-KR" dirty="0"/>
+              <a:t>read only</a:t>
+            </a:r>
+          </a:p>
+          <a:p>
+            <a:pPr marL="342900" indent="-342900">
+              <a:buAutoNum type="arabicPeriod"/>
+            </a:pPr>
+            <a:r>
+              <a:rPr lang="en-US" altLang="ko-KR" dirty="0"/>
+              <a:t> </a:t>
+            </a:r>
+            <a:r>
+              <a:rPr lang="ko-KR" altLang="en-US" dirty="0"/>
+              <a:t>대부분 정보 보여주고</a:t>
+            </a:r>
+            <a:endParaRPr lang="en-US" altLang="ko-KR" dirty="0"/>
+          </a:p>
+          <a:p>
+            <a:pPr marL="342900" indent="-342900">
+              <a:buAutoNum type="arabicPeriod"/>
+            </a:pPr>
+            <a:endParaRPr lang="en-US" altLang="ko-KR" dirty="0"/>
+          </a:p>
+          <a:p>
+            <a:pPr marL="342900" indent="-342900">
+              <a:buAutoNum type="arabicPeriod"/>
+            </a:pPr>
+            <a:r>
+              <a:rPr lang="ko-KR" altLang="en-US" dirty="0"/>
+              <a:t>작성한 게시물 </a:t>
+            </a:r>
+            <a:r>
+              <a:rPr lang="en-US" altLang="ko-KR" dirty="0"/>
+              <a:t>&lt;- </a:t>
+            </a:r>
+            <a:r>
+              <a:rPr lang="ko-KR" altLang="en-US" dirty="0"/>
+              <a:t>테이블 형태로 보여주기 </a:t>
+            </a:r>
+            <a:r>
+              <a:rPr lang="en-US" altLang="ko-KR" dirty="0"/>
+              <a:t>&lt;- </a:t>
+            </a:r>
+            <a:r>
+              <a:rPr lang="en-US" altLang="ko-KR" dirty="0" err="1"/>
+              <a:t>url</a:t>
+            </a:r>
+            <a:r>
+              <a:rPr lang="en-US" altLang="ko-KR" dirty="0"/>
+              <a:t> </a:t>
+            </a:r>
+            <a:r>
+              <a:rPr lang="ko-KR" altLang="en-US" dirty="0"/>
+              <a:t>타고 가서 볼 수 잇게</a:t>
+            </a:r>
+            <a:endParaRPr lang="en-US" altLang="ko-KR" dirty="0"/>
+          </a:p>
+          <a:p>
+            <a:pPr marL="342900" indent="-342900">
+              <a:buAutoNum type="arabicPeriod"/>
+            </a:pPr>
+            <a:endParaRPr lang="en-US" altLang="ko-KR" dirty="0"/>
+          </a:p>
+        </p:txBody>
+      </p:sp>
+      <p:sp>
+        <p:nvSpPr>
+          <p:cNvPr id="13" name="직사각형 12">
+            <a:extLst>
+              <a:ext uri="{FF2B5EF4-FFF2-40B4-BE49-F238E27FC236}">
+                <a16:creationId xmlns:a16="http://schemas.microsoft.com/office/drawing/2014/main" id="{C4B0D028-61CC-5901-E932-E08A6F681168}"/>
+              </a:ext>
+            </a:extLst>
+          </p:cNvPr>
+          <p:cNvSpPr/>
+          <p:nvPr/>
+        </p:nvSpPr>
+        <p:spPr>
+          <a:xfrm>
+            <a:off x="4097547" y="1647645"/>
+            <a:ext cx="3140015" cy="2774968"/>
+          </a:xfrm>
+          <a:prstGeom prst="rect">
+            <a:avLst/>
+          </a:prstGeom>
+        </p:spPr>
+        <p:style>
+          <a:lnRef idx="2">
+            <a:schemeClr val="dk1"/>
+          </a:lnRef>
+          <a:fillRef idx="1">
+            <a:schemeClr val="lt1"/>
+          </a:fillRef>
+          <a:effectRef idx="0">
+            <a:schemeClr val="dk1"/>
+          </a:effectRef>
+          <a:fontRef idx="minor">
+            <a:schemeClr val="dk1"/>
+          </a:fontRef>
+        </p:style>
+        <p:txBody>
+          <a:bodyPr rtlCol="0" anchor="ctr"/>
+          <a:lstStyle/>
+          <a:p>
+            <a:pPr algn="ctr"/>
+            <a:endParaRPr lang="ko-KR" altLang="en-US"/>
+          </a:p>
+        </p:txBody>
+      </p:sp>
+      <p:sp>
+        <p:nvSpPr>
+          <p:cNvPr id="14" name="사각형: 둥근 모서리 13">
+            <a:extLst>
+              <a:ext uri="{FF2B5EF4-FFF2-40B4-BE49-F238E27FC236}">
+                <a16:creationId xmlns:a16="http://schemas.microsoft.com/office/drawing/2014/main" id="{D98031BB-21E5-17D5-BF10-39AE9088C3A9}"/>
+              </a:ext>
+            </a:extLst>
+          </p:cNvPr>
+          <p:cNvSpPr/>
+          <p:nvPr/>
+        </p:nvSpPr>
+        <p:spPr>
+          <a:xfrm>
+            <a:off x="4482261" y="4073792"/>
+            <a:ext cx="1044755" cy="235179"/>
+          </a:xfrm>
+          <a:prstGeom prst="roundRect">
+            <a:avLst/>
+          </a:prstGeom>
+          <a:solidFill>
+            <a:schemeClr val="tx1"/>
+          </a:solidFill>
+        </p:spPr>
+        <p:style>
+          <a:lnRef idx="2">
+            <a:schemeClr val="accent1">
+              <a:shade val="50000"/>
+            </a:schemeClr>
+          </a:lnRef>
+          <a:fillRef idx="1">
+            <a:schemeClr val="accent1"/>
+          </a:fillRef>
+          <a:effectRef idx="0">
+            <a:schemeClr val="accent1"/>
+          </a:effectRef>
+          <a:fontRef idx="minor">
+            <a:schemeClr val="lt1"/>
+          </a:fontRef>
+        </p:style>
+        <p:txBody>
+          <a:bodyPr rtlCol="0" anchor="ctr"/>
+          <a:lstStyle/>
+          <a:p>
+            <a:pPr algn="ctr"/>
+            <a:r>
+              <a:rPr lang="en-US" altLang="ko-KR" dirty="0"/>
+              <a:t>amend</a:t>
+            </a:r>
+            <a:endParaRPr lang="ko-KR" altLang="en-US" dirty="0"/>
+          </a:p>
+        </p:txBody>
+      </p:sp>
+      <p:sp>
+        <p:nvSpPr>
+          <p:cNvPr id="16" name="사각형: 둥근 모서리 15">
+            <a:extLst>
+              <a:ext uri="{FF2B5EF4-FFF2-40B4-BE49-F238E27FC236}">
+                <a16:creationId xmlns:a16="http://schemas.microsoft.com/office/drawing/2014/main" id="{A1C96254-1BCC-BDF8-2DB3-4A9154DD04E2}"/>
+              </a:ext>
+            </a:extLst>
+          </p:cNvPr>
+          <p:cNvSpPr/>
+          <p:nvPr/>
+        </p:nvSpPr>
+        <p:spPr>
+          <a:xfrm>
+            <a:off x="5911730" y="4063236"/>
+            <a:ext cx="1044755" cy="235179"/>
+          </a:xfrm>
+          <a:prstGeom prst="roundRect">
+            <a:avLst/>
+          </a:prstGeom>
+          <a:solidFill>
+            <a:schemeClr val="tx1"/>
+          </a:solidFill>
+        </p:spPr>
+        <p:style>
+          <a:lnRef idx="2">
+            <a:schemeClr val="accent1">
+              <a:shade val="50000"/>
+            </a:schemeClr>
+          </a:lnRef>
+          <a:fillRef idx="1">
+            <a:schemeClr val="accent1"/>
+          </a:fillRef>
+          <a:effectRef idx="0">
+            <a:schemeClr val="accent1"/>
+          </a:effectRef>
+          <a:fontRef idx="minor">
+            <a:schemeClr val="lt1"/>
+          </a:fontRef>
+        </p:style>
+        <p:txBody>
+          <a:bodyPr rtlCol="0" anchor="ctr"/>
+          <a:lstStyle/>
+          <a:p>
+            <a:pPr algn="ctr"/>
+            <a:r>
+              <a:rPr lang="en-US" altLang="ko-KR" dirty="0"/>
+              <a:t>cancel</a:t>
+            </a:r>
+            <a:endParaRPr lang="ko-KR" altLang="en-US" dirty="0"/>
+          </a:p>
+        </p:txBody>
+      </p:sp>
+      <p:sp>
+        <p:nvSpPr>
+          <p:cNvPr id="5" name="TextBox 4">
+            <a:extLst>
+              <a:ext uri="{FF2B5EF4-FFF2-40B4-BE49-F238E27FC236}">
+                <a16:creationId xmlns:a16="http://schemas.microsoft.com/office/drawing/2014/main" id="{07DE90B0-863A-C9DC-0A54-279A3DA37AB9}"/>
+              </a:ext>
+            </a:extLst>
+          </p:cNvPr>
+          <p:cNvSpPr txBox="1"/>
+          <p:nvPr/>
+        </p:nvSpPr>
+        <p:spPr>
+          <a:xfrm>
+            <a:off x="3014932" y="298594"/>
+            <a:ext cx="3925019" cy="461665"/>
+          </a:xfrm>
+          <a:prstGeom prst="rect">
+            <a:avLst/>
+          </a:prstGeom>
+          <a:noFill/>
+        </p:spPr>
+        <p:txBody>
+          <a:bodyPr wrap="square" rtlCol="0">
+            <a:spAutoFit/>
+          </a:bodyPr>
+          <a:lstStyle/>
+          <a:p>
+            <a:r>
+              <a:rPr lang="ko-KR" altLang="en-US" sz="2400" b="1" dirty="0"/>
+              <a:t>회원 상세 페이지</a:t>
+            </a:r>
+          </a:p>
+        </p:txBody>
+      </p:sp>
+      <p:sp>
+        <p:nvSpPr>
+          <p:cNvPr id="7" name="직사각형 6">
+            <a:extLst>
+              <a:ext uri="{FF2B5EF4-FFF2-40B4-BE49-F238E27FC236}">
+                <a16:creationId xmlns:a16="http://schemas.microsoft.com/office/drawing/2014/main" id="{A9C84860-4D1F-DFFD-813F-03850A6A4EED}"/>
+              </a:ext>
+            </a:extLst>
+          </p:cNvPr>
+          <p:cNvSpPr/>
+          <p:nvPr/>
+        </p:nvSpPr>
+        <p:spPr>
+          <a:xfrm>
+            <a:off x="4796285" y="1843643"/>
+            <a:ext cx="1503153" cy="177265"/>
+          </a:xfrm>
+          <a:prstGeom prst="rect">
+            <a:avLst/>
+          </a:prstGeom>
+        </p:spPr>
+        <p:style>
+          <a:lnRef idx="2">
+            <a:schemeClr val="dk1"/>
+          </a:lnRef>
+          <a:fillRef idx="1">
+            <a:schemeClr val="lt1"/>
+          </a:fillRef>
+          <a:effectRef idx="0">
+            <a:schemeClr val="dk1"/>
+          </a:effectRef>
+          <a:fontRef idx="minor">
+            <a:schemeClr val="dk1"/>
+          </a:fontRef>
+        </p:style>
+        <p:txBody>
+          <a:bodyPr rtlCol="0" anchor="ctr"/>
+          <a:lstStyle/>
+          <a:p>
+            <a:pPr algn="ctr"/>
+            <a:endParaRPr lang="ko-KR" altLang="en-US"/>
+          </a:p>
+        </p:txBody>
+      </p:sp>
+      <p:sp>
+        <p:nvSpPr>
+          <p:cNvPr id="8" name="TextBox 7">
+            <a:extLst>
+              <a:ext uri="{FF2B5EF4-FFF2-40B4-BE49-F238E27FC236}">
+                <a16:creationId xmlns:a16="http://schemas.microsoft.com/office/drawing/2014/main" id="{2A4BD34D-4EDD-A280-2F29-EEAE11F21F21}"/>
+              </a:ext>
+            </a:extLst>
+          </p:cNvPr>
+          <p:cNvSpPr txBox="1"/>
+          <p:nvPr/>
+        </p:nvSpPr>
+        <p:spPr>
+          <a:xfrm>
+            <a:off x="4265640" y="1797234"/>
+            <a:ext cx="699577" cy="276999"/>
+          </a:xfrm>
+          <a:prstGeom prst="rect">
+            <a:avLst/>
+          </a:prstGeom>
+          <a:noFill/>
+        </p:spPr>
+        <p:txBody>
+          <a:bodyPr wrap="square" rtlCol="0">
+            <a:spAutoFit/>
+          </a:bodyPr>
+          <a:lstStyle/>
+          <a:p>
+            <a:r>
+              <a:rPr lang="en-US" altLang="ko-KR" sz="1200" b="1" dirty="0"/>
+              <a:t>email</a:t>
+            </a:r>
+            <a:endParaRPr lang="ko-KR" altLang="en-US" sz="1200" b="1" dirty="0"/>
+          </a:p>
+        </p:txBody>
+      </p:sp>
+      <p:sp>
+        <p:nvSpPr>
+          <p:cNvPr id="10" name="직사각형 9">
+            <a:extLst>
+              <a:ext uri="{FF2B5EF4-FFF2-40B4-BE49-F238E27FC236}">
+                <a16:creationId xmlns:a16="http://schemas.microsoft.com/office/drawing/2014/main" id="{3E242B33-D3E4-84BA-266F-95BAB17AC160}"/>
+              </a:ext>
+            </a:extLst>
+          </p:cNvPr>
+          <p:cNvSpPr/>
+          <p:nvPr/>
+        </p:nvSpPr>
+        <p:spPr>
+          <a:xfrm>
+            <a:off x="4796285" y="2141678"/>
+            <a:ext cx="1503153" cy="177265"/>
+          </a:xfrm>
+          <a:prstGeom prst="rect">
+            <a:avLst/>
+          </a:prstGeom>
+        </p:spPr>
+        <p:style>
+          <a:lnRef idx="2">
+            <a:schemeClr val="dk1"/>
+          </a:lnRef>
+          <a:fillRef idx="1">
+            <a:schemeClr val="lt1"/>
+          </a:fillRef>
+          <a:effectRef idx="0">
+            <a:schemeClr val="dk1"/>
+          </a:effectRef>
+          <a:fontRef idx="minor">
+            <a:schemeClr val="dk1"/>
+          </a:fontRef>
+        </p:style>
+        <p:txBody>
+          <a:bodyPr rtlCol="0" anchor="ctr"/>
+          <a:lstStyle/>
+          <a:p>
+            <a:pPr algn="ctr"/>
+            <a:endParaRPr lang="ko-KR" altLang="en-US"/>
+          </a:p>
+        </p:txBody>
+      </p:sp>
+      <p:sp>
+        <p:nvSpPr>
+          <p:cNvPr id="12" name="TextBox 11">
+            <a:extLst>
+              <a:ext uri="{FF2B5EF4-FFF2-40B4-BE49-F238E27FC236}">
+                <a16:creationId xmlns:a16="http://schemas.microsoft.com/office/drawing/2014/main" id="{78ADCAE3-4B22-5636-EADF-B0F9863B43AF}"/>
+              </a:ext>
+            </a:extLst>
+          </p:cNvPr>
+          <p:cNvSpPr txBox="1"/>
+          <p:nvPr/>
+        </p:nvSpPr>
+        <p:spPr>
+          <a:xfrm>
+            <a:off x="4265640" y="2095269"/>
+            <a:ext cx="699577" cy="276999"/>
+          </a:xfrm>
+          <a:prstGeom prst="rect">
+            <a:avLst/>
+          </a:prstGeom>
+          <a:noFill/>
+        </p:spPr>
+        <p:txBody>
+          <a:bodyPr wrap="square" rtlCol="0">
+            <a:spAutoFit/>
+          </a:bodyPr>
+          <a:lstStyle/>
+          <a:p>
+            <a:r>
+              <a:rPr lang="en-US" altLang="ko-KR" sz="1200" b="1" dirty="0"/>
+              <a:t>pass</a:t>
+            </a:r>
+            <a:endParaRPr lang="ko-KR" altLang="en-US" sz="1200" b="1" dirty="0"/>
+          </a:p>
+        </p:txBody>
+      </p:sp>
+      <p:sp>
+        <p:nvSpPr>
+          <p:cNvPr id="15" name="직사각형 14">
+            <a:extLst>
+              <a:ext uri="{FF2B5EF4-FFF2-40B4-BE49-F238E27FC236}">
+                <a16:creationId xmlns:a16="http://schemas.microsoft.com/office/drawing/2014/main" id="{CBCB3363-2207-576B-4C4A-BA1545344EDD}"/>
+              </a:ext>
+            </a:extLst>
+          </p:cNvPr>
+          <p:cNvSpPr/>
+          <p:nvPr/>
+        </p:nvSpPr>
+        <p:spPr>
+          <a:xfrm>
+            <a:off x="5065498" y="2512071"/>
+            <a:ext cx="1259341" cy="177265"/>
+          </a:xfrm>
+          <a:prstGeom prst="rect">
+            <a:avLst/>
+          </a:prstGeom>
+        </p:spPr>
+        <p:style>
+          <a:lnRef idx="2">
+            <a:schemeClr val="dk1"/>
+          </a:lnRef>
+          <a:fillRef idx="1">
+            <a:schemeClr val="lt1"/>
+          </a:fillRef>
+          <a:effectRef idx="0">
+            <a:schemeClr val="dk1"/>
+          </a:effectRef>
+          <a:fontRef idx="minor">
+            <a:schemeClr val="dk1"/>
+          </a:fontRef>
+        </p:style>
+        <p:txBody>
+          <a:bodyPr rtlCol="0" anchor="ctr"/>
+          <a:lstStyle/>
+          <a:p>
+            <a:pPr algn="ctr"/>
+            <a:endParaRPr lang="ko-KR" altLang="en-US"/>
+          </a:p>
+        </p:txBody>
+      </p:sp>
+      <p:sp>
+        <p:nvSpPr>
+          <p:cNvPr id="17" name="TextBox 16">
+            <a:extLst>
+              <a:ext uri="{FF2B5EF4-FFF2-40B4-BE49-F238E27FC236}">
+                <a16:creationId xmlns:a16="http://schemas.microsoft.com/office/drawing/2014/main" id="{79A6CAD0-506D-DBFA-40FB-CD1844FD635E}"/>
+              </a:ext>
+            </a:extLst>
+          </p:cNvPr>
+          <p:cNvSpPr txBox="1"/>
+          <p:nvPr/>
+        </p:nvSpPr>
+        <p:spPr>
+          <a:xfrm>
+            <a:off x="4265640" y="2446629"/>
+            <a:ext cx="987847" cy="276999"/>
+          </a:xfrm>
+          <a:prstGeom prst="rect">
+            <a:avLst/>
+          </a:prstGeom>
+          <a:noFill/>
+        </p:spPr>
+        <p:txBody>
+          <a:bodyPr wrap="square" rtlCol="0">
+            <a:spAutoFit/>
+          </a:bodyPr>
+          <a:lstStyle/>
+          <a:p>
+            <a:r>
+              <a:rPr lang="en-US" altLang="ko-KR" sz="1200" b="1" dirty="0" err="1"/>
+              <a:t>m_name</a:t>
+            </a:r>
+            <a:endParaRPr lang="ko-KR" altLang="en-US" sz="1200" b="1" dirty="0"/>
+          </a:p>
+        </p:txBody>
+      </p:sp>
+      <p:sp>
+        <p:nvSpPr>
+          <p:cNvPr id="18" name="직사각형 17">
+            <a:extLst>
+              <a:ext uri="{FF2B5EF4-FFF2-40B4-BE49-F238E27FC236}">
+                <a16:creationId xmlns:a16="http://schemas.microsoft.com/office/drawing/2014/main" id="{7FEDD06A-2392-E4D5-3E87-6456BD15183D}"/>
+              </a:ext>
+            </a:extLst>
+          </p:cNvPr>
+          <p:cNvSpPr/>
+          <p:nvPr/>
+        </p:nvSpPr>
+        <p:spPr>
+          <a:xfrm>
+            <a:off x="5065498" y="2810860"/>
+            <a:ext cx="1259341" cy="177265"/>
+          </a:xfrm>
+          <a:prstGeom prst="rect">
+            <a:avLst/>
+          </a:prstGeom>
+        </p:spPr>
+        <p:style>
+          <a:lnRef idx="2">
+            <a:schemeClr val="dk1"/>
+          </a:lnRef>
+          <a:fillRef idx="1">
+            <a:schemeClr val="lt1"/>
+          </a:fillRef>
+          <a:effectRef idx="0">
+            <a:schemeClr val="dk1"/>
+          </a:effectRef>
+          <a:fontRef idx="minor">
+            <a:schemeClr val="dk1"/>
+          </a:fontRef>
+        </p:style>
+        <p:txBody>
+          <a:bodyPr rtlCol="0" anchor="ctr"/>
+          <a:lstStyle/>
+          <a:p>
+            <a:pPr algn="ctr"/>
+            <a:endParaRPr lang="ko-KR" altLang="en-US"/>
+          </a:p>
+        </p:txBody>
+      </p:sp>
+      <p:sp>
+        <p:nvSpPr>
+          <p:cNvPr id="19" name="TextBox 18">
+            <a:extLst>
+              <a:ext uri="{FF2B5EF4-FFF2-40B4-BE49-F238E27FC236}">
+                <a16:creationId xmlns:a16="http://schemas.microsoft.com/office/drawing/2014/main" id="{D4727C90-1614-9E5D-5F60-F7907CAF316E}"/>
+              </a:ext>
+            </a:extLst>
+          </p:cNvPr>
+          <p:cNvSpPr txBox="1"/>
+          <p:nvPr/>
+        </p:nvSpPr>
+        <p:spPr>
+          <a:xfrm>
+            <a:off x="4265640" y="2745418"/>
+            <a:ext cx="987847" cy="276999"/>
+          </a:xfrm>
+          <a:prstGeom prst="rect">
+            <a:avLst/>
+          </a:prstGeom>
+          <a:noFill/>
+        </p:spPr>
+        <p:txBody>
+          <a:bodyPr wrap="square" rtlCol="0">
+            <a:spAutoFit/>
+          </a:bodyPr>
+          <a:lstStyle/>
+          <a:p>
+            <a:r>
+              <a:rPr lang="en-US" altLang="ko-KR" sz="1200" b="1" dirty="0"/>
+              <a:t>address</a:t>
+            </a:r>
+            <a:endParaRPr lang="ko-KR" altLang="en-US" sz="1200" b="1" dirty="0"/>
+          </a:p>
+        </p:txBody>
+      </p:sp>
+      <p:sp>
+        <p:nvSpPr>
+          <p:cNvPr id="20" name="직사각형 19">
+            <a:extLst>
+              <a:ext uri="{FF2B5EF4-FFF2-40B4-BE49-F238E27FC236}">
+                <a16:creationId xmlns:a16="http://schemas.microsoft.com/office/drawing/2014/main" id="{39CD222B-9ECF-FC01-D252-591A14233F01}"/>
+              </a:ext>
+            </a:extLst>
+          </p:cNvPr>
+          <p:cNvSpPr/>
+          <p:nvPr/>
+        </p:nvSpPr>
+        <p:spPr>
+          <a:xfrm>
+            <a:off x="5065498" y="3064723"/>
+            <a:ext cx="1259341" cy="135832"/>
+          </a:xfrm>
+          <a:prstGeom prst="rect">
+            <a:avLst/>
+          </a:prstGeom>
+        </p:spPr>
+        <p:style>
+          <a:lnRef idx="2">
+            <a:schemeClr val="dk1"/>
+          </a:lnRef>
+          <a:fillRef idx="1">
+            <a:schemeClr val="lt1"/>
+          </a:fillRef>
+          <a:effectRef idx="0">
+            <a:schemeClr val="dk1"/>
+          </a:effectRef>
+          <a:fontRef idx="minor">
+            <a:schemeClr val="dk1"/>
+          </a:fontRef>
+        </p:style>
+        <p:txBody>
+          <a:bodyPr rtlCol="0" anchor="ctr"/>
+          <a:lstStyle/>
+          <a:p>
+            <a:pPr algn="ctr"/>
+            <a:endParaRPr lang="ko-KR" altLang="en-US"/>
+          </a:p>
+        </p:txBody>
+      </p:sp>
+      <p:sp>
+        <p:nvSpPr>
+          <p:cNvPr id="21" name="TextBox 20">
+            <a:extLst>
+              <a:ext uri="{FF2B5EF4-FFF2-40B4-BE49-F238E27FC236}">
+                <a16:creationId xmlns:a16="http://schemas.microsoft.com/office/drawing/2014/main" id="{F0783528-1772-8A27-623F-EA2C9DE484A1}"/>
+              </a:ext>
+            </a:extLst>
+          </p:cNvPr>
+          <p:cNvSpPr txBox="1"/>
+          <p:nvPr/>
+        </p:nvSpPr>
+        <p:spPr>
+          <a:xfrm>
+            <a:off x="4265640" y="2999280"/>
+            <a:ext cx="987847" cy="276999"/>
+          </a:xfrm>
+          <a:prstGeom prst="rect">
+            <a:avLst/>
+          </a:prstGeom>
+          <a:noFill/>
+        </p:spPr>
+        <p:txBody>
+          <a:bodyPr wrap="square" rtlCol="0">
+            <a:spAutoFit/>
+          </a:bodyPr>
+          <a:lstStyle/>
+          <a:p>
+            <a:r>
+              <a:rPr lang="en-US" altLang="ko-KR" sz="1200" b="1" dirty="0"/>
+              <a:t>group</a:t>
+            </a:r>
+            <a:endParaRPr lang="ko-KR" altLang="en-US" sz="1200" b="1" dirty="0"/>
+          </a:p>
+        </p:txBody>
+      </p:sp>
+      <p:sp>
+        <p:nvSpPr>
+          <p:cNvPr id="22" name="화살표: 아래쪽 21">
+            <a:extLst>
+              <a:ext uri="{FF2B5EF4-FFF2-40B4-BE49-F238E27FC236}">
+                <a16:creationId xmlns:a16="http://schemas.microsoft.com/office/drawing/2014/main" id="{9832CF41-AA2A-DE45-718A-7B79539A3DDB}"/>
+              </a:ext>
+            </a:extLst>
+          </p:cNvPr>
+          <p:cNvSpPr/>
+          <p:nvPr/>
+        </p:nvSpPr>
+        <p:spPr>
+          <a:xfrm>
+            <a:off x="6096000" y="3075357"/>
+            <a:ext cx="198408" cy="133092"/>
+          </a:xfrm>
+          <a:prstGeom prst="downArrow">
+            <a:avLst/>
+          </a:prstGeom>
+        </p:spPr>
+        <p:style>
+          <a:lnRef idx="2">
+            <a:schemeClr val="accent1">
+              <a:shade val="50000"/>
+            </a:schemeClr>
+          </a:lnRef>
+          <a:fillRef idx="1">
+            <a:schemeClr val="accent1"/>
+          </a:fillRef>
+          <a:effectRef idx="0">
+            <a:schemeClr val="accent1"/>
+          </a:effectRef>
+          <a:fontRef idx="minor">
+            <a:schemeClr val="lt1"/>
+          </a:fontRef>
+        </p:style>
+        <p:txBody>
+          <a:bodyPr rtlCol="0" anchor="ctr"/>
+          <a:lstStyle/>
+          <a:p>
+            <a:pPr algn="ctr"/>
+            <a:endParaRPr lang="ko-KR" altLang="en-US"/>
+          </a:p>
+        </p:txBody>
+      </p:sp>
+    </p:spTree>
+    <p:extLst>
+      <p:ext uri="{BB962C8B-B14F-4D97-AF65-F5344CB8AC3E}">
+        <p14:creationId xmlns:p14="http://schemas.microsoft.com/office/powerpoint/2010/main" val="1877602314"/>
       </p:ext>
     </p:extLst>
   </p:cSld>

--- a/화면 구성.pptx
+++ b/화면 구성.pptx
@@ -6,11 +6,11 @@
   </p:sldMasterIdLst>
   <p:sldIdLst>
     <p:sldId id="256" r:id="rId2"/>
-    <p:sldId id="257" r:id="rId3"/>
-    <p:sldId id="260" r:id="rId4"/>
-    <p:sldId id="258" r:id="rId5"/>
-    <p:sldId id="259" r:id="rId6"/>
-    <p:sldId id="261" r:id="rId7"/>
+    <p:sldId id="262" r:id="rId3"/>
+    <p:sldId id="258" r:id="rId4"/>
+    <p:sldId id="259" r:id="rId5"/>
+    <p:sldId id="260" r:id="rId6"/>
+    <p:sldId id="263" r:id="rId7"/>
   </p:sldIdLst>
   <p:sldSz cx="12192000" cy="6858000"/>
   <p:notesSz cx="6858000" cy="9144000"/>
@@ -264,7 +264,7 @@
           <a:p>
             <a:fld id="{7F3FEEF4-08F7-47AC-A06A-993F314EEC18}" type="datetimeFigureOut">
               <a:rPr lang="ko-KR" altLang="en-US" smtClean="0"/>
-              <a:t>2023-04-13</a:t>
+              <a:t>2023-08-15</a:t>
             </a:fld>
             <a:endParaRPr lang="ko-KR" altLang="en-US"/>
           </a:p>
@@ -462,7 +462,7 @@
           <a:p>
             <a:fld id="{7F3FEEF4-08F7-47AC-A06A-993F314EEC18}" type="datetimeFigureOut">
               <a:rPr lang="ko-KR" altLang="en-US" smtClean="0"/>
-              <a:t>2023-04-13</a:t>
+              <a:t>2023-08-15</a:t>
             </a:fld>
             <a:endParaRPr lang="ko-KR" altLang="en-US"/>
           </a:p>
@@ -670,7 +670,7 @@
           <a:p>
             <a:fld id="{7F3FEEF4-08F7-47AC-A06A-993F314EEC18}" type="datetimeFigureOut">
               <a:rPr lang="ko-KR" altLang="en-US" smtClean="0"/>
-              <a:t>2023-04-13</a:t>
+              <a:t>2023-08-15</a:t>
             </a:fld>
             <a:endParaRPr lang="ko-KR" altLang="en-US"/>
           </a:p>
@@ -868,7 +868,7 @@
           <a:p>
             <a:fld id="{7F3FEEF4-08F7-47AC-A06A-993F314EEC18}" type="datetimeFigureOut">
               <a:rPr lang="ko-KR" altLang="en-US" smtClean="0"/>
-              <a:t>2023-04-13</a:t>
+              <a:t>2023-08-15</a:t>
             </a:fld>
             <a:endParaRPr lang="ko-KR" altLang="en-US"/>
           </a:p>
@@ -1143,7 +1143,7 @@
           <a:p>
             <a:fld id="{7F3FEEF4-08F7-47AC-A06A-993F314EEC18}" type="datetimeFigureOut">
               <a:rPr lang="ko-KR" altLang="en-US" smtClean="0"/>
-              <a:t>2023-04-13</a:t>
+              <a:t>2023-08-15</a:t>
             </a:fld>
             <a:endParaRPr lang="ko-KR" altLang="en-US"/>
           </a:p>
@@ -1408,7 +1408,7 @@
           <a:p>
             <a:fld id="{7F3FEEF4-08F7-47AC-A06A-993F314EEC18}" type="datetimeFigureOut">
               <a:rPr lang="ko-KR" altLang="en-US" smtClean="0"/>
-              <a:t>2023-04-13</a:t>
+              <a:t>2023-08-15</a:t>
             </a:fld>
             <a:endParaRPr lang="ko-KR" altLang="en-US"/>
           </a:p>
@@ -1820,7 +1820,7 @@
           <a:p>
             <a:fld id="{7F3FEEF4-08F7-47AC-A06A-993F314EEC18}" type="datetimeFigureOut">
               <a:rPr lang="ko-KR" altLang="en-US" smtClean="0"/>
-              <a:t>2023-04-13</a:t>
+              <a:t>2023-08-15</a:t>
             </a:fld>
             <a:endParaRPr lang="ko-KR" altLang="en-US"/>
           </a:p>
@@ -1961,7 +1961,7 @@
           <a:p>
             <a:fld id="{7F3FEEF4-08F7-47AC-A06A-993F314EEC18}" type="datetimeFigureOut">
               <a:rPr lang="ko-KR" altLang="en-US" smtClean="0"/>
-              <a:t>2023-04-13</a:t>
+              <a:t>2023-08-15</a:t>
             </a:fld>
             <a:endParaRPr lang="ko-KR" altLang="en-US"/>
           </a:p>
@@ -2074,7 +2074,7 @@
           <a:p>
             <a:fld id="{7F3FEEF4-08F7-47AC-A06A-993F314EEC18}" type="datetimeFigureOut">
               <a:rPr lang="ko-KR" altLang="en-US" smtClean="0"/>
-              <a:t>2023-04-13</a:t>
+              <a:t>2023-08-15</a:t>
             </a:fld>
             <a:endParaRPr lang="ko-KR" altLang="en-US"/>
           </a:p>
@@ -2385,7 +2385,7 @@
           <a:p>
             <a:fld id="{7F3FEEF4-08F7-47AC-A06A-993F314EEC18}" type="datetimeFigureOut">
               <a:rPr lang="ko-KR" altLang="en-US" smtClean="0"/>
-              <a:t>2023-04-13</a:t>
+              <a:t>2023-08-15</a:t>
             </a:fld>
             <a:endParaRPr lang="ko-KR" altLang="en-US"/>
           </a:p>
@@ -2673,7 +2673,7 @@
           <a:p>
             <a:fld id="{7F3FEEF4-08F7-47AC-A06A-993F314EEC18}" type="datetimeFigureOut">
               <a:rPr lang="ko-KR" altLang="en-US" smtClean="0"/>
-              <a:t>2023-04-13</a:t>
+              <a:t>2023-08-15</a:t>
             </a:fld>
             <a:endParaRPr lang="ko-KR" altLang="en-US"/>
           </a:p>
@@ -2914,7 +2914,7 @@
           <a:p>
             <a:fld id="{7F3FEEF4-08F7-47AC-A06A-993F314EEC18}" type="datetimeFigureOut">
               <a:rPr lang="ko-KR" altLang="en-US" smtClean="0"/>
-              <a:t>2023-04-13</a:t>
+              <a:t>2023-08-15</a:t>
             </a:fld>
             <a:endParaRPr lang="ko-KR" altLang="en-US"/>
           </a:p>
@@ -3759,7 +3759,7 @@
         <p:spPr>
           <a:xfrm>
             <a:off x="8781212" y="1063897"/>
-            <a:ext cx="3410788" cy="4247317"/>
+            <a:ext cx="3410788" cy="3970318"/>
           </a:xfrm>
           <a:prstGeom prst="rect">
             <a:avLst/>
@@ -3779,25 +3779,17 @@
             <a:endParaRPr lang="en-US" altLang="ko-KR" dirty="0"/>
           </a:p>
           <a:p>
+            <a:endParaRPr lang="en-US" altLang="ko-KR" dirty="0"/>
+          </a:p>
+          <a:p>
             <a:pPr marL="342900" indent="-342900">
               <a:buAutoNum type="arabicPeriod"/>
             </a:pPr>
             <a:r>
-              <a:rPr lang="en-US" altLang="ko-KR" dirty="0" err="1"/>
-              <a:t>Uk</a:t>
-            </a:r>
-            <a:r>
-              <a:rPr lang="en-US" altLang="ko-KR" dirty="0"/>
-              <a:t> </a:t>
-            </a:r>
-            <a:r>
               <a:rPr lang="ko-KR" altLang="en-US" dirty="0"/>
-              <a:t>인 아이디 </a:t>
-            </a:r>
-            <a:r>
-              <a:rPr lang="en-US" altLang="ko-KR" dirty="0"/>
-              <a:t>(email) &lt;- read only</a:t>
-            </a:r>
+              <a:t>학번</a:t>
+            </a:r>
+            <a:endParaRPr lang="en-US" altLang="ko-KR" dirty="0"/>
           </a:p>
           <a:p>
             <a:pPr marL="342900" indent="-342900">
@@ -3807,57 +3799,21 @@
               <a:rPr lang="en-US" altLang="ko-KR" dirty="0"/>
               <a:t>Password</a:t>
             </a:r>
-            <a:r>
-              <a:rPr lang="ko-KR" altLang="en-US" dirty="0"/>
-              <a:t> </a:t>
-            </a:r>
-            <a:r>
-              <a:rPr lang="en-US" altLang="ko-KR" dirty="0"/>
-              <a:t>&lt;-</a:t>
-            </a:r>
-            <a:r>
-              <a:rPr lang="ko-KR" altLang="en-US" dirty="0"/>
-              <a:t> </a:t>
-            </a:r>
-            <a:r>
-              <a:rPr lang="en-US" altLang="ko-KR" dirty="0"/>
-              <a:t>read only</a:t>
-            </a:r>
           </a:p>
           <a:p>
             <a:pPr marL="342900" indent="-342900">
               <a:buAutoNum type="arabicPeriod"/>
             </a:pPr>
             <a:r>
-              <a:rPr lang="en-US" altLang="ko-KR" dirty="0"/>
-              <a:t>Group</a:t>
-            </a:r>
-            <a:r>
               <a:rPr lang="ko-KR" altLang="en-US" dirty="0"/>
-              <a:t>은 선택</a:t>
-            </a:r>
-            <a:r>
-              <a:rPr lang="en-US" altLang="ko-KR" dirty="0"/>
-              <a:t>(</a:t>
-            </a:r>
-            <a:r>
-              <a:rPr lang="ko-KR" altLang="en-US" dirty="0"/>
-              <a:t>뭐냐 </a:t>
-            </a:r>
-            <a:r>
-              <a:rPr lang="en-US" altLang="ko-KR" dirty="0"/>
-              <a:t>grade </a:t>
-            </a:r>
-            <a:r>
-              <a:rPr lang="ko-KR" altLang="en-US" dirty="0"/>
-              <a:t>별 게시판 해보고 싶음</a:t>
-            </a:r>
-            <a:r>
-              <a:rPr lang="en-US" altLang="ko-KR" dirty="0"/>
-              <a:t>)</a:t>
-            </a:r>
-          </a:p>
-          <a:p>
+              <a:t>소속 파티</a:t>
+            </a:r>
+            <a:endParaRPr lang="en-US" altLang="ko-KR" dirty="0"/>
+          </a:p>
+          <a:p>
+            <a:pPr marL="342900" indent="-342900">
+              <a:buAutoNum type="arabicPeriod"/>
+            </a:pPr>
             <a:endParaRPr lang="en-US" altLang="ko-KR" dirty="0"/>
           </a:p>
           <a:p>
@@ -3983,10 +3939,9 @@
           <a:lstStyle/>
           <a:p>
             <a:r>
-              <a:rPr lang="en-US" altLang="ko-KR" sz="1200" b="1" dirty="0"/>
-              <a:t>email</a:t>
-            </a:r>
-            <a:endParaRPr lang="ko-KR" altLang="en-US" sz="1200" b="1" dirty="0"/>
+              <a:rPr lang="ko-KR" altLang="en-US" sz="1200" b="1" dirty="0"/>
+              <a:t>학번</a:t>
+            </a:r>
           </a:p>
         </p:txBody>
       </p:sp>
@@ -4263,7 +4218,7 @@
         <p:spPr>
           <a:xfrm>
             <a:off x="4265640" y="2745418"/>
-            <a:ext cx="987847" cy="276999"/>
+            <a:ext cx="987847" cy="461665"/>
           </a:xfrm>
           <a:prstGeom prst="rect">
             <a:avLst/>
@@ -4278,87 +4233,7 @@
           <a:p>
             <a:r>
               <a:rPr lang="en-US" altLang="ko-KR" sz="1200" b="1" dirty="0"/>
-              <a:t>address</a:t>
-            </a:r>
-            <a:endParaRPr lang="ko-KR" altLang="en-US" sz="1200" b="1" dirty="0"/>
-          </a:p>
-        </p:txBody>
-      </p:sp>
-      <p:sp>
-        <p:nvSpPr>
-          <p:cNvPr id="19" name="직사각형 18">
-            <a:extLst>
-              <a:ext uri="{FF2B5EF4-FFF2-40B4-BE49-F238E27FC236}">
-                <a16:creationId xmlns:a16="http://schemas.microsoft.com/office/drawing/2014/main" id="{6E301DDB-7B13-CD96-84FF-C7284C4B2E04}"/>
-              </a:ext>
-            </a:extLst>
-          </p:cNvPr>
-          <p:cNvSpPr/>
-          <p:nvPr/>
-        </p:nvSpPr>
-        <p:spPr>
-          <a:xfrm>
-            <a:off x="5040097" y="3470010"/>
-            <a:ext cx="1259341" cy="177265"/>
-          </a:xfrm>
-          <a:prstGeom prst="rect">
-            <a:avLst/>
-          </a:prstGeom>
-        </p:spPr>
-        <p:style>
-          <a:lnRef idx="2">
-            <a:schemeClr val="dk1"/>
-          </a:lnRef>
-          <a:fillRef idx="1">
-            <a:schemeClr val="lt1"/>
-          </a:fillRef>
-          <a:effectRef idx="0">
-            <a:schemeClr val="dk1"/>
-          </a:effectRef>
-          <a:fontRef idx="minor">
-            <a:schemeClr val="dk1"/>
-          </a:fontRef>
-        </p:style>
-        <p:txBody>
-          <a:bodyPr rtlCol="0" anchor="ctr"/>
-          <a:lstStyle/>
-          <a:p>
-            <a:pPr algn="ctr"/>
-            <a:endParaRPr lang="ko-KR" altLang="en-US"/>
-          </a:p>
-        </p:txBody>
-      </p:sp>
-      <p:sp>
-        <p:nvSpPr>
-          <p:cNvPr id="20" name="TextBox 19">
-            <a:extLst>
-              <a:ext uri="{FF2B5EF4-FFF2-40B4-BE49-F238E27FC236}">
-                <a16:creationId xmlns:a16="http://schemas.microsoft.com/office/drawing/2014/main" id="{F1360E52-7ED9-7FC1-5BD9-952DE29DBB7B}"/>
-              </a:ext>
-            </a:extLst>
-          </p:cNvPr>
-          <p:cNvSpPr txBox="1"/>
-          <p:nvPr/>
-        </p:nvSpPr>
-        <p:spPr>
-          <a:xfrm>
-            <a:off x="4240239" y="3404568"/>
-            <a:ext cx="987847" cy="276999"/>
-          </a:xfrm>
-          <a:prstGeom prst="rect">
-            <a:avLst/>
-          </a:prstGeom>
-          <a:noFill/>
-        </p:spPr>
-        <p:txBody>
-          <a:bodyPr wrap="square" rtlCol="0">
-            <a:spAutoFit/>
-          </a:bodyPr>
-          <a:lstStyle/>
-          <a:p>
-            <a:r>
-              <a:rPr lang="en-US" altLang="ko-KR" sz="1200" b="1" dirty="0"/>
-              <a:t>group</a:t>
+              <a:t>Phone number</a:t>
             </a:r>
             <a:endParaRPr lang="ko-KR" altLang="en-US" sz="1200" b="1" dirty="0"/>
           </a:p>
@@ -4410,10 +4285,296 @@
           </a:p>
         </p:txBody>
       </p:sp>
+      <p:graphicFrame>
+        <p:nvGraphicFramePr>
+          <p:cNvPr id="22" name="표 6">
+            <a:extLst>
+              <a:ext uri="{FF2B5EF4-FFF2-40B4-BE49-F238E27FC236}">
+                <a16:creationId xmlns:a16="http://schemas.microsoft.com/office/drawing/2014/main" id="{CBEC852C-1051-00CA-241C-60CF6996E9C7}"/>
+              </a:ext>
+            </a:extLst>
+          </p:cNvPr>
+          <p:cNvGraphicFramePr>
+            <a:graphicFrameLocks noGrp="1"/>
+          </p:cNvGraphicFramePr>
+          <p:nvPr>
+            <p:extLst>
+              <p:ext uri="{D42A27DB-BD31-4B8C-83A1-F6EECF244321}">
+                <p14:modId xmlns:p14="http://schemas.microsoft.com/office/powerpoint/2010/main" val="255685151"/>
+              </p:ext>
+            </p:extLst>
+          </p:nvPr>
+        </p:nvGraphicFramePr>
+        <p:xfrm>
+          <a:off x="4729426" y="3303702"/>
+          <a:ext cx="1731759" cy="1005840"/>
+        </p:xfrm>
+        <a:graphic>
+          <a:graphicData uri="http://schemas.openxmlformats.org/drawingml/2006/table">
+            <a:tbl>
+              <a:tblPr firstRow="1" bandRow="1">
+                <a:tableStyleId>{073A0DAA-6AF3-43AB-8588-CEC1D06C72B9}</a:tableStyleId>
+              </a:tblPr>
+              <a:tblGrid>
+                <a:gridCol w="599833">
+                  <a:extLst>
+                    <a:ext uri="{9D8B030D-6E8A-4147-A177-3AD203B41FA5}">
+                      <a16:colId xmlns:a16="http://schemas.microsoft.com/office/drawing/2014/main" val="4129194285"/>
+                    </a:ext>
+                  </a:extLst>
+                </a:gridCol>
+                <a:gridCol w="504348">
+                  <a:extLst>
+                    <a:ext uri="{9D8B030D-6E8A-4147-A177-3AD203B41FA5}">
+                      <a16:colId xmlns:a16="http://schemas.microsoft.com/office/drawing/2014/main" val="1492225368"/>
+                    </a:ext>
+                  </a:extLst>
+                </a:gridCol>
+                <a:gridCol w="627578">
+                  <a:extLst>
+                    <a:ext uri="{9D8B030D-6E8A-4147-A177-3AD203B41FA5}">
+                      <a16:colId xmlns:a16="http://schemas.microsoft.com/office/drawing/2014/main" val="12717990"/>
+                    </a:ext>
+                  </a:extLst>
+                </a:gridCol>
+              </a:tblGrid>
+              <a:tr h="152187">
+                <a:tc>
+                  <a:txBody>
+                    <a:bodyPr/>
+                    <a:lstStyle/>
+                    <a:p>
+                      <a:pPr algn="ctr" latinLnBrk="1"/>
+                      <a:r>
+                        <a:rPr lang="ko-KR" altLang="en-US" sz="700" dirty="0"/>
+                        <a:t>순서</a:t>
+                      </a:r>
+                    </a:p>
+                  </a:txBody>
+                  <a:tcPr/>
+                </a:tc>
+                <a:tc>
+                  <a:txBody>
+                    <a:bodyPr/>
+                    <a:lstStyle/>
+                    <a:p>
+                      <a:pPr algn="ctr" latinLnBrk="1"/>
+                      <a:r>
+                        <a:rPr lang="ko-KR" altLang="en-US" sz="700" dirty="0"/>
+                        <a:t>수업</a:t>
+                      </a:r>
+                    </a:p>
+                  </a:txBody>
+                  <a:tcPr/>
+                </a:tc>
+                <a:tc>
+                  <a:txBody>
+                    <a:bodyPr/>
+                    <a:lstStyle/>
+                    <a:p>
+                      <a:pPr algn="ctr" latinLnBrk="1"/>
+                      <a:r>
+                        <a:rPr lang="en-US" altLang="ko-KR" sz="700" dirty="0"/>
+                        <a:t> </a:t>
+                      </a:r>
+                      <a:r>
+                        <a:rPr lang="ko-KR" altLang="en-US" sz="700" dirty="0"/>
+                        <a:t>수강 </a:t>
+                      </a:r>
+                      <a:r>
+                        <a:rPr lang="en-US" altLang="ko-KR" sz="700" dirty="0"/>
+                        <a:t>y/n</a:t>
+                      </a:r>
+                      <a:endParaRPr lang="ko-KR" altLang="en-US" sz="700" dirty="0"/>
+                    </a:p>
+                  </a:txBody>
+                  <a:tcPr/>
+                </a:tc>
+                <a:extLst>
+                  <a:ext uri="{0D108BD9-81ED-4DB2-BD59-A6C34878D82A}">
+                    <a16:rowId xmlns:a16="http://schemas.microsoft.com/office/drawing/2014/main" val="1606789671"/>
+                  </a:ext>
+                </a:extLst>
+              </a:tr>
+              <a:tr h="128774">
+                <a:tc>
+                  <a:txBody>
+                    <a:bodyPr/>
+                    <a:lstStyle/>
+                    <a:p>
+                      <a:pPr algn="ctr" latinLnBrk="1"/>
+                      <a:r>
+                        <a:rPr lang="en-US" altLang="ko-KR" sz="500" dirty="0"/>
+                        <a:t>1</a:t>
+                      </a:r>
+                      <a:endParaRPr lang="ko-KR" altLang="en-US" sz="500" dirty="0"/>
+                    </a:p>
+                  </a:txBody>
+                  <a:tcPr/>
+                </a:tc>
+                <a:tc>
+                  <a:txBody>
+                    <a:bodyPr/>
+                    <a:lstStyle/>
+                    <a:p>
+                      <a:pPr algn="ctr" latinLnBrk="1"/>
+                      <a:r>
+                        <a:rPr lang="en-US" altLang="ko-KR" sz="500" dirty="0" err="1"/>
+                        <a:t>tkddnjs</a:t>
+                      </a:r>
+                      <a:endParaRPr lang="ko-KR" altLang="en-US" sz="500" dirty="0"/>
+                    </a:p>
+                  </a:txBody>
+                  <a:tcPr/>
+                </a:tc>
+                <a:tc>
+                  <a:txBody>
+                    <a:bodyPr/>
+                    <a:lstStyle/>
+                    <a:p>
+                      <a:pPr algn="ctr" latinLnBrk="1"/>
+                      <a:r>
+                        <a:rPr lang="ko-KR" altLang="en-US" sz="500" dirty="0"/>
+                        <a:t>이상원</a:t>
+                      </a:r>
+                    </a:p>
+                  </a:txBody>
+                  <a:tcPr/>
+                </a:tc>
+                <a:extLst>
+                  <a:ext uri="{0D108BD9-81ED-4DB2-BD59-A6C34878D82A}">
+                    <a16:rowId xmlns:a16="http://schemas.microsoft.com/office/drawing/2014/main" val="1251608280"/>
+                  </a:ext>
+                </a:extLst>
+              </a:tr>
+              <a:tr h="163894">
+                <a:tc>
+                  <a:txBody>
+                    <a:bodyPr/>
+                    <a:lstStyle/>
+                    <a:p>
+                      <a:pPr algn="ctr" latinLnBrk="1"/>
+                      <a:endParaRPr lang="ko-KR" altLang="en-US" sz="800" dirty="0"/>
+                    </a:p>
+                  </a:txBody>
+                  <a:tcPr/>
+                </a:tc>
+                <a:tc>
+                  <a:txBody>
+                    <a:bodyPr/>
+                    <a:lstStyle/>
+                    <a:p>
+                      <a:pPr algn="ctr" latinLnBrk="1"/>
+                      <a:endParaRPr lang="ko-KR" altLang="en-US" sz="800"/>
+                    </a:p>
+                  </a:txBody>
+                  <a:tcPr/>
+                </a:tc>
+                <a:tc>
+                  <a:txBody>
+                    <a:bodyPr/>
+                    <a:lstStyle/>
+                    <a:p>
+                      <a:pPr algn="ctr" latinLnBrk="1"/>
+                      <a:endParaRPr lang="ko-KR" altLang="en-US" sz="800" dirty="0"/>
+                    </a:p>
+                  </a:txBody>
+                  <a:tcPr/>
+                </a:tc>
+                <a:extLst>
+                  <a:ext uri="{0D108BD9-81ED-4DB2-BD59-A6C34878D82A}">
+                    <a16:rowId xmlns:a16="http://schemas.microsoft.com/office/drawing/2014/main" val="2860028759"/>
+                  </a:ext>
+                </a:extLst>
+              </a:tr>
+              <a:tr h="163894">
+                <a:tc>
+                  <a:txBody>
+                    <a:bodyPr/>
+                    <a:lstStyle/>
+                    <a:p>
+                      <a:pPr algn="ctr" latinLnBrk="1"/>
+                      <a:endParaRPr lang="ko-KR" altLang="en-US" sz="800"/>
+                    </a:p>
+                  </a:txBody>
+                  <a:tcPr/>
+                </a:tc>
+                <a:tc>
+                  <a:txBody>
+                    <a:bodyPr/>
+                    <a:lstStyle/>
+                    <a:p>
+                      <a:pPr algn="ctr" latinLnBrk="1"/>
+                      <a:endParaRPr lang="ko-KR" altLang="en-US" sz="800" dirty="0"/>
+                    </a:p>
+                  </a:txBody>
+                  <a:tcPr/>
+                </a:tc>
+                <a:tc>
+                  <a:txBody>
+                    <a:bodyPr/>
+                    <a:lstStyle/>
+                    <a:p>
+                      <a:pPr algn="ctr" latinLnBrk="1"/>
+                      <a:endParaRPr lang="ko-KR" altLang="en-US" sz="800"/>
+                    </a:p>
+                  </a:txBody>
+                  <a:tcPr/>
+                </a:tc>
+                <a:extLst>
+                  <a:ext uri="{0D108BD9-81ED-4DB2-BD59-A6C34878D82A}">
+                    <a16:rowId xmlns:a16="http://schemas.microsoft.com/office/drawing/2014/main" val="785271659"/>
+                  </a:ext>
+                </a:extLst>
+              </a:tr>
+              <a:tr h="163894">
+                <a:tc>
+                  <a:txBody>
+                    <a:bodyPr/>
+                    <a:lstStyle/>
+                    <a:p>
+                      <a:pPr algn="ctr" latinLnBrk="1"/>
+                      <a:endParaRPr lang="ko-KR" altLang="en-US" sz="800"/>
+                    </a:p>
+                  </a:txBody>
+                  <a:tcPr/>
+                </a:tc>
+                <a:tc>
+                  <a:txBody>
+                    <a:bodyPr/>
+                    <a:lstStyle/>
+                    <a:p>
+                      <a:pPr algn="ctr" latinLnBrk="1"/>
+                      <a:endParaRPr lang="ko-KR" altLang="en-US" sz="800" dirty="0"/>
+                    </a:p>
+                  </a:txBody>
+                  <a:tcPr/>
+                </a:tc>
+                <a:tc>
+                  <a:txBody>
+                    <a:bodyPr/>
+                    <a:lstStyle/>
+                    <a:p>
+                      <a:pPr algn="ctr" latinLnBrk="1"/>
+                      <a:endParaRPr lang="ko-KR" altLang="en-US" sz="800" dirty="0"/>
+                    </a:p>
+                  </a:txBody>
+                  <a:tcPr/>
+                </a:tc>
+                <a:extLst>
+                  <a:ext uri="{0D108BD9-81ED-4DB2-BD59-A6C34878D82A}">
+                    <a16:rowId xmlns:a16="http://schemas.microsoft.com/office/drawing/2014/main" val="2877861469"/>
+                  </a:ext>
+                </a:extLst>
+              </a:tr>
+            </a:tbl>
+          </a:graphicData>
+        </a:graphic>
+      </p:graphicFrame>
     </p:spTree>
     <p:extLst>
       <p:ext uri="{BB962C8B-B14F-4D97-AF65-F5344CB8AC3E}">
-        <p14:creationId xmlns:p14="http://schemas.microsoft.com/office/powerpoint/2010/main" val="2730257585"/>
+        <p14:creationId xmlns:p14="http://schemas.microsoft.com/office/powerpoint/2010/main" val="1925743991"/>
       </p:ext>
     </p:extLst>
   </p:cSld>
@@ -4545,666 +4706,6 @@
         </p:nvSpPr>
         <p:spPr>
           <a:xfrm>
-            <a:off x="2932981" y="1086929"/>
-            <a:ext cx="3528204" cy="369332"/>
-          </a:xfrm>
-          <a:prstGeom prst="rect">
-            <a:avLst/>
-          </a:prstGeom>
-          <a:noFill/>
-        </p:spPr>
-        <p:txBody>
-          <a:bodyPr wrap="square" rtlCol="0">
-            <a:spAutoFit/>
-          </a:bodyPr>
-          <a:lstStyle/>
-          <a:p>
-            <a:r>
-              <a:rPr lang="en-US" altLang="ko-KR" dirty="0">
-                <a:solidFill>
-                  <a:schemeClr val="bg1"/>
-                </a:solidFill>
-              </a:rPr>
-              <a:t>Navbar   login/sign       menu</a:t>
-            </a:r>
-            <a:endParaRPr lang="ko-KR" altLang="en-US" dirty="0">
-              <a:solidFill>
-                <a:schemeClr val="bg1"/>
-              </a:solidFill>
-            </a:endParaRPr>
-          </a:p>
-        </p:txBody>
-      </p:sp>
-      <p:sp>
-        <p:nvSpPr>
-          <p:cNvPr id="5" name="사각형: 둥근 모서리 4">
-            <a:extLst>
-              <a:ext uri="{FF2B5EF4-FFF2-40B4-BE49-F238E27FC236}">
-                <a16:creationId xmlns:a16="http://schemas.microsoft.com/office/drawing/2014/main" id="{47662129-CC6D-0BCD-2A08-A5D994A07AF1}"/>
-              </a:ext>
-            </a:extLst>
-          </p:cNvPr>
-          <p:cNvSpPr/>
-          <p:nvPr/>
-        </p:nvSpPr>
-        <p:spPr>
-          <a:xfrm>
-            <a:off x="7030528" y="1191247"/>
-            <a:ext cx="1535502" cy="231310"/>
-          </a:xfrm>
-          <a:prstGeom prst="roundRect">
-            <a:avLst/>
-          </a:prstGeom>
-        </p:spPr>
-        <p:style>
-          <a:lnRef idx="2">
-            <a:schemeClr val="dk1"/>
-          </a:lnRef>
-          <a:fillRef idx="1">
-            <a:schemeClr val="lt1"/>
-          </a:fillRef>
-          <a:effectRef idx="0">
-            <a:schemeClr val="dk1"/>
-          </a:effectRef>
-          <a:fontRef idx="minor">
-            <a:schemeClr val="dk1"/>
-          </a:fontRef>
-        </p:style>
-        <p:txBody>
-          <a:bodyPr rtlCol="0" anchor="ctr"/>
-          <a:lstStyle/>
-          <a:p>
-            <a:pPr algn="ctr"/>
-            <a:r>
-              <a:rPr lang="en-US" altLang="ko-KR" dirty="0"/>
-              <a:t>search</a:t>
-            </a:r>
-            <a:endParaRPr lang="ko-KR" altLang="en-US" dirty="0"/>
-          </a:p>
-        </p:txBody>
-      </p:sp>
-      <p:sp>
-        <p:nvSpPr>
-          <p:cNvPr id="6" name="TextBox 5">
-            <a:extLst>
-              <a:ext uri="{FF2B5EF4-FFF2-40B4-BE49-F238E27FC236}">
-                <a16:creationId xmlns:a16="http://schemas.microsoft.com/office/drawing/2014/main" id="{124057AD-3A62-2BA4-1B16-A9AFDC8D9764}"/>
-              </a:ext>
-            </a:extLst>
-          </p:cNvPr>
-          <p:cNvSpPr txBox="1"/>
-          <p:nvPr/>
-        </p:nvSpPr>
-        <p:spPr>
-          <a:xfrm>
-            <a:off x="3014932" y="298594"/>
-            <a:ext cx="3925019" cy="461665"/>
-          </a:xfrm>
-          <a:prstGeom prst="rect">
-            <a:avLst/>
-          </a:prstGeom>
-          <a:noFill/>
-        </p:spPr>
-        <p:txBody>
-          <a:bodyPr wrap="square" rtlCol="0">
-            <a:spAutoFit/>
-          </a:bodyPr>
-          <a:lstStyle/>
-          <a:p>
-            <a:r>
-              <a:rPr lang="ko-KR" altLang="en-US" sz="2400" b="1" dirty="0"/>
-              <a:t>회원 가입 페이지</a:t>
-            </a:r>
-          </a:p>
-        </p:txBody>
-      </p:sp>
-      <p:graphicFrame>
-        <p:nvGraphicFramePr>
-          <p:cNvPr id="7" name="표 6">
-            <a:extLst>
-              <a:ext uri="{FF2B5EF4-FFF2-40B4-BE49-F238E27FC236}">
-                <a16:creationId xmlns:a16="http://schemas.microsoft.com/office/drawing/2014/main" id="{DF719AA5-0248-13AB-BFD2-697E2D1E5E15}"/>
-              </a:ext>
-            </a:extLst>
-          </p:cNvPr>
-          <p:cNvGraphicFramePr>
-            <a:graphicFrameLocks noGrp="1"/>
-          </p:cNvGraphicFramePr>
-          <p:nvPr>
-            <p:extLst>
-              <p:ext uri="{D42A27DB-BD31-4B8C-83A1-F6EECF244321}">
-                <p14:modId xmlns:p14="http://schemas.microsoft.com/office/powerpoint/2010/main" val="796328767"/>
-              </p:ext>
-            </p:extLst>
-          </p:nvPr>
-        </p:nvGraphicFramePr>
-        <p:xfrm>
-          <a:off x="3740269" y="2208834"/>
-          <a:ext cx="3536830" cy="1708811"/>
-        </p:xfrm>
-        <a:graphic>
-          <a:graphicData uri="http://schemas.openxmlformats.org/drawingml/2006/table">
-            <a:tbl>
-              <a:tblPr firstRow="1" bandRow="1">
-                <a:tableStyleId>{073A0DAA-6AF3-43AB-8588-CEC1D06C72B9}</a:tableStyleId>
-              </a:tblPr>
-              <a:tblGrid>
-                <a:gridCol w="707366">
-                  <a:extLst>
-                    <a:ext uri="{9D8B030D-6E8A-4147-A177-3AD203B41FA5}">
-                      <a16:colId xmlns:a16="http://schemas.microsoft.com/office/drawing/2014/main" val="4129194285"/>
-                    </a:ext>
-                  </a:extLst>
-                </a:gridCol>
-                <a:gridCol w="564312">
-                  <a:extLst>
-                    <a:ext uri="{9D8B030D-6E8A-4147-A177-3AD203B41FA5}">
-                      <a16:colId xmlns:a16="http://schemas.microsoft.com/office/drawing/2014/main" val="1492225368"/>
-                    </a:ext>
-                  </a:extLst>
-                </a:gridCol>
-                <a:gridCol w="802257">
-                  <a:extLst>
-                    <a:ext uri="{9D8B030D-6E8A-4147-A177-3AD203B41FA5}">
-                      <a16:colId xmlns:a16="http://schemas.microsoft.com/office/drawing/2014/main" val="12717990"/>
-                    </a:ext>
-                  </a:extLst>
-                </a:gridCol>
-                <a:gridCol w="755529">
-                  <a:extLst>
-                    <a:ext uri="{9D8B030D-6E8A-4147-A177-3AD203B41FA5}">
-                      <a16:colId xmlns:a16="http://schemas.microsoft.com/office/drawing/2014/main" val="3694013642"/>
-                    </a:ext>
-                  </a:extLst>
-                </a:gridCol>
-                <a:gridCol w="707366">
-                  <a:extLst>
-                    <a:ext uri="{9D8B030D-6E8A-4147-A177-3AD203B41FA5}">
-                      <a16:colId xmlns:a16="http://schemas.microsoft.com/office/drawing/2014/main" val="888746775"/>
-                    </a:ext>
-                  </a:extLst>
-                </a:gridCol>
-              </a:tblGrid>
-              <a:tr h="169570">
-                <a:tc>
-                  <a:txBody>
-                    <a:bodyPr/>
-                    <a:lstStyle/>
-                    <a:p>
-                      <a:pPr latinLnBrk="1"/>
-                      <a:r>
-                        <a:rPr lang="ko-KR" altLang="en-US" sz="1400" dirty="0"/>
-                        <a:t>순서</a:t>
-                      </a:r>
-                    </a:p>
-                  </a:txBody>
-                  <a:tcPr/>
-                </a:tc>
-                <a:tc>
-                  <a:txBody>
-                    <a:bodyPr/>
-                    <a:lstStyle/>
-                    <a:p>
-                      <a:pPr latinLnBrk="1"/>
-                      <a:r>
-                        <a:rPr lang="ko-KR" altLang="en-US" sz="1200" dirty="0"/>
-                        <a:t>메뉴</a:t>
-                      </a:r>
-                    </a:p>
-                  </a:txBody>
-                  <a:tcPr/>
-                </a:tc>
-                <a:tc>
-                  <a:txBody>
-                    <a:bodyPr/>
-                    <a:lstStyle/>
-                    <a:p>
-                      <a:pPr latinLnBrk="1"/>
-                      <a:r>
-                        <a:rPr lang="ko-KR" altLang="en-US" sz="1200" dirty="0"/>
-                        <a:t>카테고리</a:t>
-                      </a:r>
-                    </a:p>
-                  </a:txBody>
-                  <a:tcPr/>
-                </a:tc>
-                <a:tc>
-                  <a:txBody>
-                    <a:bodyPr/>
-                    <a:lstStyle/>
-                    <a:p>
-                      <a:pPr latinLnBrk="1"/>
-                      <a:r>
-                        <a:rPr lang="ko-KR" altLang="en-US" sz="1400" dirty="0" err="1"/>
-                        <a:t>작성글</a:t>
-                      </a:r>
-                      <a:endParaRPr lang="ko-KR" altLang="en-US" sz="1400" dirty="0"/>
-                    </a:p>
-                  </a:txBody>
-                  <a:tcPr/>
-                </a:tc>
-                <a:tc>
-                  <a:txBody>
-                    <a:bodyPr/>
-                    <a:lstStyle/>
-                    <a:p>
-                      <a:pPr latinLnBrk="1"/>
-                      <a:r>
-                        <a:rPr lang="ko-KR" altLang="en-US" sz="1400" dirty="0"/>
-                        <a:t>제한</a:t>
-                      </a:r>
-                    </a:p>
-                  </a:txBody>
-                  <a:tcPr/>
-                </a:tc>
-                <a:extLst>
-                  <a:ext uri="{0D108BD9-81ED-4DB2-BD59-A6C34878D82A}">
-                    <a16:rowId xmlns:a16="http://schemas.microsoft.com/office/drawing/2014/main" val="1606789671"/>
-                  </a:ext>
-                </a:extLst>
-              </a:tr>
-              <a:tr h="306731">
-                <a:tc>
-                  <a:txBody>
-                    <a:bodyPr/>
-                    <a:lstStyle/>
-                    <a:p>
-                      <a:pPr algn="ctr" latinLnBrk="1"/>
-                      <a:r>
-                        <a:rPr lang="en-US" altLang="ko-KR" sz="1200" dirty="0"/>
-                        <a:t>1</a:t>
-                      </a:r>
-                      <a:endParaRPr lang="ko-KR" altLang="en-US" sz="1200" dirty="0"/>
-                    </a:p>
-                  </a:txBody>
-                  <a:tcPr/>
-                </a:tc>
-                <a:tc>
-                  <a:txBody>
-                    <a:bodyPr/>
-                    <a:lstStyle/>
-                    <a:p>
-                      <a:pPr algn="ctr" latinLnBrk="1"/>
-                      <a:r>
-                        <a:rPr lang="en-US" altLang="ko-KR" sz="1200" dirty="0"/>
-                        <a:t>~</a:t>
-                      </a:r>
-                      <a:endParaRPr lang="ko-KR" altLang="en-US" sz="1200" dirty="0"/>
-                    </a:p>
-                  </a:txBody>
-                  <a:tcPr/>
-                </a:tc>
-                <a:tc>
-                  <a:txBody>
-                    <a:bodyPr/>
-                    <a:lstStyle/>
-                    <a:p>
-                      <a:pPr algn="ctr" latinLnBrk="1"/>
-                      <a:r>
-                        <a:rPr lang="en-US" altLang="ko-KR" sz="1200" dirty="0"/>
-                        <a:t>~~</a:t>
-                      </a:r>
-                      <a:endParaRPr lang="ko-KR" altLang="en-US" sz="1200" dirty="0"/>
-                    </a:p>
-                  </a:txBody>
-                  <a:tcPr/>
-                </a:tc>
-                <a:tc>
-                  <a:txBody>
-                    <a:bodyPr/>
-                    <a:lstStyle/>
-                    <a:p>
-                      <a:pPr algn="ctr" latinLnBrk="1"/>
-                      <a:r>
-                        <a:rPr lang="ko-KR" altLang="en-US" sz="1200" dirty="0"/>
-                        <a:t>제목</a:t>
-                      </a:r>
-                    </a:p>
-                  </a:txBody>
-                  <a:tcPr/>
-                </a:tc>
-                <a:tc>
-                  <a:txBody>
-                    <a:bodyPr/>
-                    <a:lstStyle/>
-                    <a:p>
-                      <a:pPr algn="ctr" latinLnBrk="1"/>
-                      <a:endParaRPr lang="ko-KR" altLang="en-US" sz="1200" dirty="0"/>
-                    </a:p>
-                  </a:txBody>
-                  <a:tcPr/>
-                </a:tc>
-                <a:extLst>
-                  <a:ext uri="{0D108BD9-81ED-4DB2-BD59-A6C34878D82A}">
-                    <a16:rowId xmlns:a16="http://schemas.microsoft.com/office/drawing/2014/main" val="1251608280"/>
-                  </a:ext>
-                </a:extLst>
-              </a:tr>
-              <a:tr h="306731">
-                <a:tc>
-                  <a:txBody>
-                    <a:bodyPr/>
-                    <a:lstStyle/>
-                    <a:p>
-                      <a:pPr latinLnBrk="1"/>
-                      <a:endParaRPr lang="ko-KR" altLang="en-US"/>
-                    </a:p>
-                  </a:txBody>
-                  <a:tcPr/>
-                </a:tc>
-                <a:tc>
-                  <a:txBody>
-                    <a:bodyPr/>
-                    <a:lstStyle/>
-                    <a:p>
-                      <a:pPr latinLnBrk="1"/>
-                      <a:endParaRPr lang="ko-KR" altLang="en-US"/>
-                    </a:p>
-                  </a:txBody>
-                  <a:tcPr/>
-                </a:tc>
-                <a:tc>
-                  <a:txBody>
-                    <a:bodyPr/>
-                    <a:lstStyle/>
-                    <a:p>
-                      <a:pPr latinLnBrk="1"/>
-                      <a:endParaRPr lang="ko-KR" altLang="en-US"/>
-                    </a:p>
-                  </a:txBody>
-                  <a:tcPr/>
-                </a:tc>
-                <a:tc>
-                  <a:txBody>
-                    <a:bodyPr/>
-                    <a:lstStyle/>
-                    <a:p>
-                      <a:pPr latinLnBrk="1"/>
-                      <a:endParaRPr lang="ko-KR" altLang="en-US" dirty="0"/>
-                    </a:p>
-                  </a:txBody>
-                  <a:tcPr/>
-                </a:tc>
-                <a:tc>
-                  <a:txBody>
-                    <a:bodyPr/>
-                    <a:lstStyle/>
-                    <a:p>
-                      <a:pPr latinLnBrk="1"/>
-                      <a:endParaRPr lang="ko-KR" altLang="en-US" dirty="0"/>
-                    </a:p>
-                  </a:txBody>
-                  <a:tcPr/>
-                </a:tc>
-                <a:extLst>
-                  <a:ext uri="{0D108BD9-81ED-4DB2-BD59-A6C34878D82A}">
-                    <a16:rowId xmlns:a16="http://schemas.microsoft.com/office/drawing/2014/main" val="2860028759"/>
-                  </a:ext>
-                </a:extLst>
-              </a:tr>
-              <a:tr h="306731">
-                <a:tc>
-                  <a:txBody>
-                    <a:bodyPr/>
-                    <a:lstStyle/>
-                    <a:p>
-                      <a:pPr latinLnBrk="1"/>
-                      <a:endParaRPr lang="ko-KR" altLang="en-US"/>
-                    </a:p>
-                  </a:txBody>
-                  <a:tcPr/>
-                </a:tc>
-                <a:tc>
-                  <a:txBody>
-                    <a:bodyPr/>
-                    <a:lstStyle/>
-                    <a:p>
-                      <a:pPr latinLnBrk="1"/>
-                      <a:endParaRPr lang="ko-KR" altLang="en-US" dirty="0"/>
-                    </a:p>
-                  </a:txBody>
-                  <a:tcPr/>
-                </a:tc>
-                <a:tc>
-                  <a:txBody>
-                    <a:bodyPr/>
-                    <a:lstStyle/>
-                    <a:p>
-                      <a:pPr latinLnBrk="1"/>
-                      <a:endParaRPr lang="ko-KR" altLang="en-US"/>
-                    </a:p>
-                  </a:txBody>
-                  <a:tcPr/>
-                </a:tc>
-                <a:tc>
-                  <a:txBody>
-                    <a:bodyPr/>
-                    <a:lstStyle/>
-                    <a:p>
-                      <a:pPr latinLnBrk="1"/>
-                      <a:endParaRPr lang="ko-KR" altLang="en-US"/>
-                    </a:p>
-                  </a:txBody>
-                  <a:tcPr/>
-                </a:tc>
-                <a:tc>
-                  <a:txBody>
-                    <a:bodyPr/>
-                    <a:lstStyle/>
-                    <a:p>
-                      <a:pPr latinLnBrk="1"/>
-                      <a:endParaRPr lang="ko-KR" altLang="en-US"/>
-                    </a:p>
-                  </a:txBody>
-                  <a:tcPr/>
-                </a:tc>
-                <a:extLst>
-                  <a:ext uri="{0D108BD9-81ED-4DB2-BD59-A6C34878D82A}">
-                    <a16:rowId xmlns:a16="http://schemas.microsoft.com/office/drawing/2014/main" val="785271659"/>
-                  </a:ext>
-                </a:extLst>
-              </a:tr>
-              <a:tr h="306731">
-                <a:tc>
-                  <a:txBody>
-                    <a:bodyPr/>
-                    <a:lstStyle/>
-                    <a:p>
-                      <a:pPr latinLnBrk="1"/>
-                      <a:endParaRPr lang="ko-KR" altLang="en-US"/>
-                    </a:p>
-                  </a:txBody>
-                  <a:tcPr/>
-                </a:tc>
-                <a:tc>
-                  <a:txBody>
-                    <a:bodyPr/>
-                    <a:lstStyle/>
-                    <a:p>
-                      <a:pPr latinLnBrk="1"/>
-                      <a:endParaRPr lang="ko-KR" altLang="en-US" dirty="0"/>
-                    </a:p>
-                  </a:txBody>
-                  <a:tcPr/>
-                </a:tc>
-                <a:tc>
-                  <a:txBody>
-                    <a:bodyPr/>
-                    <a:lstStyle/>
-                    <a:p>
-                      <a:pPr latinLnBrk="1"/>
-                      <a:endParaRPr lang="ko-KR" altLang="en-US"/>
-                    </a:p>
-                  </a:txBody>
-                  <a:tcPr/>
-                </a:tc>
-                <a:tc>
-                  <a:txBody>
-                    <a:bodyPr/>
-                    <a:lstStyle/>
-                    <a:p>
-                      <a:pPr latinLnBrk="1"/>
-                      <a:endParaRPr lang="ko-KR" altLang="en-US"/>
-                    </a:p>
-                  </a:txBody>
-                  <a:tcPr/>
-                </a:tc>
-                <a:tc>
-                  <a:txBody>
-                    <a:bodyPr/>
-                    <a:lstStyle/>
-                    <a:p>
-                      <a:pPr latinLnBrk="1"/>
-                      <a:endParaRPr lang="ko-KR" altLang="en-US" dirty="0"/>
-                    </a:p>
-                  </a:txBody>
-                  <a:tcPr/>
-                </a:tc>
-                <a:extLst>
-                  <a:ext uri="{0D108BD9-81ED-4DB2-BD59-A6C34878D82A}">
-                    <a16:rowId xmlns:a16="http://schemas.microsoft.com/office/drawing/2014/main" val="2877861469"/>
-                  </a:ext>
-                </a:extLst>
-              </a:tr>
-            </a:tbl>
-          </a:graphicData>
-        </a:graphic>
-      </p:graphicFrame>
-    </p:spTree>
-    <p:extLst>
-      <p:ext uri="{BB962C8B-B14F-4D97-AF65-F5344CB8AC3E}">
-        <p14:creationId xmlns:p14="http://schemas.microsoft.com/office/powerpoint/2010/main" val="1419961585"/>
-      </p:ext>
-    </p:extLst>
-  </p:cSld>
-  <p:clrMapOvr>
-    <a:masterClrMapping/>
-  </p:clrMapOvr>
-</p:sld>
-</file>
-
-<file path=ppt/slides/slide4.xml><?xml version="1.0" encoding="utf-8"?>
-<p:sld xmlns:a="http://schemas.openxmlformats.org/drawingml/2006/main" xmlns:r="http://schemas.openxmlformats.org/officeDocument/2006/relationships" xmlns:p="http://schemas.openxmlformats.org/presentationml/2006/main">
-  <p:cSld>
-    <p:spTree>
-      <p:nvGrpSpPr>
-        <p:cNvPr id="1" name=""/>
-        <p:cNvGrpSpPr/>
-        <p:nvPr/>
-      </p:nvGrpSpPr>
-      <p:grpSpPr>
-        <a:xfrm>
-          <a:off x="0" y="0"/>
-          <a:ext cx="0" cy="0"/>
-          <a:chOff x="0" y="0"/>
-          <a:chExt cx="0" cy="0"/>
-        </a:xfrm>
-      </p:grpSpPr>
-      <p:sp>
-        <p:nvSpPr>
-          <p:cNvPr id="2" name="직사각형 1">
-            <a:extLst>
-              <a:ext uri="{FF2B5EF4-FFF2-40B4-BE49-F238E27FC236}">
-                <a16:creationId xmlns:a16="http://schemas.microsoft.com/office/drawing/2014/main" id="{4ED72886-887B-B821-3893-51B3065CB47B}"/>
-              </a:ext>
-            </a:extLst>
-          </p:cNvPr>
-          <p:cNvSpPr/>
-          <p:nvPr/>
-        </p:nvSpPr>
-        <p:spPr>
-          <a:xfrm>
-            <a:off x="2844800" y="1086929"/>
-            <a:ext cx="5911011" cy="3780636"/>
-          </a:xfrm>
-          <a:prstGeom prst="rect">
-            <a:avLst/>
-          </a:prstGeom>
-        </p:spPr>
-        <p:style>
-          <a:lnRef idx="2">
-            <a:schemeClr val="dk1"/>
-          </a:lnRef>
-          <a:fillRef idx="1">
-            <a:schemeClr val="lt1"/>
-          </a:fillRef>
-          <a:effectRef idx="0">
-            <a:schemeClr val="dk1"/>
-          </a:effectRef>
-          <a:fontRef idx="minor">
-            <a:schemeClr val="dk1"/>
-          </a:fontRef>
-        </p:style>
-        <p:txBody>
-          <a:bodyPr rtlCol="0" anchor="ctr"/>
-          <a:lstStyle/>
-          <a:p>
-            <a:pPr algn="ctr"/>
-            <a:endParaRPr lang="ko-KR" altLang="en-US"/>
-          </a:p>
-        </p:txBody>
-      </p:sp>
-      <p:sp>
-        <p:nvSpPr>
-          <p:cNvPr id="3" name="직사각형 2">
-            <a:extLst>
-              <a:ext uri="{FF2B5EF4-FFF2-40B4-BE49-F238E27FC236}">
-                <a16:creationId xmlns:a16="http://schemas.microsoft.com/office/drawing/2014/main" id="{C7C2E214-6A9F-D377-52BD-56684A274FCB}"/>
-              </a:ext>
-            </a:extLst>
-          </p:cNvPr>
-          <p:cNvSpPr/>
-          <p:nvPr/>
-        </p:nvSpPr>
-        <p:spPr>
-          <a:xfrm>
-            <a:off x="2844800" y="1086929"/>
-            <a:ext cx="5911011" cy="439946"/>
-          </a:xfrm>
-          <a:prstGeom prst="rect">
-            <a:avLst/>
-          </a:prstGeom>
-          <a:solidFill>
-            <a:schemeClr val="tx1"/>
-          </a:solidFill>
-        </p:spPr>
-        <p:style>
-          <a:lnRef idx="2">
-            <a:schemeClr val="dk1"/>
-          </a:lnRef>
-          <a:fillRef idx="1">
-            <a:schemeClr val="lt1"/>
-          </a:fillRef>
-          <a:effectRef idx="0">
-            <a:schemeClr val="dk1"/>
-          </a:effectRef>
-          <a:fontRef idx="minor">
-            <a:schemeClr val="dk1"/>
-          </a:fontRef>
-        </p:style>
-        <p:txBody>
-          <a:bodyPr rtlCol="0" anchor="ctr"/>
-          <a:lstStyle/>
-          <a:p>
-            <a:pPr algn="ctr"/>
-            <a:endParaRPr lang="ko-KR" altLang="en-US"/>
-          </a:p>
-        </p:txBody>
-      </p:sp>
-      <p:sp>
-        <p:nvSpPr>
-          <p:cNvPr id="4" name="TextBox 3">
-            <a:extLst>
-              <a:ext uri="{FF2B5EF4-FFF2-40B4-BE49-F238E27FC236}">
-                <a16:creationId xmlns:a16="http://schemas.microsoft.com/office/drawing/2014/main" id="{626BBFD3-FC4A-4B62-483D-282DB05C9945}"/>
-              </a:ext>
-            </a:extLst>
-          </p:cNvPr>
-          <p:cNvSpPr txBox="1"/>
-          <p:nvPr/>
-        </p:nvSpPr>
-        <p:spPr>
-          <a:xfrm>
             <a:off x="2932980" y="1086929"/>
             <a:ext cx="5710687" cy="369332"/>
           </a:xfrm>
@@ -5225,13 +4726,32 @@
                   <a:schemeClr val="bg1"/>
                 </a:solidFill>
               </a:rPr>
-              <a:t>admin   session       menu1     menu2     menu3</a:t>
-            </a:r>
-            <a:endParaRPr lang="ko-KR" altLang="en-US" dirty="0">
-              <a:solidFill>
-                <a:schemeClr val="bg1"/>
-              </a:solidFill>
-            </a:endParaRPr>
+              <a:t>admin   session    </a:t>
+            </a:r>
+            <a:r>
+              <a:rPr lang="ko-KR" altLang="en-US" dirty="0">
+                <a:solidFill>
+                  <a:schemeClr val="bg1"/>
+                </a:solidFill>
+              </a:rPr>
+              <a:t>수업 등록</a:t>
+            </a:r>
+            <a:r>
+              <a:rPr lang="en-US" altLang="ko-KR" dirty="0">
+                <a:solidFill>
+                  <a:schemeClr val="bg1"/>
+                </a:solidFill>
+              </a:rPr>
+              <a:t>   </a:t>
+            </a:r>
+            <a:r>
+              <a:rPr lang="ko-KR" altLang="en-US" dirty="0">
+                <a:solidFill>
+                  <a:schemeClr val="bg1"/>
+                </a:solidFill>
+              </a:rPr>
+              <a:t>학생 관리 게시판 관리</a:t>
+            </a:r>
           </a:p>
         </p:txBody>
       </p:sp>
@@ -5298,14 +4818,14 @@
           <p:nvPr>
             <p:extLst>
               <p:ext uri="{D42A27DB-BD31-4B8C-83A1-F6EECF244321}">
-                <p14:modId xmlns:p14="http://schemas.microsoft.com/office/powerpoint/2010/main" val="4106364817"/>
+                <p14:modId xmlns:p14="http://schemas.microsoft.com/office/powerpoint/2010/main" val="1497533229"/>
               </p:ext>
             </p:extLst>
           </p:nvPr>
         </p:nvGraphicFramePr>
         <p:xfrm>
-          <a:off x="4031890" y="2148840"/>
-          <a:ext cx="3536830" cy="2470811"/>
+          <a:off x="4031888" y="2148841"/>
+          <a:ext cx="4154580" cy="2501062"/>
         </p:xfrm>
         <a:graphic>
           <a:graphicData uri="http://schemas.openxmlformats.org/drawingml/2006/table">
@@ -5314,35 +4834,28 @@
                 <a:tableStyleId>{073A0DAA-6AF3-43AB-8588-CEC1D06C72B9}</a:tableStyleId>
               </a:tblPr>
               <a:tblGrid>
-                <a:gridCol w="707366">
+                <a:gridCol w="1038645">
                   <a:extLst>
                     <a:ext uri="{9D8B030D-6E8A-4147-A177-3AD203B41FA5}">
                       <a16:colId xmlns:a16="http://schemas.microsoft.com/office/drawing/2014/main" val="4129194285"/>
                     </a:ext>
                   </a:extLst>
                 </a:gridCol>
-                <a:gridCol w="707366">
+                <a:gridCol w="1038645">
                   <a:extLst>
                     <a:ext uri="{9D8B030D-6E8A-4147-A177-3AD203B41FA5}">
                       <a16:colId xmlns:a16="http://schemas.microsoft.com/office/drawing/2014/main" val="1492225368"/>
                     </a:ext>
                   </a:extLst>
                 </a:gridCol>
-                <a:gridCol w="707366">
+                <a:gridCol w="921350">
                   <a:extLst>
                     <a:ext uri="{9D8B030D-6E8A-4147-A177-3AD203B41FA5}">
                       <a16:colId xmlns:a16="http://schemas.microsoft.com/office/drawing/2014/main" val="12717990"/>
                     </a:ext>
                   </a:extLst>
                 </a:gridCol>
-                <a:gridCol w="707366">
-                  <a:extLst>
-                    <a:ext uri="{9D8B030D-6E8A-4147-A177-3AD203B41FA5}">
-                      <a16:colId xmlns:a16="http://schemas.microsoft.com/office/drawing/2014/main" val="3694013642"/>
-                    </a:ext>
-                  </a:extLst>
-                </a:gridCol>
-                <a:gridCol w="707366">
+                <a:gridCol w="1155940">
                   <a:extLst>
                     <a:ext uri="{9D8B030D-6E8A-4147-A177-3AD203B41FA5}">
                       <a16:colId xmlns:a16="http://schemas.microsoft.com/office/drawing/2014/main" val="888746775"/>
@@ -5350,7 +4863,7 @@
                   </a:extLst>
                 </a:gridCol>
               </a:tblGrid>
-              <a:tr h="169570">
+              <a:tr h="397942">
                 <a:tc>
                   <a:txBody>
                     <a:bodyPr/>
@@ -5372,10 +4885,9 @@
                     <a:p>
                       <a:pPr latinLnBrk="1"/>
                       <a:r>
-                        <a:rPr lang="en-US" altLang="ko-KR" sz="1600" dirty="0"/>
-                        <a:t>email</a:t>
+                        <a:rPr lang="ko-KR" altLang="en-US" sz="1600" dirty="0"/>
+                        <a:t>학번</a:t>
                       </a:r>
-                      <a:endParaRPr lang="ko-KR" altLang="en-US" sz="1600" dirty="0"/>
                     </a:p>
                   </a:txBody>
                   <a:tcPr/>
@@ -5406,21 +4918,7 @@
                       <a:pPr latinLnBrk="1"/>
                       <a:r>
                         <a:rPr lang="ko-KR" altLang="en-US" sz="1600" dirty="0"/>
-                        <a:t>별명</a:t>
-                      </a:r>
-                    </a:p>
-                  </a:txBody>
-                  <a:tcPr/>
-                </a:tc>
-                <a:tc>
-                  <a:txBody>
-                    <a:bodyPr/>
-                    <a:lstStyle/>
-                    <a:p>
-                      <a:pPr latinLnBrk="1"/>
-                      <a:r>
-                        <a:rPr lang="ko-KR" altLang="en-US" sz="1600" dirty="0"/>
-                        <a:t>그룹</a:t>
+                        <a:t>제한 여부</a:t>
                       </a:r>
                     </a:p>
                   </a:txBody>
@@ -5432,7 +4930,7 @@
                   </a:ext>
                 </a:extLst>
               </a:tr>
-              <a:tr h="306731">
+              <a:tr h="224777">
                 <a:tc>
                   <a:txBody>
                     <a:bodyPr/>
@@ -5484,21 +4982,6 @@
                     <a:p>
                       <a:pPr algn="ctr" latinLnBrk="1"/>
                       <a:r>
-                        <a:rPr lang="en-US" altLang="ko-KR" sz="1200" dirty="0" err="1"/>
-                        <a:t>Lsw</a:t>
-                      </a:r>
-                      <a:endParaRPr lang="ko-KR" altLang="en-US" sz="1200" dirty="0"/>
-                    </a:p>
-                  </a:txBody>
-                  <a:tcPr/>
-                </a:tc>
-                <a:tc>
-                  <a:txBody>
-                    <a:bodyPr/>
-                    <a:lstStyle/>
-                    <a:p>
-                      <a:pPr algn="ctr" latinLnBrk="1"/>
-                      <a:r>
                         <a:rPr lang="en-US" altLang="ko-KR" sz="1200" dirty="0"/>
                         <a:t>all</a:t>
                       </a:r>
@@ -5513,25 +4996,14 @@
                   </a:ext>
                 </a:extLst>
               </a:tr>
-              <a:tr h="306731">
+              <a:tr h="299703">
                 <a:tc>
                   <a:txBody>
                     <a:bodyPr/>
                     <a:lstStyle/>
                     <a:p>
                       <a:pPr latinLnBrk="1"/>
-                      <a:endParaRPr lang="ko-KR" altLang="en-US"/>
-                    </a:p>
-                  </a:txBody>
-                  <a:tcPr/>
-                </a:tc>
-                <a:tc>
-                  <a:txBody>
-                    <a:bodyPr/>
-                    <a:lstStyle/>
-                    <a:p>
-                      <a:pPr latinLnBrk="1"/>
-                      <a:endParaRPr lang="ko-KR" altLang="en-US"/>
+                      <a:endParaRPr lang="ko-KR" altLang="en-US" dirty="0"/>
                     </a:p>
                   </a:txBody>
                   <a:tcPr/>
@@ -5575,7 +5047,7 @@
                   </a:ext>
                 </a:extLst>
               </a:tr>
-              <a:tr h="306731">
+              <a:tr h="299703">
                 <a:tc>
                   <a:txBody>
                     <a:bodyPr/>
@@ -5594,17 +5066,6 @@
                     <a:p>
                       <a:pPr latinLnBrk="1"/>
                       <a:endParaRPr lang="ko-KR" altLang="en-US" dirty="0"/>
-                    </a:p>
-                  </a:txBody>
-                  <a:tcPr/>
-                </a:tc>
-                <a:tc>
-                  <a:txBody>
-                    <a:bodyPr/>
-                    <a:lstStyle/>
-                    <a:p>
-                      <a:pPr latinLnBrk="1"/>
-                      <a:endParaRPr lang="ko-KR" altLang="en-US"/>
                     </a:p>
                   </a:txBody>
                   <a:tcPr/>
@@ -5637,7 +5098,7 @@
                   </a:ext>
                 </a:extLst>
               </a:tr>
-              <a:tr h="306731">
+              <a:tr h="299703">
                 <a:tc>
                   <a:txBody>
                     <a:bodyPr/>
@@ -5656,17 +5117,6 @@
                     <a:p>
                       <a:pPr latinLnBrk="1"/>
                       <a:endParaRPr lang="ko-KR" altLang="en-US" dirty="0"/>
-                    </a:p>
-                  </a:txBody>
-                  <a:tcPr/>
-                </a:tc>
-                <a:tc>
-                  <a:txBody>
-                    <a:bodyPr/>
-                    <a:lstStyle/>
-                    <a:p>
-                      <a:pPr latinLnBrk="1"/>
-                      <a:endParaRPr lang="ko-KR" altLang="en-US"/>
                     </a:p>
                   </a:txBody>
                   <a:tcPr/>
@@ -5699,7 +5149,7 @@
                   </a:ext>
                 </a:extLst>
               </a:tr>
-              <a:tr h="306731">
+              <a:tr h="299703">
                 <a:tc>
                   <a:txBody>
                     <a:bodyPr/>
@@ -5718,17 +5168,6 @@
                     <a:p>
                       <a:pPr latinLnBrk="1"/>
                       <a:endParaRPr lang="ko-KR" altLang="en-US" dirty="0"/>
-                    </a:p>
-                  </a:txBody>
-                  <a:tcPr/>
-                </a:tc>
-                <a:tc>
-                  <a:txBody>
-                    <a:bodyPr/>
-                    <a:lstStyle/>
-                    <a:p>
-                      <a:pPr latinLnBrk="1"/>
-                      <a:endParaRPr lang="ko-KR" altLang="en-US"/>
                     </a:p>
                   </a:txBody>
                   <a:tcPr/>
@@ -5761,7 +5200,7 @@
                   </a:ext>
                 </a:extLst>
               </a:tr>
-              <a:tr h="306731">
+              <a:tr h="299703">
                 <a:tc>
                   <a:txBody>
                     <a:bodyPr/>
@@ -5769,17 +5208,6 @@
                     <a:p>
                       <a:pPr latinLnBrk="1"/>
                       <a:endParaRPr lang="ko-KR" altLang="en-US"/>
-                    </a:p>
-                  </a:txBody>
-                  <a:tcPr/>
-                </a:tc>
-                <a:tc>
-                  <a:txBody>
-                    <a:bodyPr/>
-                    <a:lstStyle/>
-                    <a:p>
-                      <a:pPr latinLnBrk="1"/>
-                      <a:endParaRPr lang="ko-KR" altLang="en-US" dirty="0"/>
                     </a:p>
                   </a:txBody>
                   <a:tcPr/>
@@ -5928,8 +5356,8 @@
         </p:nvSpPr>
         <p:spPr>
           <a:xfrm>
-            <a:off x="153838" y="1740269"/>
-            <a:ext cx="2976113" cy="923330"/>
+            <a:off x="0" y="1740269"/>
+            <a:ext cx="3129951" cy="2862322"/>
           </a:xfrm>
           <a:prstGeom prst="rect">
             <a:avLst/>
@@ -5954,37 +5382,95 @@
               <a:rPr lang="ko-KR" altLang="en-US" dirty="0"/>
               <a:t>드롭 다운</a:t>
             </a:r>
+            <a:br>
+              <a:rPr lang="en-US" altLang="ko-KR" dirty="0"/>
+            </a:br>
             <a:endParaRPr lang="en-US" altLang="ko-KR" dirty="0"/>
           </a:p>
           <a:p>
             <a:r>
+              <a:rPr lang="ko-KR" altLang="en-US" dirty="0" err="1"/>
+              <a:t>단건</a:t>
+            </a:r>
+            <a:br>
               <a:rPr lang="en-US" altLang="ko-KR" dirty="0"/>
-              <a:t>(</a:t>
-            </a:r>
+            </a:br>
+            <a:r>
+              <a:rPr lang="ko-KR" altLang="en-US" dirty="0">
+                <a:solidFill>
+                  <a:srgbClr val="0070C0"/>
+                </a:solidFill>
+              </a:rPr>
+              <a:t>학번</a:t>
+            </a:r>
+            <a:endParaRPr lang="en-US" altLang="ko-KR" dirty="0">
+              <a:solidFill>
+                <a:srgbClr val="0070C0"/>
+              </a:solidFill>
+            </a:endParaRPr>
+          </a:p>
+          <a:p>
+            <a:endParaRPr lang="en-US" altLang="ko-KR" dirty="0"/>
+          </a:p>
+          <a:p>
             <a:r>
               <a:rPr lang="ko-KR" altLang="en-US" dirty="0" err="1"/>
-              <a:t>그룹명</a:t>
-            </a:r>
-            <a:r>
-              <a:rPr lang="en-US" altLang="ko-KR" dirty="0"/>
+              <a:t>다건</a:t>
+            </a:r>
+            <a:endParaRPr lang="en-US" altLang="ko-KR" dirty="0"/>
+          </a:p>
+          <a:p>
+            <a:r>
+              <a:rPr lang="ko-KR" altLang="en-US" dirty="0" err="1">
+                <a:solidFill>
+                  <a:srgbClr val="0070C0"/>
+                </a:solidFill>
+              </a:rPr>
+              <a:t>회원명</a:t>
+            </a:r>
+            <a:r>
+              <a:rPr lang="en-US" altLang="ko-KR" dirty="0">
+                <a:solidFill>
+                  <a:srgbClr val="0070C0"/>
+                </a:solidFill>
+              </a:rPr>
               <a:t>, </a:t>
             </a:r>
             <a:r>
-              <a:rPr lang="ko-KR" altLang="en-US" dirty="0" err="1"/>
-              <a:t>회원명</a:t>
-            </a:r>
-            <a:r>
-              <a:rPr lang="en-US" altLang="ko-KR" dirty="0"/>
+              <a:rPr lang="ko-KR" altLang="en-US" dirty="0">
+                <a:solidFill>
+                  <a:srgbClr val="0070C0"/>
+                </a:solidFill>
+              </a:rPr>
+              <a:t>제한 회원</a:t>
+            </a:r>
+            <a:r>
+              <a:rPr lang="en-US" altLang="ko-KR" dirty="0">
+                <a:solidFill>
+                  <a:srgbClr val="0070C0"/>
+                </a:solidFill>
+              </a:rPr>
               <a:t>, </a:t>
             </a:r>
             <a:r>
-              <a:rPr lang="ko-KR" altLang="en-US" dirty="0"/>
-              <a:t>제한 회원</a:t>
-            </a:r>
-            <a:r>
-              <a:rPr lang="en-US" altLang="ko-KR" dirty="0"/>
-              <a:t>)</a:t>
-            </a:r>
+              <a:rPr lang="ko-KR" altLang="en-US" dirty="0">
+                <a:solidFill>
+                  <a:srgbClr val="0070C0"/>
+                </a:solidFill>
+              </a:rPr>
+              <a:t>등록 연도</a:t>
+            </a:r>
+            <a:endParaRPr lang="en-US" altLang="ko-KR" dirty="0">
+              <a:solidFill>
+                <a:srgbClr val="0070C0"/>
+              </a:solidFill>
+            </a:endParaRPr>
+          </a:p>
+          <a:p>
+            <a:endParaRPr lang="en-US" altLang="ko-KR" dirty="0"/>
+          </a:p>
+          <a:p>
+            <a:endParaRPr lang="en-US" altLang="ko-KR" dirty="0"/>
           </a:p>
           <a:p>
             <a:endParaRPr lang="ko-KR" altLang="en-US" dirty="0"/>
@@ -6006,7 +5492,7 @@
         <p:spPr>
           <a:xfrm>
             <a:off x="8959491" y="1874780"/>
-            <a:ext cx="3078671" cy="2308324"/>
+            <a:ext cx="3078671" cy="2031325"/>
           </a:xfrm>
           <a:prstGeom prst="rect">
             <a:avLst/>
@@ -6098,18 +5584,7 @@
             </a:r>
             <a:r>
               <a:rPr lang="ko-KR" altLang="en-US" dirty="0"/>
-              <a:t>별명</a:t>
-            </a:r>
-            <a:endParaRPr lang="en-US" altLang="ko-KR" dirty="0"/>
-          </a:p>
-          <a:p>
-            <a:r>
-              <a:rPr lang="en-US" altLang="ko-KR" dirty="0"/>
-              <a:t>5. </a:t>
-            </a:r>
-            <a:r>
-              <a:rPr lang="ko-KR" altLang="en-US" dirty="0"/>
-              <a:t>그룹 </a:t>
+              <a:t>제한 여부 </a:t>
             </a:r>
             <a:endParaRPr lang="en-US" altLang="ko-KR" dirty="0"/>
           </a:p>
@@ -6132,7 +5607,7 @@
         </p:nvSpPr>
         <p:spPr>
           <a:xfrm>
-            <a:off x="6481310" y="1732068"/>
+            <a:off x="6345206" y="1732068"/>
             <a:ext cx="1087409" cy="269593"/>
           </a:xfrm>
           <a:prstGeom prst="roundRect">
@@ -6165,7 +5640,7 @@
             <a:pPr algn="ctr"/>
             <a:r>
               <a:rPr lang="ko-KR" altLang="en-US" sz="1400" dirty="0"/>
-              <a:t>그룹 생성</a:t>
+              <a:t>검색 </a:t>
             </a:r>
           </a:p>
         </p:txBody>
@@ -6185,7 +5660,7 @@
         <p:spPr>
           <a:xfrm>
             <a:off x="3014932" y="298594"/>
-            <a:ext cx="3925019" cy="461665"/>
+            <a:ext cx="6332268" cy="461665"/>
           </a:xfrm>
           <a:prstGeom prst="rect">
             <a:avLst/>
@@ -6200,7 +5675,7 @@
           <a:p>
             <a:r>
               <a:rPr lang="ko-KR" altLang="en-US" sz="2400" b="1" dirty="0"/>
-              <a:t>회원 관리 페이지</a:t>
+              <a:t>학생 관리 페이지</a:t>
             </a:r>
           </a:p>
         </p:txBody>
@@ -6254,6 +5729,45 @@
           </a:p>
         </p:txBody>
       </p:sp>
+      <p:sp>
+        <p:nvSpPr>
+          <p:cNvPr id="13" name="TextBox 12">
+            <a:extLst>
+              <a:ext uri="{FF2B5EF4-FFF2-40B4-BE49-F238E27FC236}">
+                <a16:creationId xmlns:a16="http://schemas.microsoft.com/office/drawing/2014/main" id="{28FBBF71-0767-F236-E893-77D5682535E4}"/>
+              </a:ext>
+            </a:extLst>
+          </p:cNvPr>
+          <p:cNvSpPr txBox="1"/>
+          <p:nvPr/>
+        </p:nvSpPr>
+        <p:spPr>
+          <a:xfrm>
+            <a:off x="3873260" y="5426015"/>
+            <a:ext cx="3053751" cy="369332"/>
+          </a:xfrm>
+          <a:prstGeom prst="rect">
+            <a:avLst/>
+          </a:prstGeom>
+          <a:noFill/>
+        </p:spPr>
+        <p:txBody>
+          <a:bodyPr wrap="square" rtlCol="0">
+            <a:spAutoFit/>
+          </a:bodyPr>
+          <a:lstStyle/>
+          <a:p>
+            <a:r>
+              <a:rPr lang="ko-KR" altLang="en-US" dirty="0" err="1"/>
+              <a:t>페이징</a:t>
+            </a:r>
+            <a:r>
+              <a:rPr lang="ko-KR" altLang="en-US" dirty="0"/>
+              <a:t> 처리</a:t>
+            </a:r>
+          </a:p>
+        </p:txBody>
+      </p:sp>
     </p:spTree>
     <p:extLst>
       <p:ext uri="{BB962C8B-B14F-4D97-AF65-F5344CB8AC3E}">
@@ -6267,7 +5781,7 @@
 </p:sld>
 </file>
 
-<file path=ppt/slides/slide5.xml><?xml version="1.0" encoding="utf-8"?>
+<file path=ppt/slides/slide4.xml><?xml version="1.0" encoding="utf-8"?>
 <p:sld xmlns:a="http://schemas.openxmlformats.org/drawingml/2006/main" xmlns:r="http://schemas.openxmlformats.org/officeDocument/2006/relationships" xmlns:p="http://schemas.openxmlformats.org/presentationml/2006/main">
   <p:cSld>
     <p:spTree>
@@ -6377,10 +5891,10 @@
       </p:sp>
       <p:sp>
         <p:nvSpPr>
-          <p:cNvPr id="4" name="TextBox 3">
-            <a:extLst>
-              <a:ext uri="{FF2B5EF4-FFF2-40B4-BE49-F238E27FC236}">
-                <a16:creationId xmlns:a16="http://schemas.microsoft.com/office/drawing/2014/main" id="{626BBFD3-FC4A-4B62-483D-282DB05C9945}"/>
+          <p:cNvPr id="11" name="TextBox 10">
+            <a:extLst>
+              <a:ext uri="{FF2B5EF4-FFF2-40B4-BE49-F238E27FC236}">
+                <a16:creationId xmlns:a16="http://schemas.microsoft.com/office/drawing/2014/main" id="{1AEA6046-B338-53E7-B8F3-F81D0BECC28B}"/>
               </a:ext>
             </a:extLst>
           </p:cNvPr>
@@ -6389,8 +5903,8 @@
         </p:nvSpPr>
         <p:spPr>
           <a:xfrm>
-            <a:off x="2932980" y="1086929"/>
-            <a:ext cx="5710687" cy="369332"/>
+            <a:off x="8781212" y="1866154"/>
+            <a:ext cx="3410788" cy="2585323"/>
           </a:xfrm>
           <a:prstGeom prst="rect">
             <a:avLst/>
@@ -6404,50 +5918,6 @@
           <a:lstStyle/>
           <a:p>
             <a:r>
-              <a:rPr lang="en-US" altLang="ko-KR" dirty="0">
-                <a:solidFill>
-                  <a:schemeClr val="bg1"/>
-                </a:solidFill>
-              </a:rPr>
-              <a:t>admin   session       menu1     menu2     menu3</a:t>
-            </a:r>
-            <a:endParaRPr lang="ko-KR" altLang="en-US" dirty="0">
-              <a:solidFill>
-                <a:schemeClr val="bg1"/>
-              </a:solidFill>
-            </a:endParaRPr>
-          </a:p>
-        </p:txBody>
-      </p:sp>
-      <p:sp>
-        <p:nvSpPr>
-          <p:cNvPr id="11" name="TextBox 10">
-            <a:extLst>
-              <a:ext uri="{FF2B5EF4-FFF2-40B4-BE49-F238E27FC236}">
-                <a16:creationId xmlns:a16="http://schemas.microsoft.com/office/drawing/2014/main" id="{1AEA6046-B338-53E7-B8F3-F81D0BECC28B}"/>
-              </a:ext>
-            </a:extLst>
-          </p:cNvPr>
-          <p:cNvSpPr txBox="1"/>
-          <p:nvPr/>
-        </p:nvSpPr>
-        <p:spPr>
-          <a:xfrm>
-            <a:off x="8781212" y="1866154"/>
-            <a:ext cx="3410788" cy="2862322"/>
-          </a:xfrm>
-          <a:prstGeom prst="rect">
-            <a:avLst/>
-          </a:prstGeom>
-          <a:noFill/>
-        </p:spPr>
-        <p:txBody>
-          <a:bodyPr wrap="square" rtlCol="0">
-            <a:spAutoFit/>
-          </a:bodyPr>
-          <a:lstStyle/>
-          <a:p>
-            <a:r>
               <a:rPr lang="ko-KR" altLang="en-US" dirty="0"/>
               <a:t>회원 상세 정보는</a:t>
             </a:r>
@@ -6467,11 +5937,11 @@
             </a:r>
             <a:r>
               <a:rPr lang="ko-KR" altLang="en-US" dirty="0"/>
-              <a:t>인 아이디 </a:t>
+              <a:t>인 아이디  </a:t>
             </a:r>
             <a:r>
               <a:rPr lang="en-US" altLang="ko-KR" dirty="0"/>
-              <a:t>(email) &lt;- read only</a:t>
+              <a:t>read only</a:t>
             </a:r>
           </a:p>
           <a:p>
@@ -6525,31 +5995,37 @@
             </a:pPr>
             <a:r>
               <a:rPr lang="ko-KR" altLang="en-US" dirty="0"/>
-              <a:t>작성한 게시물 </a:t>
-            </a:r>
+              <a:t>수업 수강 등록을 위해서 </a:t>
+            </a:r>
+            <a:endParaRPr lang="en-US" altLang="ko-KR" dirty="0"/>
+          </a:p>
+          <a:p>
             <a:r>
               <a:rPr lang="en-US" altLang="ko-KR" dirty="0"/>
-              <a:t>&lt;- </a:t>
+              <a:t>     </a:t>
             </a:r>
             <a:r>
               <a:rPr lang="ko-KR" altLang="en-US" dirty="0"/>
-              <a:t>테이블 형태로 보여주기 </a:t>
+              <a:t>표형태로 보여주고 </a:t>
             </a:r>
             <a:r>
               <a:rPr lang="en-US" altLang="ko-KR" dirty="0"/>
-              <a:t>&lt;- </a:t>
-            </a:r>
-            <a:r>
-              <a:rPr lang="en-US" altLang="ko-KR" dirty="0" err="1"/>
-              <a:t>url</a:t>
-            </a:r>
+              <a:t>y/n</a:t>
+            </a:r>
+            <a:r>
+              <a:rPr lang="ko-KR" altLang="en-US" dirty="0"/>
+              <a:t>으로</a:t>
+            </a:r>
+            <a:endParaRPr lang="en-US" altLang="ko-KR" dirty="0"/>
+          </a:p>
+          <a:p>
             <a:r>
               <a:rPr lang="en-US" altLang="ko-KR" dirty="0"/>
-              <a:t> </a:t>
+              <a:t>     alert</a:t>
             </a:r>
             <a:r>
               <a:rPr lang="ko-KR" altLang="en-US" dirty="0"/>
-              <a:t>타고 가서 볼 수 잇게</a:t>
+              <a:t>로 체크해주기</a:t>
             </a:r>
             <a:endParaRPr lang="en-US" altLang="ko-KR" dirty="0"/>
           </a:p>
@@ -7080,7 +6556,7 @@
         </p:nvSpPr>
         <p:spPr>
           <a:xfrm>
-            <a:off x="5065498" y="3064723"/>
+            <a:off x="5065497" y="3057407"/>
             <a:ext cx="1259341" cy="135832"/>
           </a:xfrm>
           <a:prstGeom prst="rect">
@@ -7139,19 +6615,367 @@
           <a:lstStyle/>
           <a:p>
             <a:r>
-              <a:rPr lang="en-US" altLang="ko-KR" sz="1200" b="1" dirty="0"/>
-              <a:t>group</a:t>
-            </a:r>
-            <a:endParaRPr lang="ko-KR" altLang="en-US" sz="1200" b="1" dirty="0"/>
-          </a:p>
-        </p:txBody>
-      </p:sp>
-      <p:sp>
-        <p:nvSpPr>
-          <p:cNvPr id="22" name="화살표: 아래쪽 21">
-            <a:extLst>
-              <a:ext uri="{FF2B5EF4-FFF2-40B4-BE49-F238E27FC236}">
-                <a16:creationId xmlns:a16="http://schemas.microsoft.com/office/drawing/2014/main" id="{9832CF41-AA2A-DE45-718A-7B79539A3DDB}"/>
+              <a:rPr lang="ko-KR" altLang="en-US" sz="1200" b="1" dirty="0"/>
+              <a:t>등록 연도</a:t>
+            </a:r>
+          </a:p>
+        </p:txBody>
+      </p:sp>
+      <p:sp>
+        <p:nvSpPr>
+          <p:cNvPr id="6" name="TextBox 5">
+            <a:extLst>
+              <a:ext uri="{FF2B5EF4-FFF2-40B4-BE49-F238E27FC236}">
+                <a16:creationId xmlns:a16="http://schemas.microsoft.com/office/drawing/2014/main" id="{FFA4D8EE-7AFB-43C7-E2C3-DCA718C884EF}"/>
+              </a:ext>
+            </a:extLst>
+          </p:cNvPr>
+          <p:cNvSpPr txBox="1"/>
+          <p:nvPr/>
+        </p:nvSpPr>
+        <p:spPr>
+          <a:xfrm>
+            <a:off x="2932980" y="1086929"/>
+            <a:ext cx="5710687" cy="369332"/>
+          </a:xfrm>
+          <a:prstGeom prst="rect">
+            <a:avLst/>
+          </a:prstGeom>
+          <a:noFill/>
+        </p:spPr>
+        <p:txBody>
+          <a:bodyPr wrap="square" rtlCol="0">
+            <a:spAutoFit/>
+          </a:bodyPr>
+          <a:lstStyle/>
+          <a:p>
+            <a:r>
+              <a:rPr lang="en-US" altLang="ko-KR" dirty="0">
+                <a:solidFill>
+                  <a:schemeClr val="bg1"/>
+                </a:solidFill>
+              </a:rPr>
+              <a:t>admin   session    </a:t>
+            </a:r>
+            <a:r>
+              <a:rPr lang="ko-KR" altLang="en-US" dirty="0">
+                <a:solidFill>
+                  <a:schemeClr val="bg1"/>
+                </a:solidFill>
+              </a:rPr>
+              <a:t>수업 등록</a:t>
+            </a:r>
+            <a:r>
+              <a:rPr lang="en-US" altLang="ko-KR" dirty="0">
+                <a:solidFill>
+                  <a:schemeClr val="bg1"/>
+                </a:solidFill>
+              </a:rPr>
+              <a:t>   </a:t>
+            </a:r>
+            <a:r>
+              <a:rPr lang="ko-KR" altLang="en-US" dirty="0">
+                <a:solidFill>
+                  <a:schemeClr val="bg1"/>
+                </a:solidFill>
+              </a:rPr>
+              <a:t>학생 관리 게시판 관리</a:t>
+            </a:r>
+          </a:p>
+        </p:txBody>
+      </p:sp>
+      <p:graphicFrame>
+        <p:nvGraphicFramePr>
+          <p:cNvPr id="9" name="표 6">
+            <a:extLst>
+              <a:ext uri="{FF2B5EF4-FFF2-40B4-BE49-F238E27FC236}">
+                <a16:creationId xmlns:a16="http://schemas.microsoft.com/office/drawing/2014/main" id="{12851C5B-9E2D-F7C9-6BC7-0EF8FBFCA696}"/>
+              </a:ext>
+            </a:extLst>
+          </p:cNvPr>
+          <p:cNvGraphicFramePr>
+            <a:graphicFrameLocks noGrp="1"/>
+          </p:cNvGraphicFramePr>
+          <p:nvPr>
+            <p:extLst>
+              <p:ext uri="{D42A27DB-BD31-4B8C-83A1-F6EECF244321}">
+                <p14:modId xmlns:p14="http://schemas.microsoft.com/office/powerpoint/2010/main" val="807755205"/>
+              </p:ext>
+            </p:extLst>
+          </p:nvPr>
+        </p:nvGraphicFramePr>
+        <p:xfrm>
+          <a:off x="4759563" y="3338540"/>
+          <a:ext cx="1731759" cy="1005840"/>
+        </p:xfrm>
+        <a:graphic>
+          <a:graphicData uri="http://schemas.openxmlformats.org/drawingml/2006/table">
+            <a:tbl>
+              <a:tblPr firstRow="1" bandRow="1">
+                <a:tableStyleId>{073A0DAA-6AF3-43AB-8588-CEC1D06C72B9}</a:tableStyleId>
+              </a:tblPr>
+              <a:tblGrid>
+                <a:gridCol w="599833">
+                  <a:extLst>
+                    <a:ext uri="{9D8B030D-6E8A-4147-A177-3AD203B41FA5}">
+                      <a16:colId xmlns:a16="http://schemas.microsoft.com/office/drawing/2014/main" val="4129194285"/>
+                    </a:ext>
+                  </a:extLst>
+                </a:gridCol>
+                <a:gridCol w="504348">
+                  <a:extLst>
+                    <a:ext uri="{9D8B030D-6E8A-4147-A177-3AD203B41FA5}">
+                      <a16:colId xmlns:a16="http://schemas.microsoft.com/office/drawing/2014/main" val="1492225368"/>
+                    </a:ext>
+                  </a:extLst>
+                </a:gridCol>
+                <a:gridCol w="627578">
+                  <a:extLst>
+                    <a:ext uri="{9D8B030D-6E8A-4147-A177-3AD203B41FA5}">
+                      <a16:colId xmlns:a16="http://schemas.microsoft.com/office/drawing/2014/main" val="12717990"/>
+                    </a:ext>
+                  </a:extLst>
+                </a:gridCol>
+              </a:tblGrid>
+              <a:tr h="152187">
+                <a:tc>
+                  <a:txBody>
+                    <a:bodyPr/>
+                    <a:lstStyle/>
+                    <a:p>
+                      <a:pPr algn="ctr" latinLnBrk="1"/>
+                      <a:r>
+                        <a:rPr lang="ko-KR" altLang="en-US" sz="700" dirty="0"/>
+                        <a:t>순서</a:t>
+                      </a:r>
+                    </a:p>
+                  </a:txBody>
+                  <a:tcPr/>
+                </a:tc>
+                <a:tc>
+                  <a:txBody>
+                    <a:bodyPr/>
+                    <a:lstStyle/>
+                    <a:p>
+                      <a:pPr algn="ctr" latinLnBrk="1"/>
+                      <a:r>
+                        <a:rPr lang="ko-KR" altLang="en-US" sz="700" dirty="0"/>
+                        <a:t>수업</a:t>
+                      </a:r>
+                    </a:p>
+                  </a:txBody>
+                  <a:tcPr/>
+                </a:tc>
+                <a:tc>
+                  <a:txBody>
+                    <a:bodyPr/>
+                    <a:lstStyle/>
+                    <a:p>
+                      <a:pPr algn="ctr" latinLnBrk="1"/>
+                      <a:r>
+                        <a:rPr lang="en-US" altLang="ko-KR" sz="700" dirty="0"/>
+                        <a:t> </a:t>
+                      </a:r>
+                      <a:r>
+                        <a:rPr lang="ko-KR" altLang="en-US" sz="700" dirty="0"/>
+                        <a:t>수강 </a:t>
+                      </a:r>
+                      <a:r>
+                        <a:rPr lang="en-US" altLang="ko-KR" sz="700" dirty="0"/>
+                        <a:t>y/n</a:t>
+                      </a:r>
+                      <a:endParaRPr lang="ko-KR" altLang="en-US" sz="700" dirty="0"/>
+                    </a:p>
+                  </a:txBody>
+                  <a:tcPr/>
+                </a:tc>
+                <a:extLst>
+                  <a:ext uri="{0D108BD9-81ED-4DB2-BD59-A6C34878D82A}">
+                    <a16:rowId xmlns:a16="http://schemas.microsoft.com/office/drawing/2014/main" val="1606789671"/>
+                  </a:ext>
+                </a:extLst>
+              </a:tr>
+              <a:tr h="128774">
+                <a:tc>
+                  <a:txBody>
+                    <a:bodyPr/>
+                    <a:lstStyle/>
+                    <a:p>
+                      <a:pPr algn="ctr" latinLnBrk="1"/>
+                      <a:r>
+                        <a:rPr lang="en-US" altLang="ko-KR" sz="500" dirty="0"/>
+                        <a:t>1</a:t>
+                      </a:r>
+                      <a:endParaRPr lang="ko-KR" altLang="en-US" sz="500" dirty="0"/>
+                    </a:p>
+                  </a:txBody>
+                  <a:tcPr/>
+                </a:tc>
+                <a:tc>
+                  <a:txBody>
+                    <a:bodyPr/>
+                    <a:lstStyle/>
+                    <a:p>
+                      <a:pPr algn="ctr" latinLnBrk="1"/>
+                      <a:r>
+                        <a:rPr lang="en-US" altLang="ko-KR" sz="500" dirty="0" err="1"/>
+                        <a:t>tkddnjs</a:t>
+                      </a:r>
+                      <a:endParaRPr lang="ko-KR" altLang="en-US" sz="500" dirty="0"/>
+                    </a:p>
+                  </a:txBody>
+                  <a:tcPr/>
+                </a:tc>
+                <a:tc>
+                  <a:txBody>
+                    <a:bodyPr/>
+                    <a:lstStyle/>
+                    <a:p>
+                      <a:pPr algn="ctr" latinLnBrk="1"/>
+                      <a:r>
+                        <a:rPr lang="ko-KR" altLang="en-US" sz="500" dirty="0"/>
+                        <a:t>이상원</a:t>
+                      </a:r>
+                    </a:p>
+                  </a:txBody>
+                  <a:tcPr/>
+                </a:tc>
+                <a:extLst>
+                  <a:ext uri="{0D108BD9-81ED-4DB2-BD59-A6C34878D82A}">
+                    <a16:rowId xmlns:a16="http://schemas.microsoft.com/office/drawing/2014/main" val="1251608280"/>
+                  </a:ext>
+                </a:extLst>
+              </a:tr>
+              <a:tr h="163894">
+                <a:tc>
+                  <a:txBody>
+                    <a:bodyPr/>
+                    <a:lstStyle/>
+                    <a:p>
+                      <a:pPr algn="ctr" latinLnBrk="1"/>
+                      <a:endParaRPr lang="ko-KR" altLang="en-US" sz="800" dirty="0"/>
+                    </a:p>
+                  </a:txBody>
+                  <a:tcPr/>
+                </a:tc>
+                <a:tc>
+                  <a:txBody>
+                    <a:bodyPr/>
+                    <a:lstStyle/>
+                    <a:p>
+                      <a:pPr algn="ctr" latinLnBrk="1"/>
+                      <a:endParaRPr lang="ko-KR" altLang="en-US" sz="800"/>
+                    </a:p>
+                  </a:txBody>
+                  <a:tcPr/>
+                </a:tc>
+                <a:tc>
+                  <a:txBody>
+                    <a:bodyPr/>
+                    <a:lstStyle/>
+                    <a:p>
+                      <a:pPr algn="ctr" latinLnBrk="1"/>
+                      <a:endParaRPr lang="ko-KR" altLang="en-US" sz="800" dirty="0"/>
+                    </a:p>
+                  </a:txBody>
+                  <a:tcPr/>
+                </a:tc>
+                <a:extLst>
+                  <a:ext uri="{0D108BD9-81ED-4DB2-BD59-A6C34878D82A}">
+                    <a16:rowId xmlns:a16="http://schemas.microsoft.com/office/drawing/2014/main" val="2860028759"/>
+                  </a:ext>
+                </a:extLst>
+              </a:tr>
+              <a:tr h="163894">
+                <a:tc>
+                  <a:txBody>
+                    <a:bodyPr/>
+                    <a:lstStyle/>
+                    <a:p>
+                      <a:pPr algn="ctr" latinLnBrk="1"/>
+                      <a:endParaRPr lang="ko-KR" altLang="en-US" sz="800"/>
+                    </a:p>
+                  </a:txBody>
+                  <a:tcPr/>
+                </a:tc>
+                <a:tc>
+                  <a:txBody>
+                    <a:bodyPr/>
+                    <a:lstStyle/>
+                    <a:p>
+                      <a:pPr algn="ctr" latinLnBrk="1"/>
+                      <a:endParaRPr lang="ko-KR" altLang="en-US" sz="800" dirty="0"/>
+                    </a:p>
+                  </a:txBody>
+                  <a:tcPr/>
+                </a:tc>
+                <a:tc>
+                  <a:txBody>
+                    <a:bodyPr/>
+                    <a:lstStyle/>
+                    <a:p>
+                      <a:pPr algn="ctr" latinLnBrk="1"/>
+                      <a:endParaRPr lang="ko-KR" altLang="en-US" sz="800"/>
+                    </a:p>
+                  </a:txBody>
+                  <a:tcPr/>
+                </a:tc>
+                <a:extLst>
+                  <a:ext uri="{0D108BD9-81ED-4DB2-BD59-A6C34878D82A}">
+                    <a16:rowId xmlns:a16="http://schemas.microsoft.com/office/drawing/2014/main" val="785271659"/>
+                  </a:ext>
+                </a:extLst>
+              </a:tr>
+              <a:tr h="163894">
+                <a:tc>
+                  <a:txBody>
+                    <a:bodyPr/>
+                    <a:lstStyle/>
+                    <a:p>
+                      <a:pPr algn="ctr" latinLnBrk="1"/>
+                      <a:endParaRPr lang="ko-KR" altLang="en-US" sz="800"/>
+                    </a:p>
+                  </a:txBody>
+                  <a:tcPr/>
+                </a:tc>
+                <a:tc>
+                  <a:txBody>
+                    <a:bodyPr/>
+                    <a:lstStyle/>
+                    <a:p>
+                      <a:pPr algn="ctr" latinLnBrk="1"/>
+                      <a:endParaRPr lang="ko-KR" altLang="en-US" sz="800" dirty="0"/>
+                    </a:p>
+                  </a:txBody>
+                  <a:tcPr/>
+                </a:tc>
+                <a:tc>
+                  <a:txBody>
+                    <a:bodyPr/>
+                    <a:lstStyle/>
+                    <a:p>
+                      <a:pPr algn="ctr" latinLnBrk="1"/>
+                      <a:endParaRPr lang="ko-KR" altLang="en-US" sz="800" dirty="0"/>
+                    </a:p>
+                  </a:txBody>
+                  <a:tcPr/>
+                </a:tc>
+                <a:extLst>
+                  <a:ext uri="{0D108BD9-81ED-4DB2-BD59-A6C34878D82A}">
+                    <a16:rowId xmlns:a16="http://schemas.microsoft.com/office/drawing/2014/main" val="2877861469"/>
+                  </a:ext>
+                </a:extLst>
+              </a:tr>
+            </a:tbl>
+          </a:graphicData>
+        </a:graphic>
+      </p:graphicFrame>
+      <p:sp>
+        <p:nvSpPr>
+          <p:cNvPr id="23" name="사각형: 둥근 모서리 22">
+            <a:extLst>
+              <a:ext uri="{FF2B5EF4-FFF2-40B4-BE49-F238E27FC236}">
+                <a16:creationId xmlns:a16="http://schemas.microsoft.com/office/drawing/2014/main" id="{725746E6-E30C-F9B7-DDE7-B19F0CBE9600}"/>
               </a:ext>
             </a:extLst>
           </p:cNvPr>
@@ -7160,12 +6984,15 @@
         </p:nvSpPr>
         <p:spPr>
           <a:xfrm>
-            <a:off x="6096000" y="3075357"/>
-            <a:ext cx="198408" cy="133092"/>
+            <a:off x="6370843" y="3003900"/>
+            <a:ext cx="705212" cy="198185"/>
           </a:xfrm>
-          <a:prstGeom prst="downArrow">
+          <a:prstGeom prst="roundRect">
             <a:avLst/>
           </a:prstGeom>
+          <a:solidFill>
+            <a:schemeClr val="tx1"/>
+          </a:solidFill>
         </p:spPr>
         <p:style>
           <a:lnRef idx="2">
@@ -7188,44 +7015,983 @@
           <a:lstStyle/>
           <a:p>
             <a:pPr algn="ctr"/>
-            <a:endParaRPr lang="ko-KR" altLang="en-US"/>
-          </a:p>
-        </p:txBody>
-      </p:sp>
-      <p:pic>
-        <p:nvPicPr>
-          <p:cNvPr id="24" name="그림 23">
-            <a:extLst>
-              <a:ext uri="{FF2B5EF4-FFF2-40B4-BE49-F238E27FC236}">
-                <a16:creationId xmlns:a16="http://schemas.microsoft.com/office/drawing/2014/main" id="{5FD6AD50-4C39-A0EA-6EED-9B8568BEC86D}"/>
-              </a:ext>
-            </a:extLst>
-          </p:cNvPr>
-          <p:cNvPicPr>
-            <a:picLocks noChangeAspect="1"/>
-          </p:cNvPicPr>
+            <a:r>
+              <a:rPr lang="ko-KR" altLang="en-US" sz="1400" dirty="0"/>
+              <a:t>검색 </a:t>
+            </a:r>
+          </a:p>
+        </p:txBody>
+      </p:sp>
+    </p:spTree>
+    <p:extLst>
+      <p:ext uri="{BB962C8B-B14F-4D97-AF65-F5344CB8AC3E}">
+        <p14:creationId xmlns:p14="http://schemas.microsoft.com/office/powerpoint/2010/main" val="3227195126"/>
+      </p:ext>
+    </p:extLst>
+  </p:cSld>
+  <p:clrMapOvr>
+    <a:masterClrMapping/>
+  </p:clrMapOvr>
+</p:sld>
+</file>
+
+<file path=ppt/slides/slide5.xml><?xml version="1.0" encoding="utf-8"?>
+<p:sld xmlns:a="http://schemas.openxmlformats.org/drawingml/2006/main" xmlns:r="http://schemas.openxmlformats.org/officeDocument/2006/relationships" xmlns:p="http://schemas.openxmlformats.org/presentationml/2006/main">
+  <p:cSld>
+    <p:spTree>
+      <p:nvGrpSpPr>
+        <p:cNvPr id="1" name=""/>
+        <p:cNvGrpSpPr/>
+        <p:nvPr/>
+      </p:nvGrpSpPr>
+      <p:grpSpPr>
+        <a:xfrm>
+          <a:off x="0" y="0"/>
+          <a:ext cx="0" cy="0"/>
+          <a:chOff x="0" y="0"/>
+          <a:chExt cx="0" cy="0"/>
+        </a:xfrm>
+      </p:grpSpPr>
+      <p:sp>
+        <p:nvSpPr>
+          <p:cNvPr id="2" name="직사각형 1">
+            <a:extLst>
+              <a:ext uri="{FF2B5EF4-FFF2-40B4-BE49-F238E27FC236}">
+                <a16:creationId xmlns:a16="http://schemas.microsoft.com/office/drawing/2014/main" id="{4ED72886-887B-B821-3893-51B3065CB47B}"/>
+              </a:ext>
+            </a:extLst>
+          </p:cNvPr>
+          <p:cNvSpPr/>
           <p:nvPr/>
-        </p:nvPicPr>
-        <p:blipFill>
-          <a:blip r:embed="rId2"/>
-          <a:stretch>
-            <a:fillRect/>
-          </a:stretch>
-        </p:blipFill>
+        </p:nvSpPr>
         <p:spPr>
           <a:xfrm>
-            <a:off x="4470620" y="3286913"/>
-            <a:ext cx="2154482" cy="1037314"/>
+            <a:off x="2844800" y="1086929"/>
+            <a:ext cx="5911011" cy="3780636"/>
           </a:xfrm>
           <a:prstGeom prst="rect">
             <a:avLst/>
           </a:prstGeom>
         </p:spPr>
-      </p:pic>
+        <p:style>
+          <a:lnRef idx="2">
+            <a:schemeClr val="dk1"/>
+          </a:lnRef>
+          <a:fillRef idx="1">
+            <a:schemeClr val="lt1"/>
+          </a:fillRef>
+          <a:effectRef idx="0">
+            <a:schemeClr val="dk1"/>
+          </a:effectRef>
+          <a:fontRef idx="minor">
+            <a:schemeClr val="dk1"/>
+          </a:fontRef>
+        </p:style>
+        <p:txBody>
+          <a:bodyPr rtlCol="0" anchor="ctr"/>
+          <a:lstStyle/>
+          <a:p>
+            <a:pPr algn="ctr"/>
+            <a:endParaRPr lang="ko-KR" altLang="en-US"/>
+          </a:p>
+        </p:txBody>
+      </p:sp>
+      <p:sp>
+        <p:nvSpPr>
+          <p:cNvPr id="3" name="직사각형 2">
+            <a:extLst>
+              <a:ext uri="{FF2B5EF4-FFF2-40B4-BE49-F238E27FC236}">
+                <a16:creationId xmlns:a16="http://schemas.microsoft.com/office/drawing/2014/main" id="{C7C2E214-6A9F-D377-52BD-56684A274FCB}"/>
+              </a:ext>
+            </a:extLst>
+          </p:cNvPr>
+          <p:cNvSpPr/>
+          <p:nvPr/>
+        </p:nvSpPr>
+        <p:spPr>
+          <a:xfrm>
+            <a:off x="2844800" y="1086929"/>
+            <a:ext cx="5911011" cy="439946"/>
+          </a:xfrm>
+          <a:prstGeom prst="rect">
+            <a:avLst/>
+          </a:prstGeom>
+          <a:solidFill>
+            <a:schemeClr val="tx1"/>
+          </a:solidFill>
+        </p:spPr>
+        <p:style>
+          <a:lnRef idx="2">
+            <a:schemeClr val="dk1"/>
+          </a:lnRef>
+          <a:fillRef idx="1">
+            <a:schemeClr val="lt1"/>
+          </a:fillRef>
+          <a:effectRef idx="0">
+            <a:schemeClr val="dk1"/>
+          </a:effectRef>
+          <a:fontRef idx="minor">
+            <a:schemeClr val="dk1"/>
+          </a:fontRef>
+        </p:style>
+        <p:txBody>
+          <a:bodyPr rtlCol="0" anchor="ctr"/>
+          <a:lstStyle/>
+          <a:p>
+            <a:pPr algn="ctr"/>
+            <a:endParaRPr lang="ko-KR" altLang="en-US"/>
+          </a:p>
+        </p:txBody>
+      </p:sp>
+      <p:sp>
+        <p:nvSpPr>
+          <p:cNvPr id="4" name="TextBox 3">
+            <a:extLst>
+              <a:ext uri="{FF2B5EF4-FFF2-40B4-BE49-F238E27FC236}">
+                <a16:creationId xmlns:a16="http://schemas.microsoft.com/office/drawing/2014/main" id="{626BBFD3-FC4A-4B62-483D-282DB05C9945}"/>
+              </a:ext>
+            </a:extLst>
+          </p:cNvPr>
+          <p:cNvSpPr txBox="1"/>
+          <p:nvPr/>
+        </p:nvSpPr>
+        <p:spPr>
+          <a:xfrm>
+            <a:off x="2932981" y="1086929"/>
+            <a:ext cx="3528204" cy="369332"/>
+          </a:xfrm>
+          <a:prstGeom prst="rect">
+            <a:avLst/>
+          </a:prstGeom>
+          <a:noFill/>
+        </p:spPr>
+        <p:txBody>
+          <a:bodyPr wrap="square" rtlCol="0">
+            <a:spAutoFit/>
+          </a:bodyPr>
+          <a:lstStyle/>
+          <a:p>
+            <a:r>
+              <a:rPr lang="en-US" altLang="ko-KR" dirty="0">
+                <a:solidFill>
+                  <a:schemeClr val="bg1"/>
+                </a:solidFill>
+              </a:rPr>
+              <a:t>Navbar   login/sign       menu</a:t>
+            </a:r>
+            <a:endParaRPr lang="ko-KR" altLang="en-US" dirty="0">
+              <a:solidFill>
+                <a:schemeClr val="bg1"/>
+              </a:solidFill>
+            </a:endParaRPr>
+          </a:p>
+        </p:txBody>
+      </p:sp>
+      <p:sp>
+        <p:nvSpPr>
+          <p:cNvPr id="5" name="사각형: 둥근 모서리 4">
+            <a:extLst>
+              <a:ext uri="{FF2B5EF4-FFF2-40B4-BE49-F238E27FC236}">
+                <a16:creationId xmlns:a16="http://schemas.microsoft.com/office/drawing/2014/main" id="{47662129-CC6D-0BCD-2A08-A5D994A07AF1}"/>
+              </a:ext>
+            </a:extLst>
+          </p:cNvPr>
+          <p:cNvSpPr/>
+          <p:nvPr/>
+        </p:nvSpPr>
+        <p:spPr>
+          <a:xfrm>
+            <a:off x="7030528" y="1191247"/>
+            <a:ext cx="1535502" cy="231310"/>
+          </a:xfrm>
+          <a:prstGeom prst="roundRect">
+            <a:avLst/>
+          </a:prstGeom>
+        </p:spPr>
+        <p:style>
+          <a:lnRef idx="2">
+            <a:schemeClr val="dk1"/>
+          </a:lnRef>
+          <a:fillRef idx="1">
+            <a:schemeClr val="lt1"/>
+          </a:fillRef>
+          <a:effectRef idx="0">
+            <a:schemeClr val="dk1"/>
+          </a:effectRef>
+          <a:fontRef idx="minor">
+            <a:schemeClr val="dk1"/>
+          </a:fontRef>
+        </p:style>
+        <p:txBody>
+          <a:bodyPr rtlCol="0" anchor="ctr"/>
+          <a:lstStyle/>
+          <a:p>
+            <a:pPr algn="ctr"/>
+            <a:r>
+              <a:rPr lang="en-US" altLang="ko-KR" dirty="0"/>
+              <a:t>search</a:t>
+            </a:r>
+            <a:endParaRPr lang="ko-KR" altLang="en-US" dirty="0"/>
+          </a:p>
+        </p:txBody>
+      </p:sp>
+      <p:sp>
+        <p:nvSpPr>
+          <p:cNvPr id="6" name="TextBox 5">
+            <a:extLst>
+              <a:ext uri="{FF2B5EF4-FFF2-40B4-BE49-F238E27FC236}">
+                <a16:creationId xmlns:a16="http://schemas.microsoft.com/office/drawing/2014/main" id="{124057AD-3A62-2BA4-1B16-A9AFDC8D9764}"/>
+              </a:ext>
+            </a:extLst>
+          </p:cNvPr>
+          <p:cNvSpPr txBox="1"/>
+          <p:nvPr/>
+        </p:nvSpPr>
+        <p:spPr>
+          <a:xfrm>
+            <a:off x="3014932" y="298594"/>
+            <a:ext cx="3925019" cy="461665"/>
+          </a:xfrm>
+          <a:prstGeom prst="rect">
+            <a:avLst/>
+          </a:prstGeom>
+          <a:noFill/>
+        </p:spPr>
+        <p:txBody>
+          <a:bodyPr wrap="square" rtlCol="0">
+            <a:spAutoFit/>
+          </a:bodyPr>
+          <a:lstStyle/>
+          <a:p>
+            <a:r>
+              <a:rPr lang="ko-KR" altLang="en-US" sz="2400" b="1" dirty="0"/>
+              <a:t>게시판 관리 페이지</a:t>
+            </a:r>
+          </a:p>
+        </p:txBody>
+      </p:sp>
+      <p:graphicFrame>
+        <p:nvGraphicFramePr>
+          <p:cNvPr id="7" name="표 6">
+            <a:extLst>
+              <a:ext uri="{FF2B5EF4-FFF2-40B4-BE49-F238E27FC236}">
+                <a16:creationId xmlns:a16="http://schemas.microsoft.com/office/drawing/2014/main" id="{DF719AA5-0248-13AB-BFD2-697E2D1E5E15}"/>
+              </a:ext>
+            </a:extLst>
+          </p:cNvPr>
+          <p:cNvGraphicFramePr>
+            <a:graphicFrameLocks noGrp="1"/>
+          </p:cNvGraphicFramePr>
+          <p:nvPr>
+            <p:extLst>
+              <p:ext uri="{D42A27DB-BD31-4B8C-83A1-F6EECF244321}">
+                <p14:modId xmlns:p14="http://schemas.microsoft.com/office/powerpoint/2010/main" val="166023874"/>
+              </p:ext>
+            </p:extLst>
+          </p:nvPr>
+        </p:nvGraphicFramePr>
+        <p:xfrm>
+          <a:off x="3706600" y="2746887"/>
+          <a:ext cx="4410857" cy="1565268"/>
+        </p:xfrm>
+        <a:graphic>
+          <a:graphicData uri="http://schemas.openxmlformats.org/drawingml/2006/table">
+            <a:tbl>
+              <a:tblPr firstRow="1" bandRow="1">
+                <a:tableStyleId>{073A0DAA-6AF3-43AB-8588-CEC1D06C72B9}</a:tableStyleId>
+              </a:tblPr>
+              <a:tblGrid>
+                <a:gridCol w="779532">
+                  <a:extLst>
+                    <a:ext uri="{9D8B030D-6E8A-4147-A177-3AD203B41FA5}">
+                      <a16:colId xmlns:a16="http://schemas.microsoft.com/office/drawing/2014/main" val="4129194285"/>
+                    </a:ext>
+                  </a:extLst>
+                </a:gridCol>
+                <a:gridCol w="1202889">
+                  <a:extLst>
+                    <a:ext uri="{9D8B030D-6E8A-4147-A177-3AD203B41FA5}">
+                      <a16:colId xmlns:a16="http://schemas.microsoft.com/office/drawing/2014/main" val="1492225368"/>
+                    </a:ext>
+                  </a:extLst>
+                </a:gridCol>
+                <a:gridCol w="1250640">
+                  <a:extLst>
+                    <a:ext uri="{9D8B030D-6E8A-4147-A177-3AD203B41FA5}">
+                      <a16:colId xmlns:a16="http://schemas.microsoft.com/office/drawing/2014/main" val="12717990"/>
+                    </a:ext>
+                  </a:extLst>
+                </a:gridCol>
+                <a:gridCol w="1177796">
+                  <a:extLst>
+                    <a:ext uri="{9D8B030D-6E8A-4147-A177-3AD203B41FA5}">
+                      <a16:colId xmlns:a16="http://schemas.microsoft.com/office/drawing/2014/main" val="3694013642"/>
+                    </a:ext>
+                  </a:extLst>
+                </a:gridCol>
+              </a:tblGrid>
+              <a:tr h="296359">
+                <a:tc>
+                  <a:txBody>
+                    <a:bodyPr/>
+                    <a:lstStyle/>
+                    <a:p>
+                      <a:pPr latinLnBrk="1"/>
+                      <a:r>
+                        <a:rPr lang="ko-KR" altLang="en-US" sz="1400" dirty="0"/>
+                        <a:t>순서</a:t>
+                      </a:r>
+                    </a:p>
+                  </a:txBody>
+                  <a:tcPr/>
+                </a:tc>
+                <a:tc>
+                  <a:txBody>
+                    <a:bodyPr/>
+                    <a:lstStyle/>
+                    <a:p>
+                      <a:pPr latinLnBrk="1"/>
+                      <a:r>
+                        <a:rPr lang="ko-KR" altLang="en-US" sz="1200" dirty="0"/>
+                        <a:t>등록 연도</a:t>
+                      </a:r>
+                    </a:p>
+                  </a:txBody>
+                  <a:tcPr/>
+                </a:tc>
+                <a:tc>
+                  <a:txBody>
+                    <a:bodyPr/>
+                    <a:lstStyle/>
+                    <a:p>
+                      <a:pPr latinLnBrk="1"/>
+                      <a:r>
+                        <a:rPr lang="ko-KR" altLang="en-US" sz="1200" dirty="0"/>
+                        <a:t>등록 수업</a:t>
+                      </a:r>
+                    </a:p>
+                  </a:txBody>
+                  <a:tcPr/>
+                </a:tc>
+                <a:tc>
+                  <a:txBody>
+                    <a:bodyPr/>
+                    <a:lstStyle/>
+                    <a:p>
+                      <a:pPr latinLnBrk="1"/>
+                      <a:r>
+                        <a:rPr lang="ko-KR" altLang="en-US" sz="1400" dirty="0"/>
+                        <a:t>게시판</a:t>
+                      </a:r>
+                    </a:p>
+                  </a:txBody>
+                  <a:tcPr/>
+                </a:tc>
+                <a:extLst>
+                  <a:ext uri="{0D108BD9-81ED-4DB2-BD59-A6C34878D82A}">
+                    <a16:rowId xmlns:a16="http://schemas.microsoft.com/office/drawing/2014/main" val="1606789671"/>
+                  </a:ext>
+                </a:extLst>
+              </a:tr>
+              <a:tr h="298236">
+                <a:tc rowSpan="3">
+                  <a:txBody>
+                    <a:bodyPr/>
+                    <a:lstStyle/>
+                    <a:p>
+                      <a:pPr algn="ctr" latinLnBrk="1"/>
+                      <a:endParaRPr lang="en-US" altLang="ko-KR" sz="1200" dirty="0"/>
+                    </a:p>
+                    <a:p>
+                      <a:pPr algn="ctr" latinLnBrk="1"/>
+                      <a:endParaRPr lang="en-US" altLang="ko-KR" sz="1200" dirty="0"/>
+                    </a:p>
+                    <a:p>
+                      <a:pPr algn="ctr" latinLnBrk="1"/>
+                      <a:r>
+                        <a:rPr lang="en-US" altLang="ko-KR" sz="1200" dirty="0"/>
+                        <a:t>1</a:t>
+                      </a:r>
+                      <a:endParaRPr lang="ko-KR" altLang="en-US" sz="1200" dirty="0"/>
+                    </a:p>
+                  </a:txBody>
+                  <a:tcPr/>
+                </a:tc>
+                <a:tc rowSpan="3">
+                  <a:txBody>
+                    <a:bodyPr/>
+                    <a:lstStyle/>
+                    <a:p>
+                      <a:pPr algn="ctr" latinLnBrk="1"/>
+                      <a:endParaRPr lang="en-US" altLang="ko-KR" sz="1200" dirty="0"/>
+                    </a:p>
+                    <a:p>
+                      <a:pPr algn="ctr" latinLnBrk="1"/>
+                      <a:endParaRPr lang="en-US" altLang="ko-KR" sz="1200" dirty="0"/>
+                    </a:p>
+                    <a:p>
+                      <a:pPr algn="ctr" latinLnBrk="1"/>
+                      <a:r>
+                        <a:rPr lang="en-US" altLang="ko-KR" sz="1200" dirty="0"/>
+                        <a:t>2022 02</a:t>
+                      </a:r>
+                      <a:endParaRPr lang="ko-KR" altLang="en-US" sz="1200" dirty="0"/>
+                    </a:p>
+                  </a:txBody>
+                  <a:tcPr/>
+                </a:tc>
+                <a:tc rowSpan="3">
+                  <a:txBody>
+                    <a:bodyPr/>
+                    <a:lstStyle/>
+                    <a:p>
+                      <a:pPr algn="ctr" latinLnBrk="1"/>
+                      <a:endParaRPr lang="en-US" altLang="ko-KR" sz="1200" dirty="0">
+                        <a:solidFill>
+                          <a:srgbClr val="0070C0"/>
+                        </a:solidFill>
+                      </a:endParaRPr>
+                    </a:p>
+                    <a:p>
+                      <a:pPr algn="ctr" latinLnBrk="1"/>
+                      <a:endParaRPr lang="en-US" altLang="ko-KR" sz="1200" dirty="0">
+                        <a:solidFill>
+                          <a:srgbClr val="0070C0"/>
+                        </a:solidFill>
+                      </a:endParaRPr>
+                    </a:p>
+                    <a:p>
+                      <a:pPr algn="ctr" latinLnBrk="1"/>
+                      <a:r>
+                        <a:rPr lang="ko-KR" altLang="en-US" sz="1200" dirty="0">
+                          <a:solidFill>
+                            <a:srgbClr val="0070C0"/>
+                          </a:solidFill>
+                        </a:rPr>
+                        <a:t>임베디드</a:t>
+                      </a:r>
+                    </a:p>
+                  </a:txBody>
+                  <a:tcPr/>
+                </a:tc>
+                <a:tc>
+                  <a:txBody>
+                    <a:bodyPr/>
+                    <a:lstStyle/>
+                    <a:p>
+                      <a:pPr algn="ctr" latinLnBrk="1"/>
+                      <a:r>
+                        <a:rPr lang="ko-KR" altLang="en-US" sz="1200" dirty="0"/>
+                        <a:t>공지사항</a:t>
+                      </a:r>
+                    </a:p>
+                  </a:txBody>
+                  <a:tcPr/>
+                </a:tc>
+                <a:extLst>
+                  <a:ext uri="{0D108BD9-81ED-4DB2-BD59-A6C34878D82A}">
+                    <a16:rowId xmlns:a16="http://schemas.microsoft.com/office/drawing/2014/main" val="1251608280"/>
+                  </a:ext>
+                </a:extLst>
+              </a:tr>
+              <a:tr h="298236">
+                <a:tc vMerge="1">
+                  <a:txBody>
+                    <a:bodyPr/>
+                    <a:lstStyle/>
+                    <a:p>
+                      <a:pPr latinLnBrk="1"/>
+                      <a:endParaRPr lang="ko-KR" altLang="en-US" dirty="0"/>
+                    </a:p>
+                  </a:txBody>
+                  <a:tcPr/>
+                </a:tc>
+                <a:tc vMerge="1">
+                  <a:txBody>
+                    <a:bodyPr/>
+                    <a:lstStyle/>
+                    <a:p>
+                      <a:pPr algn="ctr" latinLnBrk="1"/>
+                      <a:endParaRPr lang="ko-KR" altLang="en-US" sz="1200" dirty="0"/>
+                    </a:p>
+                  </a:txBody>
+                  <a:tcPr/>
+                </a:tc>
+                <a:tc vMerge="1">
+                  <a:txBody>
+                    <a:bodyPr/>
+                    <a:lstStyle/>
+                    <a:p>
+                      <a:pPr algn="ctr" latinLnBrk="1"/>
+                      <a:endParaRPr lang="ko-KR" altLang="en-US" sz="1200" dirty="0"/>
+                    </a:p>
+                  </a:txBody>
+                  <a:tcPr/>
+                </a:tc>
+                <a:tc>
+                  <a:txBody>
+                    <a:bodyPr/>
+                    <a:lstStyle/>
+                    <a:p>
+                      <a:pPr algn="ctr" latinLnBrk="1"/>
+                      <a:r>
+                        <a:rPr lang="ko-KR" altLang="en-US" sz="1200" dirty="0"/>
+                        <a:t>수업자료</a:t>
+                      </a:r>
+                    </a:p>
+                  </a:txBody>
+                  <a:tcPr/>
+                </a:tc>
+                <a:extLst>
+                  <a:ext uri="{0D108BD9-81ED-4DB2-BD59-A6C34878D82A}">
+                    <a16:rowId xmlns:a16="http://schemas.microsoft.com/office/drawing/2014/main" val="2860028759"/>
+                  </a:ext>
+                </a:extLst>
+              </a:tr>
+              <a:tr h="298236">
+                <a:tc vMerge="1">
+                  <a:txBody>
+                    <a:bodyPr/>
+                    <a:lstStyle/>
+                    <a:p>
+                      <a:pPr latinLnBrk="1"/>
+                      <a:endParaRPr lang="ko-KR" altLang="en-US" dirty="0"/>
+                    </a:p>
+                  </a:txBody>
+                  <a:tcPr/>
+                </a:tc>
+                <a:tc vMerge="1">
+                  <a:txBody>
+                    <a:bodyPr/>
+                    <a:lstStyle/>
+                    <a:p>
+                      <a:pPr algn="ctr" latinLnBrk="1"/>
+                      <a:endParaRPr lang="ko-KR" altLang="en-US" sz="1200" dirty="0"/>
+                    </a:p>
+                  </a:txBody>
+                  <a:tcPr/>
+                </a:tc>
+                <a:tc vMerge="1">
+                  <a:txBody>
+                    <a:bodyPr/>
+                    <a:lstStyle/>
+                    <a:p>
+                      <a:pPr algn="ctr" latinLnBrk="1"/>
+                      <a:endParaRPr lang="ko-KR" altLang="en-US" sz="1200" dirty="0"/>
+                    </a:p>
+                  </a:txBody>
+                  <a:tcPr/>
+                </a:tc>
+                <a:tc>
+                  <a:txBody>
+                    <a:bodyPr/>
+                    <a:lstStyle/>
+                    <a:p>
+                      <a:pPr algn="ctr" latinLnBrk="1"/>
+                      <a:r>
+                        <a:rPr lang="en-US" altLang="ko-KR" sz="1200" dirty="0"/>
+                        <a:t>Q&amp;A</a:t>
+                      </a:r>
+                      <a:endParaRPr lang="ko-KR" altLang="en-US" sz="1200" dirty="0"/>
+                    </a:p>
+                  </a:txBody>
+                  <a:tcPr/>
+                </a:tc>
+                <a:extLst>
+                  <a:ext uri="{0D108BD9-81ED-4DB2-BD59-A6C34878D82A}">
+                    <a16:rowId xmlns:a16="http://schemas.microsoft.com/office/drawing/2014/main" val="785271659"/>
+                  </a:ext>
+                </a:extLst>
+              </a:tr>
+              <a:tr h="355631">
+                <a:tc>
+                  <a:txBody>
+                    <a:bodyPr/>
+                    <a:lstStyle/>
+                    <a:p>
+                      <a:pPr latinLnBrk="1"/>
+                      <a:r>
+                        <a:rPr lang="en-US" altLang="ko-KR" dirty="0"/>
+                        <a:t>2</a:t>
+                      </a:r>
+                      <a:endParaRPr lang="ko-KR" altLang="en-US" dirty="0"/>
+                    </a:p>
+                  </a:txBody>
+                  <a:tcPr/>
+                </a:tc>
+                <a:tc>
+                  <a:txBody>
+                    <a:bodyPr/>
+                    <a:lstStyle/>
+                    <a:p>
+                      <a:pPr algn="ctr" latinLnBrk="1"/>
+                      <a:r>
+                        <a:rPr lang="en-US" altLang="ko-KR" sz="1200" dirty="0"/>
+                        <a:t>202202</a:t>
+                      </a:r>
+                      <a:endParaRPr lang="ko-KR" altLang="en-US" sz="1200" dirty="0"/>
+                    </a:p>
+                  </a:txBody>
+                  <a:tcPr/>
+                </a:tc>
+                <a:tc>
+                  <a:txBody>
+                    <a:bodyPr/>
+                    <a:lstStyle/>
+                    <a:p>
+                      <a:pPr algn="ctr" latinLnBrk="1"/>
+                      <a:r>
+                        <a:rPr lang="ko-KR" altLang="en-US" sz="1200" dirty="0">
+                          <a:solidFill>
+                            <a:srgbClr val="0070C0"/>
+                          </a:solidFill>
+                        </a:rPr>
+                        <a:t>컴퓨터 구조</a:t>
+                      </a:r>
+                    </a:p>
+                  </a:txBody>
+                  <a:tcPr/>
+                </a:tc>
+                <a:tc>
+                  <a:txBody>
+                    <a:bodyPr/>
+                    <a:lstStyle/>
+                    <a:p>
+                      <a:pPr algn="ctr" latinLnBrk="1"/>
+                      <a:r>
+                        <a:rPr lang="ko-KR" altLang="en-US" sz="1200" dirty="0"/>
+                        <a:t>공지사항</a:t>
+                      </a:r>
+                    </a:p>
+                  </a:txBody>
+                  <a:tcPr/>
+                </a:tc>
+                <a:extLst>
+                  <a:ext uri="{0D108BD9-81ED-4DB2-BD59-A6C34878D82A}">
+                    <a16:rowId xmlns:a16="http://schemas.microsoft.com/office/drawing/2014/main" val="2877861469"/>
+                  </a:ext>
+                </a:extLst>
+              </a:tr>
+            </a:tbl>
+          </a:graphicData>
+        </a:graphic>
+      </p:graphicFrame>
+      <p:sp>
+        <p:nvSpPr>
+          <p:cNvPr id="8" name="직사각형 7">
+            <a:extLst>
+              <a:ext uri="{FF2B5EF4-FFF2-40B4-BE49-F238E27FC236}">
+                <a16:creationId xmlns:a16="http://schemas.microsoft.com/office/drawing/2014/main" id="{E9FF610E-21EA-0799-ADE5-1569D8F4A625}"/>
+              </a:ext>
+            </a:extLst>
+          </p:cNvPr>
+          <p:cNvSpPr/>
+          <p:nvPr/>
+        </p:nvSpPr>
+        <p:spPr>
+          <a:xfrm>
+            <a:off x="4506457" y="2226181"/>
+            <a:ext cx="1259341" cy="135832"/>
+          </a:xfrm>
+          <a:prstGeom prst="rect">
+            <a:avLst/>
+          </a:prstGeom>
+        </p:spPr>
+        <p:style>
+          <a:lnRef idx="2">
+            <a:schemeClr val="dk1"/>
+          </a:lnRef>
+          <a:fillRef idx="1">
+            <a:schemeClr val="lt1"/>
+          </a:fillRef>
+          <a:effectRef idx="0">
+            <a:schemeClr val="dk1"/>
+          </a:effectRef>
+          <a:fontRef idx="minor">
+            <a:schemeClr val="dk1"/>
+          </a:fontRef>
+        </p:style>
+        <p:txBody>
+          <a:bodyPr rtlCol="0" anchor="ctr"/>
+          <a:lstStyle/>
+          <a:p>
+            <a:pPr algn="ctr"/>
+            <a:r>
+              <a:rPr lang="ko-KR" altLang="en-US" dirty="0"/>
+              <a:t>현재 학기 기준</a:t>
+            </a:r>
+          </a:p>
+        </p:txBody>
+      </p:sp>
+      <p:sp>
+        <p:nvSpPr>
+          <p:cNvPr id="9" name="TextBox 8">
+            <a:extLst>
+              <a:ext uri="{FF2B5EF4-FFF2-40B4-BE49-F238E27FC236}">
+                <a16:creationId xmlns:a16="http://schemas.microsoft.com/office/drawing/2014/main" id="{693D45B1-23D0-55D0-6318-FFB2FFDE1269}"/>
+              </a:ext>
+            </a:extLst>
+          </p:cNvPr>
+          <p:cNvSpPr txBox="1"/>
+          <p:nvPr/>
+        </p:nvSpPr>
+        <p:spPr>
+          <a:xfrm>
+            <a:off x="3573007" y="2092785"/>
+            <a:ext cx="987847" cy="461665"/>
+          </a:xfrm>
+          <a:prstGeom prst="rect">
+            <a:avLst/>
+          </a:prstGeom>
+          <a:noFill/>
+        </p:spPr>
+        <p:txBody>
+          <a:bodyPr wrap="square" rtlCol="0">
+            <a:spAutoFit/>
+          </a:bodyPr>
+          <a:lstStyle/>
+          <a:p>
+            <a:r>
+              <a:rPr lang="ko-KR" altLang="en-US" sz="1200" b="1" dirty="0"/>
+              <a:t>수업 연도</a:t>
+            </a:r>
+            <a:br>
+              <a:rPr lang="en-US" altLang="ko-KR" sz="1200" b="1" dirty="0"/>
+            </a:br>
+            <a:r>
+              <a:rPr lang="ko-KR" altLang="en-US" sz="1200" b="1" dirty="0"/>
+              <a:t>활성화</a:t>
+            </a:r>
+          </a:p>
+        </p:txBody>
+      </p:sp>
+      <p:sp>
+        <p:nvSpPr>
+          <p:cNvPr id="10" name="사각형: 둥근 모서리 9">
+            <a:extLst>
+              <a:ext uri="{FF2B5EF4-FFF2-40B4-BE49-F238E27FC236}">
+                <a16:creationId xmlns:a16="http://schemas.microsoft.com/office/drawing/2014/main" id="{CCC191D1-EB69-58D5-2EFF-BB6FE50CB48A}"/>
+              </a:ext>
+            </a:extLst>
+          </p:cNvPr>
+          <p:cNvSpPr/>
+          <p:nvPr/>
+        </p:nvSpPr>
+        <p:spPr>
+          <a:xfrm>
+            <a:off x="5811803" y="2172674"/>
+            <a:ext cx="705212" cy="198185"/>
+          </a:xfrm>
+          <a:prstGeom prst="roundRect">
+            <a:avLst/>
+          </a:prstGeom>
+          <a:solidFill>
+            <a:schemeClr val="tx1"/>
+          </a:solidFill>
+        </p:spPr>
+        <p:style>
+          <a:lnRef idx="2">
+            <a:schemeClr val="accent1">
+              <a:shade val="50000"/>
+            </a:schemeClr>
+          </a:lnRef>
+          <a:fillRef idx="1">
+            <a:schemeClr val="accent1"/>
+          </a:fillRef>
+          <a:effectRef idx="0">
+            <a:schemeClr val="accent1"/>
+          </a:effectRef>
+          <a:fontRef idx="minor">
+            <a:schemeClr val="lt1"/>
+          </a:fontRef>
+        </p:style>
+        <p:txBody>
+          <a:bodyPr rtlCol="0" anchor="ctr"/>
+          <a:lstStyle/>
+          <a:p>
+            <a:pPr algn="ctr"/>
+            <a:r>
+              <a:rPr lang="ko-KR" altLang="en-US" sz="1400" dirty="0"/>
+              <a:t>검색 </a:t>
+            </a:r>
+          </a:p>
+        </p:txBody>
+      </p:sp>
+      <p:sp>
+        <p:nvSpPr>
+          <p:cNvPr id="12" name="TextBox 11">
+            <a:extLst>
+              <a:ext uri="{FF2B5EF4-FFF2-40B4-BE49-F238E27FC236}">
+                <a16:creationId xmlns:a16="http://schemas.microsoft.com/office/drawing/2014/main" id="{203AC8EF-C72C-2B54-E18A-2C271051EC13}"/>
+              </a:ext>
+            </a:extLst>
+          </p:cNvPr>
+          <p:cNvSpPr txBox="1"/>
+          <p:nvPr/>
+        </p:nvSpPr>
+        <p:spPr>
+          <a:xfrm>
+            <a:off x="9023927" y="1086929"/>
+            <a:ext cx="2946400" cy="3693319"/>
+          </a:xfrm>
+          <a:prstGeom prst="rect">
+            <a:avLst/>
+          </a:prstGeom>
+          <a:noFill/>
+        </p:spPr>
+        <p:txBody>
+          <a:bodyPr wrap="square" rtlCol="0">
+            <a:spAutoFit/>
+          </a:bodyPr>
+          <a:lstStyle/>
+          <a:p>
+            <a:r>
+              <a:rPr lang="ko-KR" altLang="en-US" dirty="0"/>
+              <a:t>핵심적으로 둘 것이 기술적으로</a:t>
+            </a:r>
+            <a:endParaRPr lang="en-US" altLang="ko-KR" dirty="0"/>
+          </a:p>
+          <a:p>
+            <a:endParaRPr lang="en-US" altLang="ko-KR" dirty="0"/>
+          </a:p>
+          <a:p>
+            <a:r>
+              <a:rPr lang="ko-KR" altLang="en-US" dirty="0"/>
+              <a:t>일단 노 </a:t>
+            </a:r>
+            <a:r>
+              <a:rPr lang="ko-KR" altLang="en-US" dirty="0" err="1"/>
+              <a:t>페이징</a:t>
+            </a:r>
+            <a:r>
+              <a:rPr lang="ko-KR" altLang="en-US" dirty="0"/>
+              <a:t> 처리 </a:t>
+            </a:r>
+            <a:endParaRPr lang="en-US" altLang="ko-KR" dirty="0"/>
+          </a:p>
+          <a:p>
+            <a:endParaRPr lang="en-US" altLang="ko-KR" dirty="0"/>
+          </a:p>
+          <a:p>
+            <a:r>
+              <a:rPr lang="ko-KR" altLang="en-US" dirty="0"/>
+              <a:t>게시판 추가 버튼은 아래에다가</a:t>
+            </a:r>
+            <a:endParaRPr lang="en-US" altLang="ko-KR" dirty="0"/>
+          </a:p>
+          <a:p>
+            <a:r>
+              <a:rPr lang="en-US" altLang="ko-KR" dirty="0"/>
+              <a:t>(</a:t>
+            </a:r>
+            <a:r>
+              <a:rPr lang="ko-KR" altLang="en-US" dirty="0"/>
+              <a:t>그 </a:t>
+            </a:r>
+            <a:r>
+              <a:rPr lang="ko-KR" altLang="en-US" dirty="0" err="1"/>
+              <a:t>그</a:t>
+            </a:r>
+            <a:r>
+              <a:rPr lang="ko-KR" altLang="en-US" dirty="0"/>
+              <a:t> </a:t>
+            </a:r>
+            <a:r>
+              <a:rPr lang="ko-KR" altLang="en-US" dirty="0" err="1"/>
+              <a:t>모달</a:t>
+            </a:r>
+            <a:r>
+              <a:rPr lang="ko-KR" altLang="en-US" dirty="0"/>
+              <a:t> 형식으로</a:t>
+            </a:r>
+            <a:r>
+              <a:rPr lang="en-US" altLang="ko-KR" dirty="0"/>
+              <a:t>)</a:t>
+            </a:r>
+          </a:p>
+          <a:p>
+            <a:endParaRPr lang="en-US" altLang="ko-KR" dirty="0"/>
+          </a:p>
+          <a:p>
+            <a:r>
+              <a:rPr lang="ko-KR" altLang="en-US" dirty="0"/>
+              <a:t>등록 수업 누르면 </a:t>
+            </a:r>
+            <a:r>
+              <a:rPr lang="ko-KR" altLang="en-US" dirty="0" err="1"/>
+              <a:t>모달</a:t>
+            </a:r>
+            <a:r>
+              <a:rPr lang="ko-KR" altLang="en-US" dirty="0"/>
+              <a:t> 형식으로 게시판 추가 가능</a:t>
+            </a:r>
+            <a:endParaRPr lang="en-US" altLang="ko-KR" dirty="0"/>
+          </a:p>
+          <a:p>
+            <a:endParaRPr lang="en-US" altLang="ko-KR" dirty="0"/>
+          </a:p>
+          <a:p>
+            <a:endParaRPr lang="ko-KR" altLang="en-US" dirty="0"/>
+          </a:p>
+        </p:txBody>
+      </p:sp>
+      <p:sp>
+        <p:nvSpPr>
+          <p:cNvPr id="13" name="사각형: 둥근 모서리 12">
+            <a:extLst>
+              <a:ext uri="{FF2B5EF4-FFF2-40B4-BE49-F238E27FC236}">
+                <a16:creationId xmlns:a16="http://schemas.microsoft.com/office/drawing/2014/main" id="{6275DFF4-822B-15B1-FBD7-9299CEB5B895}"/>
+              </a:ext>
+            </a:extLst>
+          </p:cNvPr>
+          <p:cNvSpPr/>
+          <p:nvPr/>
+        </p:nvSpPr>
+        <p:spPr>
+          <a:xfrm>
+            <a:off x="6894478" y="4472270"/>
+            <a:ext cx="1044755" cy="235179"/>
+          </a:xfrm>
+          <a:prstGeom prst="roundRect">
+            <a:avLst/>
+          </a:prstGeom>
+          <a:solidFill>
+            <a:schemeClr val="tx1"/>
+          </a:solidFill>
+        </p:spPr>
+        <p:style>
+          <a:lnRef idx="2">
+            <a:schemeClr val="accent1">
+              <a:shade val="50000"/>
+            </a:schemeClr>
+          </a:lnRef>
+          <a:fillRef idx="1">
+            <a:schemeClr val="accent1"/>
+          </a:fillRef>
+          <a:effectRef idx="0">
+            <a:schemeClr val="accent1"/>
+          </a:effectRef>
+          <a:fontRef idx="minor">
+            <a:schemeClr val="lt1"/>
+          </a:fontRef>
+        </p:style>
+        <p:txBody>
+          <a:bodyPr rtlCol="0" anchor="ctr"/>
+          <a:lstStyle/>
+          <a:p>
+            <a:pPr algn="ctr"/>
+            <a:r>
+              <a:rPr lang="ko-KR" altLang="en-US" sz="1200" dirty="0"/>
+              <a:t>게시판 추가</a:t>
+            </a:r>
+            <a:endParaRPr lang="ko-KR" altLang="en-US" dirty="0"/>
+          </a:p>
+        </p:txBody>
+      </p:sp>
     </p:spTree>
     <p:extLst>
       <p:ext uri="{BB962C8B-B14F-4D97-AF65-F5344CB8AC3E}">
-        <p14:creationId xmlns:p14="http://schemas.microsoft.com/office/powerpoint/2010/main" val="3227195126"/>
+        <p14:creationId xmlns:p14="http://schemas.microsoft.com/office/powerpoint/2010/main" val="1419961585"/>
       </p:ext>
     </p:extLst>
   </p:cSld>
@@ -7257,7 +8023,7 @@
           <p:cNvPr id="2" name="직사각형 1">
             <a:extLst>
               <a:ext uri="{FF2B5EF4-FFF2-40B4-BE49-F238E27FC236}">
-                <a16:creationId xmlns:a16="http://schemas.microsoft.com/office/drawing/2014/main" id="{4ED72886-887B-B821-3893-51B3065CB47B}"/>
+                <a16:creationId xmlns:a16="http://schemas.microsoft.com/office/drawing/2014/main" id="{D93AA586-BFEF-5E46-AEC5-375FACA14A98}"/>
               </a:ext>
             </a:extLst>
           </p:cNvPr>
@@ -7301,7 +8067,7 @@
           <p:cNvPr id="3" name="직사각형 2">
             <a:extLst>
               <a:ext uri="{FF2B5EF4-FFF2-40B4-BE49-F238E27FC236}">
-                <a16:creationId xmlns:a16="http://schemas.microsoft.com/office/drawing/2014/main" id="{C7C2E214-6A9F-D377-52BD-56684A274FCB}"/>
+                <a16:creationId xmlns:a16="http://schemas.microsoft.com/office/drawing/2014/main" id="{33225B7B-2F5E-8B83-EA42-E1524B272D25}"/>
               </a:ext>
             </a:extLst>
           </p:cNvPr>
@@ -7348,7 +8114,7 @@
           <p:cNvPr id="4" name="TextBox 3">
             <a:extLst>
               <a:ext uri="{FF2B5EF4-FFF2-40B4-BE49-F238E27FC236}">
-                <a16:creationId xmlns:a16="http://schemas.microsoft.com/office/drawing/2014/main" id="{626BBFD3-FC4A-4B62-483D-282DB05C9945}"/>
+                <a16:creationId xmlns:a16="http://schemas.microsoft.com/office/drawing/2014/main" id="{E6425F8A-E776-F3D8-1EE8-8234A39B649B}"/>
               </a:ext>
             </a:extLst>
           </p:cNvPr>
@@ -7357,8 +8123,8 @@
         </p:nvSpPr>
         <p:spPr>
           <a:xfrm>
-            <a:off x="2932980" y="1086929"/>
-            <a:ext cx="5710687" cy="369332"/>
+            <a:off x="8689849" y="1853545"/>
+            <a:ext cx="3854133" cy="2031325"/>
           </a:xfrm>
           <a:prstGeom prst="rect">
             <a:avLst/>
@@ -7371,113 +8137,16 @@
           </a:bodyPr>
           <a:lstStyle/>
           <a:p>
-            <a:r>
-              <a:rPr lang="en-US" altLang="ko-KR" dirty="0">
-                <a:solidFill>
-                  <a:schemeClr val="bg1"/>
-                </a:solidFill>
-              </a:rPr>
-              <a:t>admin   session       menu1     menu2     menu3</a:t>
-            </a:r>
-            <a:endParaRPr lang="ko-KR" altLang="en-US" dirty="0">
-              <a:solidFill>
-                <a:schemeClr val="bg1"/>
-              </a:solidFill>
-            </a:endParaRPr>
-          </a:p>
-        </p:txBody>
-      </p:sp>
-      <p:sp>
-        <p:nvSpPr>
-          <p:cNvPr id="11" name="TextBox 10">
-            <a:extLst>
-              <a:ext uri="{FF2B5EF4-FFF2-40B4-BE49-F238E27FC236}">
-                <a16:creationId xmlns:a16="http://schemas.microsoft.com/office/drawing/2014/main" id="{1AEA6046-B338-53E7-B8F3-F81D0BECC28B}"/>
-              </a:ext>
-            </a:extLst>
-          </p:cNvPr>
-          <p:cNvSpPr txBox="1"/>
-          <p:nvPr/>
-        </p:nvSpPr>
-        <p:spPr>
-          <a:xfrm>
-            <a:off x="8781212" y="1866154"/>
-            <a:ext cx="3410788" cy="2862322"/>
-          </a:xfrm>
-          <a:prstGeom prst="rect">
-            <a:avLst/>
-          </a:prstGeom>
-          <a:noFill/>
-        </p:spPr>
-        <p:txBody>
-          <a:bodyPr wrap="square" rtlCol="0">
-            <a:spAutoFit/>
-          </a:bodyPr>
-          <a:lstStyle/>
-          <a:p>
-            <a:r>
-              <a:rPr lang="ko-KR" altLang="en-US" dirty="0"/>
-              <a:t>회원 상세 정보는</a:t>
-            </a:r>
-            <a:endParaRPr lang="en-US" altLang="ko-KR" dirty="0"/>
-          </a:p>
-          <a:p>
             <a:pPr marL="342900" indent="-342900">
               <a:buAutoNum type="arabicPeriod"/>
             </a:pPr>
             <a:r>
-              <a:rPr lang="en-US" altLang="ko-KR" dirty="0" err="1"/>
-              <a:t>Uk</a:t>
-            </a:r>
-            <a:r>
-              <a:rPr lang="en-US" altLang="ko-KR" dirty="0"/>
-              <a:t> </a:t>
+              <a:rPr lang="ko-KR" altLang="en-US" dirty="0" err="1"/>
+              <a:t>토글하고</a:t>
             </a:r>
             <a:r>
               <a:rPr lang="ko-KR" altLang="en-US" dirty="0"/>
-              <a:t>인 아이디 </a:t>
-            </a:r>
-            <a:r>
-              <a:rPr lang="en-US" altLang="ko-KR" dirty="0"/>
-              <a:t>(email) &lt;- read only</a:t>
-            </a:r>
-          </a:p>
-          <a:p>
-            <a:pPr marL="342900" indent="-342900">
-              <a:buAutoNum type="arabicPeriod"/>
-            </a:pPr>
-            <a:r>
-              <a:rPr lang="en-US" altLang="ko-KR" dirty="0"/>
-              <a:t>Password</a:t>
-            </a:r>
-            <a:r>
-              <a:rPr lang="ko-KR" altLang="en-US" dirty="0"/>
-              <a:t> </a:t>
-            </a:r>
-            <a:r>
-              <a:rPr lang="en-US" altLang="ko-KR" dirty="0"/>
-              <a:t>&lt;-</a:t>
-            </a:r>
-            <a:r>
-              <a:rPr lang="ko-KR" altLang="en-US" dirty="0"/>
-              <a:t> </a:t>
-            </a:r>
-            <a:r>
-              <a:rPr lang="en-US" altLang="ko-KR" dirty="0"/>
-              <a:t>read only</a:t>
-            </a:r>
-          </a:p>
-          <a:p>
-            <a:pPr marL="342900" indent="-342900">
-              <a:buAutoNum type="arabicPeriod"/>
-            </a:pPr>
-            <a:r>
-              <a:rPr lang="en-US" altLang="ko-KR" dirty="0"/>
-              <a:t> </a:t>
-            </a:r>
-            <a:r>
-              <a:rPr lang="ko-KR" altLang="en-US" dirty="0"/>
-              <a:t>대부분 정보 보여주고</a:t>
+              <a:t> 검색을 통해서 변경</a:t>
             </a:r>
             <a:endParaRPr lang="en-US" altLang="ko-KR" dirty="0"/>
           </a:p>
@@ -7492,32 +8161,12 @@
               <a:buAutoNum type="arabicPeriod"/>
             </a:pPr>
             <a:r>
+              <a:rPr lang="ko-KR" altLang="en-US" dirty="0" err="1"/>
+              <a:t>페이징</a:t>
+            </a:r>
+            <a:r>
               <a:rPr lang="ko-KR" altLang="en-US" dirty="0"/>
-              <a:t>작성한 게시물 </a:t>
-            </a:r>
-            <a:r>
-              <a:rPr lang="en-US" altLang="ko-KR" dirty="0"/>
-              <a:t>&lt;- </a:t>
-            </a:r>
-            <a:r>
-              <a:rPr lang="ko-KR" altLang="en-US" dirty="0"/>
-              <a:t>테이블 형태로 보여주기 </a:t>
-            </a:r>
-            <a:r>
-              <a:rPr lang="en-US" altLang="ko-KR" dirty="0"/>
-              <a:t>&lt;- </a:t>
-            </a:r>
-            <a:r>
-              <a:rPr lang="en-US" altLang="ko-KR" dirty="0" err="1"/>
-              <a:t>url</a:t>
-            </a:r>
-            <a:r>
-              <a:rPr lang="en-US" altLang="ko-KR" dirty="0"/>
-              <a:t> </a:t>
-            </a:r>
-            <a:r>
-              <a:rPr lang="ko-KR" altLang="en-US" dirty="0"/>
-              <a:t>타고 가서 볼 수 잇게</a:t>
+              <a:t> 처리하기</a:t>
             </a:r>
             <a:endParaRPr lang="en-US" altLang="ko-KR" dirty="0"/>
           </a:p>
@@ -7527,14 +8176,71 @@
             </a:pPr>
             <a:endParaRPr lang="en-US" altLang="ko-KR" dirty="0"/>
           </a:p>
-        </p:txBody>
-      </p:sp>
-      <p:sp>
-        <p:nvSpPr>
-          <p:cNvPr id="13" name="직사각형 12">
-            <a:extLst>
-              <a:ext uri="{FF2B5EF4-FFF2-40B4-BE49-F238E27FC236}">
-                <a16:creationId xmlns:a16="http://schemas.microsoft.com/office/drawing/2014/main" id="{C4B0D028-61CC-5901-E932-E08A6F681168}"/>
+          <a:p>
+            <a:pPr marL="342900" indent="-342900">
+              <a:buAutoNum type="arabicPeriod"/>
+            </a:pPr>
+            <a:r>
+              <a:rPr lang="ko-KR" altLang="en-US" dirty="0"/>
+              <a:t>등록은 </a:t>
+            </a:r>
+            <a:r>
+              <a:rPr lang="ko-KR" altLang="en-US" dirty="0" err="1"/>
+              <a:t>모달로</a:t>
+            </a:r>
+            <a:endParaRPr lang="en-US" altLang="ko-KR" dirty="0"/>
+          </a:p>
+          <a:p>
+            <a:pPr marL="342900" indent="-342900">
+              <a:buAutoNum type="arabicPeriod"/>
+            </a:pPr>
+            <a:endParaRPr lang="en-US" altLang="ko-KR" dirty="0"/>
+          </a:p>
+          <a:p>
+            <a:pPr marL="342900" indent="-342900">
+              <a:buAutoNum type="arabicPeriod"/>
+            </a:pPr>
+            <a:r>
+              <a:rPr lang="ko-KR" altLang="en-US" dirty="0"/>
+              <a:t>모달에는 </a:t>
+            </a:r>
+            <a:r>
+              <a:rPr lang="en-US" altLang="ko-KR" dirty="0"/>
+              <a:t>2</a:t>
+            </a:r>
+            <a:r>
+              <a:rPr lang="ko-KR" altLang="en-US" dirty="0"/>
+              <a:t>가지 </a:t>
+            </a:r>
+            <a:r>
+              <a:rPr lang="en-US" altLang="ko-KR" dirty="0"/>
+              <a:t>(</a:t>
+            </a:r>
+            <a:r>
+              <a:rPr lang="ko-KR" altLang="en-US" dirty="0"/>
+              <a:t>년도</a:t>
+            </a:r>
+            <a:r>
+              <a:rPr lang="en-US" altLang="ko-KR" dirty="0"/>
+              <a:t>, </a:t>
+            </a:r>
+            <a:r>
+              <a:rPr lang="ko-KR" altLang="en-US" dirty="0"/>
+              <a:t>수업이름</a:t>
+            </a:r>
+            <a:r>
+              <a:rPr lang="en-US" altLang="ko-KR" dirty="0"/>
+              <a:t>)</a:t>
+            </a:r>
+          </a:p>
+        </p:txBody>
+      </p:sp>
+      <p:sp>
+        <p:nvSpPr>
+          <p:cNvPr id="5" name="직사각형 4">
+            <a:extLst>
+              <a:ext uri="{FF2B5EF4-FFF2-40B4-BE49-F238E27FC236}">
+                <a16:creationId xmlns:a16="http://schemas.microsoft.com/office/drawing/2014/main" id="{89C34FD2-6F4D-7AE7-E897-37102A01C9D3}"/>
               </a:ext>
             </a:extLst>
           </p:cNvPr>
@@ -7575,10 +8281,45 @@
       </p:sp>
       <p:sp>
         <p:nvSpPr>
-          <p:cNvPr id="14" name="사각형: 둥근 모서리 13">
-            <a:extLst>
-              <a:ext uri="{FF2B5EF4-FFF2-40B4-BE49-F238E27FC236}">
-                <a16:creationId xmlns:a16="http://schemas.microsoft.com/office/drawing/2014/main" id="{D98031BB-21E5-17D5-BF10-39AE9088C3A9}"/>
+          <p:cNvPr id="8" name="TextBox 7">
+            <a:extLst>
+              <a:ext uri="{FF2B5EF4-FFF2-40B4-BE49-F238E27FC236}">
+                <a16:creationId xmlns:a16="http://schemas.microsoft.com/office/drawing/2014/main" id="{F8F8DDC6-E444-53A5-8B5A-4909260ED064}"/>
+              </a:ext>
+            </a:extLst>
+          </p:cNvPr>
+          <p:cNvSpPr txBox="1"/>
+          <p:nvPr/>
+        </p:nvSpPr>
+        <p:spPr>
+          <a:xfrm>
+            <a:off x="3014932" y="298594"/>
+            <a:ext cx="3925019" cy="461665"/>
+          </a:xfrm>
+          <a:prstGeom prst="rect">
+            <a:avLst/>
+          </a:prstGeom>
+          <a:noFill/>
+        </p:spPr>
+        <p:txBody>
+          <a:bodyPr wrap="square" rtlCol="0">
+            <a:spAutoFit/>
+          </a:bodyPr>
+          <a:lstStyle/>
+          <a:p>
+            <a:r>
+              <a:rPr lang="ko-KR" altLang="en-US" sz="2400" b="1" dirty="0"/>
+              <a:t>수업 등록 </a:t>
+            </a:r>
+          </a:p>
+        </p:txBody>
+      </p:sp>
+      <p:sp>
+        <p:nvSpPr>
+          <p:cNvPr id="17" name="직사각형 16">
+            <a:extLst>
+              <a:ext uri="{FF2B5EF4-FFF2-40B4-BE49-F238E27FC236}">
+                <a16:creationId xmlns:a16="http://schemas.microsoft.com/office/drawing/2014/main" id="{AEEC8D00-6B78-49EA-EABC-74ECEFFFF19D}"/>
               </a:ext>
             </a:extLst>
           </p:cNvPr>
@@ -7587,8 +8328,436 @@
         </p:nvSpPr>
         <p:spPr>
           <a:xfrm>
-            <a:off x="4482261" y="4073792"/>
-            <a:ext cx="1044755" cy="235179"/>
+            <a:off x="4978878" y="2051390"/>
+            <a:ext cx="1259343" cy="148458"/>
+          </a:xfrm>
+          <a:prstGeom prst="rect">
+            <a:avLst/>
+          </a:prstGeom>
+        </p:spPr>
+        <p:style>
+          <a:lnRef idx="2">
+            <a:schemeClr val="dk1"/>
+          </a:lnRef>
+          <a:fillRef idx="1">
+            <a:schemeClr val="lt1"/>
+          </a:fillRef>
+          <a:effectRef idx="0">
+            <a:schemeClr val="dk1"/>
+          </a:effectRef>
+          <a:fontRef idx="minor">
+            <a:schemeClr val="dk1"/>
+          </a:fontRef>
+        </p:style>
+        <p:txBody>
+          <a:bodyPr rtlCol="0" anchor="ctr"/>
+          <a:lstStyle/>
+          <a:p>
+            <a:pPr algn="ctr"/>
+            <a:endParaRPr lang="ko-KR" altLang="en-US"/>
+          </a:p>
+        </p:txBody>
+      </p:sp>
+      <p:sp>
+        <p:nvSpPr>
+          <p:cNvPr id="18" name="TextBox 17">
+            <a:extLst>
+              <a:ext uri="{FF2B5EF4-FFF2-40B4-BE49-F238E27FC236}">
+                <a16:creationId xmlns:a16="http://schemas.microsoft.com/office/drawing/2014/main" id="{B0968167-A4A9-D755-4F93-C3E2EABC9DE8}"/>
+              </a:ext>
+            </a:extLst>
+          </p:cNvPr>
+          <p:cNvSpPr txBox="1"/>
+          <p:nvPr/>
+        </p:nvSpPr>
+        <p:spPr>
+          <a:xfrm>
+            <a:off x="4179021" y="1969475"/>
+            <a:ext cx="987848" cy="276999"/>
+          </a:xfrm>
+          <a:prstGeom prst="rect">
+            <a:avLst/>
+          </a:prstGeom>
+          <a:noFill/>
+        </p:spPr>
+        <p:txBody>
+          <a:bodyPr wrap="square" rtlCol="0">
+            <a:spAutoFit/>
+          </a:bodyPr>
+          <a:lstStyle/>
+          <a:p>
+            <a:r>
+              <a:rPr lang="ko-KR" altLang="en-US" sz="1200" b="1" dirty="0"/>
+              <a:t>등록 연도</a:t>
+            </a:r>
+          </a:p>
+        </p:txBody>
+      </p:sp>
+      <p:sp>
+        <p:nvSpPr>
+          <p:cNvPr id="19" name="TextBox 18">
+            <a:extLst>
+              <a:ext uri="{FF2B5EF4-FFF2-40B4-BE49-F238E27FC236}">
+                <a16:creationId xmlns:a16="http://schemas.microsoft.com/office/drawing/2014/main" id="{8046F0E8-7FB8-62BA-2066-6D4A0EC188D1}"/>
+              </a:ext>
+            </a:extLst>
+          </p:cNvPr>
+          <p:cNvSpPr txBox="1"/>
+          <p:nvPr/>
+        </p:nvSpPr>
+        <p:spPr>
+          <a:xfrm>
+            <a:off x="2932980" y="1086929"/>
+            <a:ext cx="5710687" cy="369332"/>
+          </a:xfrm>
+          <a:prstGeom prst="rect">
+            <a:avLst/>
+          </a:prstGeom>
+          <a:noFill/>
+        </p:spPr>
+        <p:txBody>
+          <a:bodyPr wrap="square" rtlCol="0">
+            <a:spAutoFit/>
+          </a:bodyPr>
+          <a:lstStyle/>
+          <a:p>
+            <a:r>
+              <a:rPr lang="en-US" altLang="ko-KR" dirty="0">
+                <a:solidFill>
+                  <a:schemeClr val="bg1"/>
+                </a:solidFill>
+              </a:rPr>
+              <a:t>admin   session    </a:t>
+            </a:r>
+            <a:r>
+              <a:rPr lang="ko-KR" altLang="en-US" dirty="0">
+                <a:solidFill>
+                  <a:schemeClr val="bg1"/>
+                </a:solidFill>
+              </a:rPr>
+              <a:t>수업 등록</a:t>
+            </a:r>
+            <a:r>
+              <a:rPr lang="en-US" altLang="ko-KR" dirty="0">
+                <a:solidFill>
+                  <a:schemeClr val="bg1"/>
+                </a:solidFill>
+              </a:rPr>
+              <a:t>   </a:t>
+            </a:r>
+            <a:r>
+              <a:rPr lang="ko-KR" altLang="en-US" dirty="0">
+                <a:solidFill>
+                  <a:schemeClr val="bg1"/>
+                </a:solidFill>
+              </a:rPr>
+              <a:t>학생 관리 게시판 관리</a:t>
+            </a:r>
+          </a:p>
+        </p:txBody>
+      </p:sp>
+      <p:graphicFrame>
+        <p:nvGraphicFramePr>
+          <p:cNvPr id="20" name="표 6">
+            <a:extLst>
+              <a:ext uri="{FF2B5EF4-FFF2-40B4-BE49-F238E27FC236}">
+                <a16:creationId xmlns:a16="http://schemas.microsoft.com/office/drawing/2014/main" id="{4597167C-3E39-8B15-FFC5-6F762E95926C}"/>
+              </a:ext>
+            </a:extLst>
+          </p:cNvPr>
+          <p:cNvGraphicFramePr>
+            <a:graphicFrameLocks noGrp="1"/>
+          </p:cNvGraphicFramePr>
+          <p:nvPr>
+            <p:extLst>
+              <p:ext uri="{D42A27DB-BD31-4B8C-83A1-F6EECF244321}">
+                <p14:modId xmlns:p14="http://schemas.microsoft.com/office/powerpoint/2010/main" val="948578375"/>
+              </p:ext>
+            </p:extLst>
+          </p:nvPr>
+        </p:nvGraphicFramePr>
+        <p:xfrm>
+          <a:off x="4444345" y="2451114"/>
+          <a:ext cx="2446417" cy="1217690"/>
+        </p:xfrm>
+        <a:graphic>
+          <a:graphicData uri="http://schemas.openxmlformats.org/drawingml/2006/table">
+            <a:tbl>
+              <a:tblPr firstRow="1" bandRow="1">
+                <a:tableStyleId>{073A0DAA-6AF3-43AB-8588-CEC1D06C72B9}</a:tableStyleId>
+              </a:tblPr>
+              <a:tblGrid>
+                <a:gridCol w="847371">
+                  <a:extLst>
+                    <a:ext uri="{9D8B030D-6E8A-4147-A177-3AD203B41FA5}">
+                      <a16:colId xmlns:a16="http://schemas.microsoft.com/office/drawing/2014/main" val="4129194285"/>
+                    </a:ext>
+                  </a:extLst>
+                </a:gridCol>
+                <a:gridCol w="712481">
+                  <a:extLst>
+                    <a:ext uri="{9D8B030D-6E8A-4147-A177-3AD203B41FA5}">
+                      <a16:colId xmlns:a16="http://schemas.microsoft.com/office/drawing/2014/main" val="1492225368"/>
+                    </a:ext>
+                  </a:extLst>
+                </a:gridCol>
+                <a:gridCol w="886565">
+                  <a:extLst>
+                    <a:ext uri="{9D8B030D-6E8A-4147-A177-3AD203B41FA5}">
+                      <a16:colId xmlns:a16="http://schemas.microsoft.com/office/drawing/2014/main" val="12717990"/>
+                    </a:ext>
+                  </a:extLst>
+                </a:gridCol>
+              </a:tblGrid>
+              <a:tr h="239848">
+                <a:tc>
+                  <a:txBody>
+                    <a:bodyPr/>
+                    <a:lstStyle/>
+                    <a:p>
+                      <a:pPr algn="ctr" latinLnBrk="1"/>
+                      <a:r>
+                        <a:rPr lang="ko-KR" altLang="en-US" sz="700" dirty="0"/>
+                        <a:t>순서</a:t>
+                      </a:r>
+                    </a:p>
+                  </a:txBody>
+                  <a:tcPr/>
+                </a:tc>
+                <a:tc>
+                  <a:txBody>
+                    <a:bodyPr/>
+                    <a:lstStyle/>
+                    <a:p>
+                      <a:pPr algn="ctr" latinLnBrk="1"/>
+                      <a:r>
+                        <a:rPr lang="ko-KR" altLang="en-US" sz="700" dirty="0"/>
+                        <a:t>수업</a:t>
+                      </a:r>
+                    </a:p>
+                  </a:txBody>
+                  <a:tcPr/>
+                </a:tc>
+                <a:tc>
+                  <a:txBody>
+                    <a:bodyPr/>
+                    <a:lstStyle/>
+                    <a:p>
+                      <a:pPr algn="ctr" latinLnBrk="1"/>
+                      <a:r>
+                        <a:rPr lang="en-US" altLang="ko-KR" sz="700" dirty="0"/>
+                        <a:t> </a:t>
+                      </a:r>
+                      <a:r>
+                        <a:rPr lang="ko-KR" altLang="en-US" sz="700" dirty="0"/>
+                        <a:t>수강 </a:t>
+                      </a:r>
+                      <a:r>
+                        <a:rPr lang="en-US" altLang="ko-KR" sz="700" dirty="0"/>
+                        <a:t>y/n</a:t>
+                      </a:r>
+                      <a:endParaRPr lang="ko-KR" altLang="en-US" sz="700" dirty="0"/>
+                    </a:p>
+                  </a:txBody>
+                  <a:tcPr/>
+                </a:tc>
+                <a:extLst>
+                  <a:ext uri="{0D108BD9-81ED-4DB2-BD59-A6C34878D82A}">
+                    <a16:rowId xmlns:a16="http://schemas.microsoft.com/office/drawing/2014/main" val="1606789671"/>
+                  </a:ext>
+                </a:extLst>
+              </a:tr>
+              <a:tr h="202948">
+                <a:tc>
+                  <a:txBody>
+                    <a:bodyPr/>
+                    <a:lstStyle/>
+                    <a:p>
+                      <a:pPr algn="ctr" latinLnBrk="1"/>
+                      <a:r>
+                        <a:rPr lang="en-US" altLang="ko-KR" sz="500" dirty="0"/>
+                        <a:t>1</a:t>
+                      </a:r>
+                      <a:endParaRPr lang="ko-KR" altLang="en-US" sz="500" dirty="0"/>
+                    </a:p>
+                  </a:txBody>
+                  <a:tcPr/>
+                </a:tc>
+                <a:tc>
+                  <a:txBody>
+                    <a:bodyPr/>
+                    <a:lstStyle/>
+                    <a:p>
+                      <a:pPr algn="ctr" latinLnBrk="1"/>
+                      <a:r>
+                        <a:rPr lang="en-US" altLang="ko-KR" sz="500" dirty="0" err="1"/>
+                        <a:t>tkddnjs</a:t>
+                      </a:r>
+                      <a:endParaRPr lang="ko-KR" altLang="en-US" sz="500" dirty="0"/>
+                    </a:p>
+                  </a:txBody>
+                  <a:tcPr/>
+                </a:tc>
+                <a:tc>
+                  <a:txBody>
+                    <a:bodyPr/>
+                    <a:lstStyle/>
+                    <a:p>
+                      <a:pPr algn="ctr" latinLnBrk="1"/>
+                      <a:r>
+                        <a:rPr lang="ko-KR" altLang="en-US" sz="500" dirty="0"/>
+                        <a:t>이상원</a:t>
+                      </a:r>
+                    </a:p>
+                  </a:txBody>
+                  <a:tcPr/>
+                </a:tc>
+                <a:extLst>
+                  <a:ext uri="{0D108BD9-81ED-4DB2-BD59-A6C34878D82A}">
+                    <a16:rowId xmlns:a16="http://schemas.microsoft.com/office/drawing/2014/main" val="1251608280"/>
+                  </a:ext>
+                </a:extLst>
+              </a:tr>
+              <a:tr h="258298">
+                <a:tc>
+                  <a:txBody>
+                    <a:bodyPr/>
+                    <a:lstStyle/>
+                    <a:p>
+                      <a:pPr algn="ctr" latinLnBrk="1"/>
+                      <a:endParaRPr lang="ko-KR" altLang="en-US" sz="800" dirty="0"/>
+                    </a:p>
+                  </a:txBody>
+                  <a:tcPr/>
+                </a:tc>
+                <a:tc>
+                  <a:txBody>
+                    <a:bodyPr/>
+                    <a:lstStyle/>
+                    <a:p>
+                      <a:pPr algn="ctr" latinLnBrk="1"/>
+                      <a:endParaRPr lang="ko-KR" altLang="en-US" sz="800"/>
+                    </a:p>
+                  </a:txBody>
+                  <a:tcPr/>
+                </a:tc>
+                <a:tc>
+                  <a:txBody>
+                    <a:bodyPr/>
+                    <a:lstStyle/>
+                    <a:p>
+                      <a:pPr algn="ctr" latinLnBrk="1"/>
+                      <a:endParaRPr lang="ko-KR" altLang="en-US" sz="800" dirty="0"/>
+                    </a:p>
+                  </a:txBody>
+                  <a:tcPr/>
+                </a:tc>
+                <a:extLst>
+                  <a:ext uri="{0D108BD9-81ED-4DB2-BD59-A6C34878D82A}">
+                    <a16:rowId xmlns:a16="http://schemas.microsoft.com/office/drawing/2014/main" val="2860028759"/>
+                  </a:ext>
+                </a:extLst>
+              </a:tr>
+              <a:tr h="258298">
+                <a:tc>
+                  <a:txBody>
+                    <a:bodyPr/>
+                    <a:lstStyle/>
+                    <a:p>
+                      <a:pPr algn="ctr" latinLnBrk="1"/>
+                      <a:endParaRPr lang="ko-KR" altLang="en-US" sz="800"/>
+                    </a:p>
+                  </a:txBody>
+                  <a:tcPr/>
+                </a:tc>
+                <a:tc>
+                  <a:txBody>
+                    <a:bodyPr/>
+                    <a:lstStyle/>
+                    <a:p>
+                      <a:pPr algn="ctr" latinLnBrk="1"/>
+                      <a:endParaRPr lang="ko-KR" altLang="en-US" sz="800" dirty="0"/>
+                    </a:p>
+                  </a:txBody>
+                  <a:tcPr/>
+                </a:tc>
+                <a:tc>
+                  <a:txBody>
+                    <a:bodyPr/>
+                    <a:lstStyle/>
+                    <a:p>
+                      <a:pPr algn="ctr" latinLnBrk="1"/>
+                      <a:endParaRPr lang="ko-KR" altLang="en-US" sz="800"/>
+                    </a:p>
+                  </a:txBody>
+                  <a:tcPr/>
+                </a:tc>
+                <a:extLst>
+                  <a:ext uri="{0D108BD9-81ED-4DB2-BD59-A6C34878D82A}">
+                    <a16:rowId xmlns:a16="http://schemas.microsoft.com/office/drawing/2014/main" val="785271659"/>
+                  </a:ext>
+                </a:extLst>
+              </a:tr>
+              <a:tr h="258298">
+                <a:tc>
+                  <a:txBody>
+                    <a:bodyPr/>
+                    <a:lstStyle/>
+                    <a:p>
+                      <a:pPr algn="ctr" latinLnBrk="1"/>
+                      <a:endParaRPr lang="ko-KR" altLang="en-US" sz="800"/>
+                    </a:p>
+                  </a:txBody>
+                  <a:tcPr/>
+                </a:tc>
+                <a:tc>
+                  <a:txBody>
+                    <a:bodyPr/>
+                    <a:lstStyle/>
+                    <a:p>
+                      <a:pPr algn="ctr" latinLnBrk="1"/>
+                      <a:endParaRPr lang="ko-KR" altLang="en-US" sz="800" dirty="0"/>
+                    </a:p>
+                  </a:txBody>
+                  <a:tcPr/>
+                </a:tc>
+                <a:tc>
+                  <a:txBody>
+                    <a:bodyPr/>
+                    <a:lstStyle/>
+                    <a:p>
+                      <a:pPr algn="ctr" latinLnBrk="1"/>
+                      <a:endParaRPr lang="ko-KR" altLang="en-US" sz="800" dirty="0"/>
+                    </a:p>
+                  </a:txBody>
+                  <a:tcPr/>
+                </a:tc>
+                <a:extLst>
+                  <a:ext uri="{0D108BD9-81ED-4DB2-BD59-A6C34878D82A}">
+                    <a16:rowId xmlns:a16="http://schemas.microsoft.com/office/drawing/2014/main" val="2877861469"/>
+                  </a:ext>
+                </a:extLst>
+              </a:tr>
+            </a:tbl>
+          </a:graphicData>
+        </a:graphic>
+      </p:graphicFrame>
+      <p:sp>
+        <p:nvSpPr>
+          <p:cNvPr id="21" name="사각형: 둥근 모서리 20">
+            <a:extLst>
+              <a:ext uri="{FF2B5EF4-FFF2-40B4-BE49-F238E27FC236}">
+                <a16:creationId xmlns:a16="http://schemas.microsoft.com/office/drawing/2014/main" id="{351EF99F-3698-A5B5-2062-F37A5E2C947F}"/>
+              </a:ext>
+            </a:extLst>
+          </p:cNvPr>
+          <p:cNvSpPr/>
+          <p:nvPr/>
+        </p:nvSpPr>
+        <p:spPr>
+          <a:xfrm>
+            <a:off x="6284223" y="1992089"/>
+            <a:ext cx="705213" cy="216606"/>
           </a:xfrm>
           <a:prstGeom prst="roundRect">
             <a:avLst/>
@@ -7619,551 +8788,16 @@
           <a:p>
             <a:pPr algn="ctr"/>
             <a:r>
-              <a:rPr lang="en-US" altLang="ko-KR" dirty="0"/>
-              <a:t>amend</a:t>
-            </a:r>
-            <a:endParaRPr lang="ko-KR" altLang="en-US" dirty="0"/>
-          </a:p>
-        </p:txBody>
-      </p:sp>
-      <p:sp>
-        <p:nvSpPr>
-          <p:cNvPr id="16" name="사각형: 둥근 모서리 15">
-            <a:extLst>
-              <a:ext uri="{FF2B5EF4-FFF2-40B4-BE49-F238E27FC236}">
-                <a16:creationId xmlns:a16="http://schemas.microsoft.com/office/drawing/2014/main" id="{A1C96254-1BCC-BDF8-2DB3-4A9154DD04E2}"/>
-              </a:ext>
-            </a:extLst>
-          </p:cNvPr>
-          <p:cNvSpPr/>
-          <p:nvPr/>
-        </p:nvSpPr>
-        <p:spPr>
-          <a:xfrm>
-            <a:off x="5911730" y="4063236"/>
-            <a:ext cx="1044755" cy="235179"/>
-          </a:xfrm>
-          <a:prstGeom prst="roundRect">
-            <a:avLst/>
-          </a:prstGeom>
-          <a:solidFill>
-            <a:schemeClr val="tx1"/>
-          </a:solidFill>
-        </p:spPr>
-        <p:style>
-          <a:lnRef idx="2">
-            <a:schemeClr val="accent1">
-              <a:shade val="50000"/>
-            </a:schemeClr>
-          </a:lnRef>
-          <a:fillRef idx="1">
-            <a:schemeClr val="accent1"/>
-          </a:fillRef>
-          <a:effectRef idx="0">
-            <a:schemeClr val="accent1"/>
-          </a:effectRef>
-          <a:fontRef idx="minor">
-            <a:schemeClr val="lt1"/>
-          </a:fontRef>
-        </p:style>
-        <p:txBody>
-          <a:bodyPr rtlCol="0" anchor="ctr"/>
-          <a:lstStyle/>
-          <a:p>
-            <a:pPr algn="ctr"/>
-            <a:r>
-              <a:rPr lang="en-US" altLang="ko-KR" dirty="0"/>
-              <a:t>cancel</a:t>
-            </a:r>
-            <a:endParaRPr lang="ko-KR" altLang="en-US" dirty="0"/>
-          </a:p>
-        </p:txBody>
-      </p:sp>
-      <p:sp>
-        <p:nvSpPr>
-          <p:cNvPr id="5" name="TextBox 4">
-            <a:extLst>
-              <a:ext uri="{FF2B5EF4-FFF2-40B4-BE49-F238E27FC236}">
-                <a16:creationId xmlns:a16="http://schemas.microsoft.com/office/drawing/2014/main" id="{07DE90B0-863A-C9DC-0A54-279A3DA37AB9}"/>
-              </a:ext>
-            </a:extLst>
-          </p:cNvPr>
-          <p:cNvSpPr txBox="1"/>
-          <p:nvPr/>
-        </p:nvSpPr>
-        <p:spPr>
-          <a:xfrm>
-            <a:off x="3014932" y="298594"/>
-            <a:ext cx="3925019" cy="461665"/>
-          </a:xfrm>
-          <a:prstGeom prst="rect">
-            <a:avLst/>
-          </a:prstGeom>
-          <a:noFill/>
-        </p:spPr>
-        <p:txBody>
-          <a:bodyPr wrap="square" rtlCol="0">
-            <a:spAutoFit/>
-          </a:bodyPr>
-          <a:lstStyle/>
-          <a:p>
-            <a:r>
-              <a:rPr lang="ko-KR" altLang="en-US" sz="2400" b="1" dirty="0"/>
-              <a:t>회원 상세 페이지</a:t>
-            </a:r>
-          </a:p>
-        </p:txBody>
-      </p:sp>
-      <p:sp>
-        <p:nvSpPr>
-          <p:cNvPr id="7" name="직사각형 6">
-            <a:extLst>
-              <a:ext uri="{FF2B5EF4-FFF2-40B4-BE49-F238E27FC236}">
-                <a16:creationId xmlns:a16="http://schemas.microsoft.com/office/drawing/2014/main" id="{A9C84860-4D1F-DFFD-813F-03850A6A4EED}"/>
-              </a:ext>
-            </a:extLst>
-          </p:cNvPr>
-          <p:cNvSpPr/>
-          <p:nvPr/>
-        </p:nvSpPr>
-        <p:spPr>
-          <a:xfrm>
-            <a:off x="4796285" y="1843643"/>
-            <a:ext cx="1503153" cy="177265"/>
-          </a:xfrm>
-          <a:prstGeom prst="rect">
-            <a:avLst/>
-          </a:prstGeom>
-        </p:spPr>
-        <p:style>
-          <a:lnRef idx="2">
-            <a:schemeClr val="dk1"/>
-          </a:lnRef>
-          <a:fillRef idx="1">
-            <a:schemeClr val="lt1"/>
-          </a:fillRef>
-          <a:effectRef idx="0">
-            <a:schemeClr val="dk1"/>
-          </a:effectRef>
-          <a:fontRef idx="minor">
-            <a:schemeClr val="dk1"/>
-          </a:fontRef>
-        </p:style>
-        <p:txBody>
-          <a:bodyPr rtlCol="0" anchor="ctr"/>
-          <a:lstStyle/>
-          <a:p>
-            <a:pPr algn="ctr"/>
-            <a:endParaRPr lang="ko-KR" altLang="en-US"/>
-          </a:p>
-        </p:txBody>
-      </p:sp>
-      <p:sp>
-        <p:nvSpPr>
-          <p:cNvPr id="8" name="TextBox 7">
-            <a:extLst>
-              <a:ext uri="{FF2B5EF4-FFF2-40B4-BE49-F238E27FC236}">
-                <a16:creationId xmlns:a16="http://schemas.microsoft.com/office/drawing/2014/main" id="{2A4BD34D-4EDD-A280-2F29-EEAE11F21F21}"/>
-              </a:ext>
-            </a:extLst>
-          </p:cNvPr>
-          <p:cNvSpPr txBox="1"/>
-          <p:nvPr/>
-        </p:nvSpPr>
-        <p:spPr>
-          <a:xfrm>
-            <a:off x="4265640" y="1797234"/>
-            <a:ext cx="699577" cy="276999"/>
-          </a:xfrm>
-          <a:prstGeom prst="rect">
-            <a:avLst/>
-          </a:prstGeom>
-          <a:noFill/>
-        </p:spPr>
-        <p:txBody>
-          <a:bodyPr wrap="square" rtlCol="0">
-            <a:spAutoFit/>
-          </a:bodyPr>
-          <a:lstStyle/>
-          <a:p>
-            <a:r>
-              <a:rPr lang="en-US" altLang="ko-KR" sz="1200" b="1" dirty="0"/>
-              <a:t>email</a:t>
-            </a:r>
-            <a:endParaRPr lang="ko-KR" altLang="en-US" sz="1200" b="1" dirty="0"/>
-          </a:p>
-        </p:txBody>
-      </p:sp>
-      <p:sp>
-        <p:nvSpPr>
-          <p:cNvPr id="10" name="직사각형 9">
-            <a:extLst>
-              <a:ext uri="{FF2B5EF4-FFF2-40B4-BE49-F238E27FC236}">
-                <a16:creationId xmlns:a16="http://schemas.microsoft.com/office/drawing/2014/main" id="{3E242B33-D3E4-84BA-266F-95BAB17AC160}"/>
-              </a:ext>
-            </a:extLst>
-          </p:cNvPr>
-          <p:cNvSpPr/>
-          <p:nvPr/>
-        </p:nvSpPr>
-        <p:spPr>
-          <a:xfrm>
-            <a:off x="4796285" y="2141678"/>
-            <a:ext cx="1503153" cy="177265"/>
-          </a:xfrm>
-          <a:prstGeom prst="rect">
-            <a:avLst/>
-          </a:prstGeom>
-        </p:spPr>
-        <p:style>
-          <a:lnRef idx="2">
-            <a:schemeClr val="dk1"/>
-          </a:lnRef>
-          <a:fillRef idx="1">
-            <a:schemeClr val="lt1"/>
-          </a:fillRef>
-          <a:effectRef idx="0">
-            <a:schemeClr val="dk1"/>
-          </a:effectRef>
-          <a:fontRef idx="minor">
-            <a:schemeClr val="dk1"/>
-          </a:fontRef>
-        </p:style>
-        <p:txBody>
-          <a:bodyPr rtlCol="0" anchor="ctr"/>
-          <a:lstStyle/>
-          <a:p>
-            <a:pPr algn="ctr"/>
-            <a:endParaRPr lang="ko-KR" altLang="en-US"/>
-          </a:p>
-        </p:txBody>
-      </p:sp>
-      <p:sp>
-        <p:nvSpPr>
-          <p:cNvPr id="12" name="TextBox 11">
-            <a:extLst>
-              <a:ext uri="{FF2B5EF4-FFF2-40B4-BE49-F238E27FC236}">
-                <a16:creationId xmlns:a16="http://schemas.microsoft.com/office/drawing/2014/main" id="{78ADCAE3-4B22-5636-EADF-B0F9863B43AF}"/>
-              </a:ext>
-            </a:extLst>
-          </p:cNvPr>
-          <p:cNvSpPr txBox="1"/>
-          <p:nvPr/>
-        </p:nvSpPr>
-        <p:spPr>
-          <a:xfrm>
-            <a:off x="4265640" y="2095269"/>
-            <a:ext cx="699577" cy="276999"/>
-          </a:xfrm>
-          <a:prstGeom prst="rect">
-            <a:avLst/>
-          </a:prstGeom>
-          <a:noFill/>
-        </p:spPr>
-        <p:txBody>
-          <a:bodyPr wrap="square" rtlCol="0">
-            <a:spAutoFit/>
-          </a:bodyPr>
-          <a:lstStyle/>
-          <a:p>
-            <a:r>
-              <a:rPr lang="en-US" altLang="ko-KR" sz="1200" b="1" dirty="0"/>
-              <a:t>pass</a:t>
-            </a:r>
-            <a:endParaRPr lang="ko-KR" altLang="en-US" sz="1200" b="1" dirty="0"/>
-          </a:p>
-        </p:txBody>
-      </p:sp>
-      <p:sp>
-        <p:nvSpPr>
-          <p:cNvPr id="15" name="직사각형 14">
-            <a:extLst>
-              <a:ext uri="{FF2B5EF4-FFF2-40B4-BE49-F238E27FC236}">
-                <a16:creationId xmlns:a16="http://schemas.microsoft.com/office/drawing/2014/main" id="{CBCB3363-2207-576B-4C4A-BA1545344EDD}"/>
-              </a:ext>
-            </a:extLst>
-          </p:cNvPr>
-          <p:cNvSpPr/>
-          <p:nvPr/>
-        </p:nvSpPr>
-        <p:spPr>
-          <a:xfrm>
-            <a:off x="5065498" y="2512071"/>
-            <a:ext cx="1259341" cy="177265"/>
-          </a:xfrm>
-          <a:prstGeom prst="rect">
-            <a:avLst/>
-          </a:prstGeom>
-        </p:spPr>
-        <p:style>
-          <a:lnRef idx="2">
-            <a:schemeClr val="dk1"/>
-          </a:lnRef>
-          <a:fillRef idx="1">
-            <a:schemeClr val="lt1"/>
-          </a:fillRef>
-          <a:effectRef idx="0">
-            <a:schemeClr val="dk1"/>
-          </a:effectRef>
-          <a:fontRef idx="minor">
-            <a:schemeClr val="dk1"/>
-          </a:fontRef>
-        </p:style>
-        <p:txBody>
-          <a:bodyPr rtlCol="0" anchor="ctr"/>
-          <a:lstStyle/>
-          <a:p>
-            <a:pPr algn="ctr"/>
-            <a:endParaRPr lang="ko-KR" altLang="en-US"/>
-          </a:p>
-        </p:txBody>
-      </p:sp>
-      <p:sp>
-        <p:nvSpPr>
-          <p:cNvPr id="17" name="TextBox 16">
-            <a:extLst>
-              <a:ext uri="{FF2B5EF4-FFF2-40B4-BE49-F238E27FC236}">
-                <a16:creationId xmlns:a16="http://schemas.microsoft.com/office/drawing/2014/main" id="{79A6CAD0-506D-DBFA-40FB-CD1844FD635E}"/>
-              </a:ext>
-            </a:extLst>
-          </p:cNvPr>
-          <p:cNvSpPr txBox="1"/>
-          <p:nvPr/>
-        </p:nvSpPr>
-        <p:spPr>
-          <a:xfrm>
-            <a:off x="4265640" y="2446629"/>
-            <a:ext cx="987847" cy="276999"/>
-          </a:xfrm>
-          <a:prstGeom prst="rect">
-            <a:avLst/>
-          </a:prstGeom>
-          <a:noFill/>
-        </p:spPr>
-        <p:txBody>
-          <a:bodyPr wrap="square" rtlCol="0">
-            <a:spAutoFit/>
-          </a:bodyPr>
-          <a:lstStyle/>
-          <a:p>
-            <a:r>
-              <a:rPr lang="en-US" altLang="ko-KR" sz="1200" b="1" dirty="0" err="1"/>
-              <a:t>m_name</a:t>
-            </a:r>
-            <a:endParaRPr lang="ko-KR" altLang="en-US" sz="1200" b="1" dirty="0"/>
-          </a:p>
-        </p:txBody>
-      </p:sp>
-      <p:sp>
-        <p:nvSpPr>
-          <p:cNvPr id="18" name="직사각형 17">
-            <a:extLst>
-              <a:ext uri="{FF2B5EF4-FFF2-40B4-BE49-F238E27FC236}">
-                <a16:creationId xmlns:a16="http://schemas.microsoft.com/office/drawing/2014/main" id="{7FEDD06A-2392-E4D5-3E87-6456BD15183D}"/>
-              </a:ext>
-            </a:extLst>
-          </p:cNvPr>
-          <p:cNvSpPr/>
-          <p:nvPr/>
-        </p:nvSpPr>
-        <p:spPr>
-          <a:xfrm>
-            <a:off x="5065498" y="2810860"/>
-            <a:ext cx="1259341" cy="177265"/>
-          </a:xfrm>
-          <a:prstGeom prst="rect">
-            <a:avLst/>
-          </a:prstGeom>
-        </p:spPr>
-        <p:style>
-          <a:lnRef idx="2">
-            <a:schemeClr val="dk1"/>
-          </a:lnRef>
-          <a:fillRef idx="1">
-            <a:schemeClr val="lt1"/>
-          </a:fillRef>
-          <a:effectRef idx="0">
-            <a:schemeClr val="dk1"/>
-          </a:effectRef>
-          <a:fontRef idx="minor">
-            <a:schemeClr val="dk1"/>
-          </a:fontRef>
-        </p:style>
-        <p:txBody>
-          <a:bodyPr rtlCol="0" anchor="ctr"/>
-          <a:lstStyle/>
-          <a:p>
-            <a:pPr algn="ctr"/>
-            <a:endParaRPr lang="ko-KR" altLang="en-US"/>
-          </a:p>
-        </p:txBody>
-      </p:sp>
-      <p:sp>
-        <p:nvSpPr>
-          <p:cNvPr id="19" name="TextBox 18">
-            <a:extLst>
-              <a:ext uri="{FF2B5EF4-FFF2-40B4-BE49-F238E27FC236}">
-                <a16:creationId xmlns:a16="http://schemas.microsoft.com/office/drawing/2014/main" id="{D4727C90-1614-9E5D-5F60-F7907CAF316E}"/>
-              </a:ext>
-            </a:extLst>
-          </p:cNvPr>
-          <p:cNvSpPr txBox="1"/>
-          <p:nvPr/>
-        </p:nvSpPr>
-        <p:spPr>
-          <a:xfrm>
-            <a:off x="4265640" y="2745418"/>
-            <a:ext cx="987847" cy="276999"/>
-          </a:xfrm>
-          <a:prstGeom prst="rect">
-            <a:avLst/>
-          </a:prstGeom>
-          <a:noFill/>
-        </p:spPr>
-        <p:txBody>
-          <a:bodyPr wrap="square" rtlCol="0">
-            <a:spAutoFit/>
-          </a:bodyPr>
-          <a:lstStyle/>
-          <a:p>
-            <a:r>
-              <a:rPr lang="en-US" altLang="ko-KR" sz="1200" b="1" dirty="0"/>
-              <a:t>address</a:t>
-            </a:r>
-            <a:endParaRPr lang="ko-KR" altLang="en-US" sz="1200" b="1" dirty="0"/>
-          </a:p>
-        </p:txBody>
-      </p:sp>
-      <p:sp>
-        <p:nvSpPr>
-          <p:cNvPr id="20" name="직사각형 19">
-            <a:extLst>
-              <a:ext uri="{FF2B5EF4-FFF2-40B4-BE49-F238E27FC236}">
-                <a16:creationId xmlns:a16="http://schemas.microsoft.com/office/drawing/2014/main" id="{39CD222B-9ECF-FC01-D252-591A14233F01}"/>
-              </a:ext>
-            </a:extLst>
-          </p:cNvPr>
-          <p:cNvSpPr/>
-          <p:nvPr/>
-        </p:nvSpPr>
-        <p:spPr>
-          <a:xfrm>
-            <a:off x="5065498" y="3064723"/>
-            <a:ext cx="1259341" cy="135832"/>
-          </a:xfrm>
-          <a:prstGeom prst="rect">
-            <a:avLst/>
-          </a:prstGeom>
-        </p:spPr>
-        <p:style>
-          <a:lnRef idx="2">
-            <a:schemeClr val="dk1"/>
-          </a:lnRef>
-          <a:fillRef idx="1">
-            <a:schemeClr val="lt1"/>
-          </a:fillRef>
-          <a:effectRef idx="0">
-            <a:schemeClr val="dk1"/>
-          </a:effectRef>
-          <a:fontRef idx="minor">
-            <a:schemeClr val="dk1"/>
-          </a:fontRef>
-        </p:style>
-        <p:txBody>
-          <a:bodyPr rtlCol="0" anchor="ctr"/>
-          <a:lstStyle/>
-          <a:p>
-            <a:pPr algn="ctr"/>
-            <a:endParaRPr lang="ko-KR" altLang="en-US"/>
-          </a:p>
-        </p:txBody>
-      </p:sp>
-      <p:sp>
-        <p:nvSpPr>
-          <p:cNvPr id="21" name="TextBox 20">
-            <a:extLst>
-              <a:ext uri="{FF2B5EF4-FFF2-40B4-BE49-F238E27FC236}">
-                <a16:creationId xmlns:a16="http://schemas.microsoft.com/office/drawing/2014/main" id="{F0783528-1772-8A27-623F-EA2C9DE484A1}"/>
-              </a:ext>
-            </a:extLst>
-          </p:cNvPr>
-          <p:cNvSpPr txBox="1"/>
-          <p:nvPr/>
-        </p:nvSpPr>
-        <p:spPr>
-          <a:xfrm>
-            <a:off x="4265640" y="2999280"/>
-            <a:ext cx="987847" cy="276999"/>
-          </a:xfrm>
-          <a:prstGeom prst="rect">
-            <a:avLst/>
-          </a:prstGeom>
-          <a:noFill/>
-        </p:spPr>
-        <p:txBody>
-          <a:bodyPr wrap="square" rtlCol="0">
-            <a:spAutoFit/>
-          </a:bodyPr>
-          <a:lstStyle/>
-          <a:p>
-            <a:r>
-              <a:rPr lang="en-US" altLang="ko-KR" sz="1200" b="1" dirty="0"/>
-              <a:t>group</a:t>
-            </a:r>
-            <a:endParaRPr lang="ko-KR" altLang="en-US" sz="1200" b="1" dirty="0"/>
-          </a:p>
-        </p:txBody>
-      </p:sp>
-      <p:sp>
-        <p:nvSpPr>
-          <p:cNvPr id="22" name="화살표: 아래쪽 21">
-            <a:extLst>
-              <a:ext uri="{FF2B5EF4-FFF2-40B4-BE49-F238E27FC236}">
-                <a16:creationId xmlns:a16="http://schemas.microsoft.com/office/drawing/2014/main" id="{9832CF41-AA2A-DE45-718A-7B79539A3DDB}"/>
-              </a:ext>
-            </a:extLst>
-          </p:cNvPr>
-          <p:cNvSpPr/>
-          <p:nvPr/>
-        </p:nvSpPr>
-        <p:spPr>
-          <a:xfrm>
-            <a:off x="6096000" y="3075357"/>
-            <a:ext cx="198408" cy="133092"/>
-          </a:xfrm>
-          <a:prstGeom prst="downArrow">
-            <a:avLst/>
-          </a:prstGeom>
-        </p:spPr>
-        <p:style>
-          <a:lnRef idx="2">
-            <a:schemeClr val="accent1">
-              <a:shade val="50000"/>
-            </a:schemeClr>
-          </a:lnRef>
-          <a:fillRef idx="1">
-            <a:schemeClr val="accent1"/>
-          </a:fillRef>
-          <a:effectRef idx="0">
-            <a:schemeClr val="accent1"/>
-          </a:effectRef>
-          <a:fontRef idx="minor">
-            <a:schemeClr val="lt1"/>
-          </a:fontRef>
-        </p:style>
-        <p:txBody>
-          <a:bodyPr rtlCol="0" anchor="ctr"/>
-          <a:lstStyle/>
-          <a:p>
-            <a:pPr algn="ctr"/>
-            <a:endParaRPr lang="ko-KR" altLang="en-US"/>
+              <a:rPr lang="ko-KR" altLang="en-US" sz="1400" dirty="0"/>
+              <a:t>검색 </a:t>
+            </a:r>
           </a:p>
         </p:txBody>
       </p:sp>
     </p:spTree>
     <p:extLst>
       <p:ext uri="{BB962C8B-B14F-4D97-AF65-F5344CB8AC3E}">
-        <p14:creationId xmlns:p14="http://schemas.microsoft.com/office/powerpoint/2010/main" val="1877602314"/>
+        <p14:creationId xmlns:p14="http://schemas.microsoft.com/office/powerpoint/2010/main" val="2359304247"/>
       </p:ext>
     </p:extLst>
   </p:cSld>
